--- a/Tournaments/2023_04_JapanOpen/PresentationSheet.pptx
+++ b/Tournaments/2023_04_JapanOpen/PresentationSheet.pptx
@@ -243,7 +243,7 @@
           <a:p>
             <a:fld id="{B22FF90D-8F5D-4FFE-A8AC-DC55650B53DE}" type="datetimeFigureOut">
               <a:rPr kumimoji="1" lang="ja-JP" altLang="en-US" smtClean="0"/>
-              <a:t>2023/3/4</a:t>
+              <a:t>2023/3/9</a:t>
             </a:fld>
             <a:endParaRPr kumimoji="1" lang="ja-JP" altLang="en-US"/>
           </a:p>
@@ -445,7 +445,7 @@
           <a:p>
             <a:fld id="{B22FF90D-8F5D-4FFE-A8AC-DC55650B53DE}" type="datetimeFigureOut">
               <a:rPr kumimoji="1" lang="ja-JP" altLang="en-US" smtClean="0"/>
-              <a:t>2023/3/4</a:t>
+              <a:t>2023/3/9</a:t>
             </a:fld>
             <a:endParaRPr kumimoji="1" lang="ja-JP" altLang="en-US"/>
           </a:p>
@@ -657,7 +657,7 @@
           <a:p>
             <a:fld id="{B22FF90D-8F5D-4FFE-A8AC-DC55650B53DE}" type="datetimeFigureOut">
               <a:rPr kumimoji="1" lang="ja-JP" altLang="en-US" smtClean="0"/>
-              <a:t>2023/3/4</a:t>
+              <a:t>2023/3/9</a:t>
             </a:fld>
             <a:endParaRPr kumimoji="1" lang="ja-JP" altLang="en-US"/>
           </a:p>
@@ -859,7 +859,7 @@
           <a:p>
             <a:fld id="{B22FF90D-8F5D-4FFE-A8AC-DC55650B53DE}" type="datetimeFigureOut">
               <a:rPr kumimoji="1" lang="ja-JP" altLang="en-US" smtClean="0"/>
-              <a:t>2023/3/4</a:t>
+              <a:t>2023/3/9</a:t>
             </a:fld>
             <a:endParaRPr kumimoji="1" lang="ja-JP" altLang="en-US"/>
           </a:p>
@@ -1103,7 +1103,7 @@
           <a:p>
             <a:fld id="{B22FF90D-8F5D-4FFE-A8AC-DC55650B53DE}" type="datetimeFigureOut">
               <a:rPr kumimoji="1" lang="ja-JP" altLang="en-US" smtClean="0"/>
-              <a:t>2023/3/4</a:t>
+              <a:t>2023/3/9</a:t>
             </a:fld>
             <a:endParaRPr kumimoji="1" lang="ja-JP" altLang="en-US"/>
           </a:p>
@@ -1399,7 +1399,7 @@
           <a:p>
             <a:fld id="{B22FF90D-8F5D-4FFE-A8AC-DC55650B53DE}" type="datetimeFigureOut">
               <a:rPr kumimoji="1" lang="ja-JP" altLang="en-US" smtClean="0"/>
-              <a:t>2023/3/4</a:t>
+              <a:t>2023/3/9</a:t>
             </a:fld>
             <a:endParaRPr kumimoji="1" lang="ja-JP" altLang="en-US"/>
           </a:p>
@@ -1830,7 +1830,7 @@
           <a:p>
             <a:fld id="{B22FF90D-8F5D-4FFE-A8AC-DC55650B53DE}" type="datetimeFigureOut">
               <a:rPr kumimoji="1" lang="ja-JP" altLang="en-US" smtClean="0"/>
-              <a:t>2023/3/4</a:t>
+              <a:t>2023/3/9</a:t>
             </a:fld>
             <a:endParaRPr kumimoji="1" lang="ja-JP" altLang="en-US"/>
           </a:p>
@@ -1948,7 +1948,7 @@
           <a:p>
             <a:fld id="{B22FF90D-8F5D-4FFE-A8AC-DC55650B53DE}" type="datetimeFigureOut">
               <a:rPr kumimoji="1" lang="ja-JP" altLang="en-US" smtClean="0"/>
-              <a:t>2023/3/4</a:t>
+              <a:t>2023/3/9</a:t>
             </a:fld>
             <a:endParaRPr kumimoji="1" lang="ja-JP" altLang="en-US"/>
           </a:p>
@@ -2043,7 +2043,7 @@
           <a:p>
             <a:fld id="{B22FF90D-8F5D-4FFE-A8AC-DC55650B53DE}" type="datetimeFigureOut">
               <a:rPr kumimoji="1" lang="ja-JP" altLang="en-US" smtClean="0"/>
-              <a:t>2023/3/4</a:t>
+              <a:t>2023/3/9</a:t>
             </a:fld>
             <a:endParaRPr kumimoji="1" lang="ja-JP" altLang="en-US"/>
           </a:p>
@@ -2352,7 +2352,7 @@
           <a:p>
             <a:fld id="{B22FF90D-8F5D-4FFE-A8AC-DC55650B53DE}" type="datetimeFigureOut">
               <a:rPr kumimoji="1" lang="ja-JP" altLang="en-US" smtClean="0"/>
-              <a:t>2023/3/4</a:t>
+              <a:t>2023/3/9</a:t>
             </a:fld>
             <a:endParaRPr kumimoji="1" lang="ja-JP" altLang="en-US"/>
           </a:p>
@@ -2609,7 +2609,7 @@
           <a:p>
             <a:fld id="{B22FF90D-8F5D-4FFE-A8AC-DC55650B53DE}" type="datetimeFigureOut">
               <a:rPr kumimoji="1" lang="ja-JP" altLang="en-US" smtClean="0"/>
-              <a:t>2023/3/4</a:t>
+              <a:t>2023/3/9</a:t>
             </a:fld>
             <a:endParaRPr kumimoji="1" lang="ja-JP" altLang="en-US"/>
           </a:p>
@@ -2854,7 +2854,7 @@
           <a:p>
             <a:fld id="{B22FF90D-8F5D-4FFE-A8AC-DC55650B53DE}" type="datetimeFigureOut">
               <a:rPr kumimoji="1" lang="ja-JP" altLang="en-US" smtClean="0"/>
-              <a:t>2023/3/4</a:t>
+              <a:t>2023/3/9</a:t>
             </a:fld>
             <a:endParaRPr kumimoji="1" lang="ja-JP" altLang="en-US"/>
           </a:p>
@@ -3333,8 +3333,8 @@
         </p:nvSpPr>
         <p:spPr>
           <a:xfrm>
-            <a:off x="7562086" y="545952"/>
-            <a:ext cx="3906502" cy="307777"/>
+            <a:off x="7562086" y="527910"/>
+            <a:ext cx="2267714" cy="307777"/>
           </a:xfrm>
           <a:prstGeom prst="rect">
             <a:avLst/>
@@ -3405,7 +3405,7 @@
         </p:nvSpPr>
         <p:spPr>
           <a:xfrm>
-            <a:off x="2590172" y="545953"/>
+            <a:off x="2590172" y="523035"/>
             <a:ext cx="4791703" cy="307777"/>
           </a:xfrm>
           <a:prstGeom prst="rect">
@@ -3483,8 +3483,8 @@
         </p:nvSpPr>
         <p:spPr>
           <a:xfrm>
-            <a:off x="10594478" y="414969"/>
-            <a:ext cx="2492559" cy="297902"/>
+            <a:off x="10594479" y="414969"/>
+            <a:ext cx="2007096" cy="297902"/>
           </a:xfrm>
           <a:prstGeom prst="rect">
             <a:avLst/>
@@ -3541,6 +3541,72 @@
           </a:prstGeom>
         </p:spPr>
       </p:pic>
+      <p:pic>
+        <p:nvPicPr>
+          <p:cNvPr id="2" name="図 1"/>
+          <p:cNvPicPr>
+            <a:picLocks noChangeAspect="1"/>
+          </p:cNvPicPr>
+          <p:nvPr/>
+        </p:nvPicPr>
+        <p:blipFill>
+          <a:blip r:embed="rId4" cstate="print">
+            <a:extLst>
+              <a:ext uri="{28A0092B-C50C-407E-A947-70E740481C1C}">
+                <a14:useLocalDpi xmlns:a14="http://schemas.microsoft.com/office/drawing/2010/main" val="0"/>
+              </a:ext>
+            </a:extLst>
+          </a:blip>
+          <a:stretch>
+            <a:fillRect/>
+          </a:stretch>
+        </p:blipFill>
+        <p:spPr>
+          <a:xfrm>
+            <a:off x="13832663" y="235827"/>
+            <a:ext cx="718478" cy="718478"/>
+          </a:xfrm>
+          <a:prstGeom prst="rect">
+            <a:avLst/>
+          </a:prstGeom>
+        </p:spPr>
+      </p:pic>
+      <p:sp>
+        <p:nvSpPr>
+          <p:cNvPr id="11" name="テキスト ボックス 10"/>
+          <p:cNvSpPr txBox="1"/>
+          <p:nvPr/>
+        </p:nvSpPr>
+        <p:spPr>
+          <a:xfrm>
+            <a:off x="12759666" y="410400"/>
+            <a:ext cx="1274145" cy="369332"/>
+          </a:xfrm>
+          <a:prstGeom prst="rect">
+            <a:avLst/>
+          </a:prstGeom>
+          <a:noFill/>
+        </p:spPr>
+        <p:txBody>
+          <a:bodyPr wrap="square" rtlCol="0">
+            <a:spAutoFit/>
+          </a:bodyPr>
+          <a:lstStyle/>
+          <a:p>
+            <a:r>
+              <a:rPr lang="en-US" altLang="ja-JP" sz="1800" dirty="0" smtClean="0">
+                <a:latin typeface="源ノ角ゴシック Code JP L" panose="020B0300000000000000" pitchFamily="34" charset="-128"/>
+                <a:ea typeface="源ノ角ゴシック Code JP L" panose="020B0300000000000000" pitchFamily="34" charset="-128"/>
+              </a:rPr>
+              <a:t>BLOG :</a:t>
+            </a:r>
+            <a:endParaRPr lang="ja-JP" altLang="en-US" sz="1800" dirty="0">
+              <a:latin typeface="源ノ角ゴシック Code JP L" panose="020B0300000000000000" pitchFamily="34" charset="-128"/>
+              <a:ea typeface="源ノ角ゴシック Code JP L" panose="020B0300000000000000" pitchFamily="34" charset="-128"/>
+            </a:endParaRPr>
+          </a:p>
+        </p:txBody>
+      </p:sp>
     </p:spTree>
     <p:extLst>
       <p:ext uri="{BB962C8B-B14F-4D97-AF65-F5344CB8AC3E}">

--- a/Tournaments/2023_04_JapanOpen/PresentationSheet.pptx
+++ b/Tournaments/2023_04_JapanOpen/PresentationSheet.pptx
@@ -154,7 +154,7 @@
           </a:lstStyle>
           <a:p>
             <a:r>
-              <a:rPr lang="ja-JP" altLang="en-US" smtClean="0"/>
+              <a:rPr lang="ja-JP" altLang="en-US"/>
               <a:t>マスター タイトルの書式設定</a:t>
             </a:r>
             <a:endParaRPr lang="en-US" dirty="0"/>
@@ -219,7 +219,7 @@
           </a:lstStyle>
           <a:p>
             <a:r>
-              <a:rPr lang="ja-JP" altLang="en-US" smtClean="0"/>
+              <a:rPr lang="ja-JP" altLang="en-US"/>
               <a:t>マスター サブタイトルの書式設定</a:t>
             </a:r>
             <a:endParaRPr lang="en-US" dirty="0"/>
@@ -243,7 +243,7 @@
           <a:p>
             <a:fld id="{B22FF90D-8F5D-4FFE-A8AC-DC55650B53DE}" type="datetimeFigureOut">
               <a:rPr kumimoji="1" lang="ja-JP" altLang="en-US" smtClean="0"/>
-              <a:t>2023/3/9</a:t>
+              <a:t>2023/3/13</a:t>
             </a:fld>
             <a:endParaRPr kumimoji="1" lang="ja-JP" altLang="en-US"/>
           </a:p>
@@ -337,7 +337,7 @@
           <a:lstStyle/>
           <a:p>
             <a:r>
-              <a:rPr lang="ja-JP" altLang="en-US" smtClean="0"/>
+              <a:rPr lang="ja-JP" altLang="en-US"/>
               <a:t>マスター タイトルの書式設定</a:t>
             </a:r>
             <a:endParaRPr lang="en-US" dirty="0"/>
@@ -361,67 +361,67 @@
           <a:p>
             <a:pPr lvl="0"/>
             <a:r>
-              <a:rPr lang="ja-JP" altLang="en-US" smtClean="0"/>
+              <a:rPr lang="ja-JP" altLang="en-US"/>
               <a:t>マスター テキストの書式設定</a:t>
             </a:r>
           </a:p>
           <a:p>
             <a:pPr lvl="1"/>
             <a:r>
-              <a:rPr lang="ja-JP" altLang="en-US" smtClean="0"/>
+              <a:rPr lang="ja-JP" altLang="en-US"/>
               <a:t>第 </a:t>
             </a:r>
             <a:r>
-              <a:rPr lang="en-US" altLang="ja-JP" smtClean="0"/>
+              <a:rPr lang="en-US" altLang="ja-JP"/>
               <a:t>2 </a:t>
             </a:r>
             <a:r>
-              <a:rPr lang="ja-JP" altLang="en-US" smtClean="0"/>
+              <a:rPr lang="ja-JP" altLang="en-US"/>
               <a:t>レベル</a:t>
             </a:r>
           </a:p>
           <a:p>
             <a:pPr lvl="2"/>
             <a:r>
-              <a:rPr lang="ja-JP" altLang="en-US" smtClean="0"/>
+              <a:rPr lang="ja-JP" altLang="en-US"/>
               <a:t>第 </a:t>
             </a:r>
             <a:r>
-              <a:rPr lang="en-US" altLang="ja-JP" smtClean="0"/>
+              <a:rPr lang="en-US" altLang="ja-JP"/>
               <a:t>3 </a:t>
             </a:r>
             <a:r>
-              <a:rPr lang="ja-JP" altLang="en-US" smtClean="0"/>
+              <a:rPr lang="ja-JP" altLang="en-US"/>
               <a:t>レベル</a:t>
             </a:r>
           </a:p>
           <a:p>
             <a:pPr lvl="3"/>
             <a:r>
-              <a:rPr lang="ja-JP" altLang="en-US" smtClean="0"/>
+              <a:rPr lang="ja-JP" altLang="en-US"/>
               <a:t>第 </a:t>
             </a:r>
             <a:r>
-              <a:rPr lang="en-US" altLang="ja-JP" smtClean="0"/>
+              <a:rPr lang="en-US" altLang="ja-JP"/>
               <a:t>4 </a:t>
             </a:r>
             <a:r>
-              <a:rPr lang="ja-JP" altLang="en-US" smtClean="0"/>
+              <a:rPr lang="ja-JP" altLang="en-US"/>
               <a:t>レベル</a:t>
             </a:r>
           </a:p>
           <a:p>
             <a:pPr lvl="4"/>
             <a:r>
-              <a:rPr lang="ja-JP" altLang="en-US" smtClean="0"/>
+              <a:rPr lang="ja-JP" altLang="en-US"/>
               <a:t>第 </a:t>
             </a:r>
             <a:r>
-              <a:rPr lang="en-US" altLang="ja-JP" smtClean="0"/>
+              <a:rPr lang="en-US" altLang="ja-JP"/>
               <a:t>5 </a:t>
             </a:r>
             <a:r>
-              <a:rPr lang="ja-JP" altLang="en-US" smtClean="0"/>
+              <a:rPr lang="ja-JP" altLang="en-US"/>
               <a:t>レベル</a:t>
             </a:r>
             <a:endParaRPr lang="en-US" dirty="0"/>
@@ -445,7 +445,7 @@
           <a:p>
             <a:fld id="{B22FF90D-8F5D-4FFE-A8AC-DC55650B53DE}" type="datetimeFigureOut">
               <a:rPr kumimoji="1" lang="ja-JP" altLang="en-US" smtClean="0"/>
-              <a:t>2023/3/9</a:t>
+              <a:t>2023/3/13</a:t>
             </a:fld>
             <a:endParaRPr kumimoji="1" lang="ja-JP" altLang="en-US"/>
           </a:p>
@@ -544,7 +544,7 @@
           <a:lstStyle/>
           <a:p>
             <a:r>
-              <a:rPr lang="ja-JP" altLang="en-US" smtClean="0"/>
+              <a:rPr lang="ja-JP" altLang="en-US"/>
               <a:t>マスター タイトルの書式設定</a:t>
             </a:r>
             <a:endParaRPr lang="en-US" dirty="0"/>
@@ -573,67 +573,67 @@
           <a:p>
             <a:pPr lvl="0"/>
             <a:r>
-              <a:rPr lang="ja-JP" altLang="en-US" smtClean="0"/>
+              <a:rPr lang="ja-JP" altLang="en-US"/>
               <a:t>マスター テキストの書式設定</a:t>
             </a:r>
           </a:p>
           <a:p>
             <a:pPr lvl="1"/>
             <a:r>
-              <a:rPr lang="ja-JP" altLang="en-US" smtClean="0"/>
+              <a:rPr lang="ja-JP" altLang="en-US"/>
               <a:t>第 </a:t>
             </a:r>
             <a:r>
-              <a:rPr lang="en-US" altLang="ja-JP" smtClean="0"/>
+              <a:rPr lang="en-US" altLang="ja-JP"/>
               <a:t>2 </a:t>
             </a:r>
             <a:r>
-              <a:rPr lang="ja-JP" altLang="en-US" smtClean="0"/>
+              <a:rPr lang="ja-JP" altLang="en-US"/>
               <a:t>レベル</a:t>
             </a:r>
           </a:p>
           <a:p>
             <a:pPr lvl="2"/>
             <a:r>
-              <a:rPr lang="ja-JP" altLang="en-US" smtClean="0"/>
+              <a:rPr lang="ja-JP" altLang="en-US"/>
               <a:t>第 </a:t>
             </a:r>
             <a:r>
-              <a:rPr lang="en-US" altLang="ja-JP" smtClean="0"/>
+              <a:rPr lang="en-US" altLang="ja-JP"/>
               <a:t>3 </a:t>
             </a:r>
             <a:r>
-              <a:rPr lang="ja-JP" altLang="en-US" smtClean="0"/>
+              <a:rPr lang="ja-JP" altLang="en-US"/>
               <a:t>レベル</a:t>
             </a:r>
           </a:p>
           <a:p>
             <a:pPr lvl="3"/>
             <a:r>
-              <a:rPr lang="ja-JP" altLang="en-US" smtClean="0"/>
+              <a:rPr lang="ja-JP" altLang="en-US"/>
               <a:t>第 </a:t>
             </a:r>
             <a:r>
-              <a:rPr lang="en-US" altLang="ja-JP" smtClean="0"/>
+              <a:rPr lang="en-US" altLang="ja-JP"/>
               <a:t>4 </a:t>
             </a:r>
             <a:r>
-              <a:rPr lang="ja-JP" altLang="en-US" smtClean="0"/>
+              <a:rPr lang="ja-JP" altLang="en-US"/>
               <a:t>レベル</a:t>
             </a:r>
           </a:p>
           <a:p>
             <a:pPr lvl="4"/>
             <a:r>
-              <a:rPr lang="ja-JP" altLang="en-US" smtClean="0"/>
+              <a:rPr lang="ja-JP" altLang="en-US"/>
               <a:t>第 </a:t>
             </a:r>
             <a:r>
-              <a:rPr lang="en-US" altLang="ja-JP" smtClean="0"/>
+              <a:rPr lang="en-US" altLang="ja-JP"/>
               <a:t>5 </a:t>
             </a:r>
             <a:r>
-              <a:rPr lang="ja-JP" altLang="en-US" smtClean="0"/>
+              <a:rPr lang="ja-JP" altLang="en-US"/>
               <a:t>レベル</a:t>
             </a:r>
             <a:endParaRPr lang="en-US" dirty="0"/>
@@ -657,7 +657,7 @@
           <a:p>
             <a:fld id="{B22FF90D-8F5D-4FFE-A8AC-DC55650B53DE}" type="datetimeFigureOut">
               <a:rPr kumimoji="1" lang="ja-JP" altLang="en-US" smtClean="0"/>
-              <a:t>2023/3/9</a:t>
+              <a:t>2023/3/13</a:t>
             </a:fld>
             <a:endParaRPr kumimoji="1" lang="ja-JP" altLang="en-US"/>
           </a:p>
@@ -751,7 +751,7 @@
           <a:lstStyle/>
           <a:p>
             <a:r>
-              <a:rPr lang="ja-JP" altLang="en-US" smtClean="0"/>
+              <a:rPr lang="ja-JP" altLang="en-US"/>
               <a:t>マスター タイトルの書式設定</a:t>
             </a:r>
             <a:endParaRPr lang="en-US" dirty="0"/>
@@ -775,67 +775,67 @@
           <a:p>
             <a:pPr lvl="0"/>
             <a:r>
-              <a:rPr lang="ja-JP" altLang="en-US" smtClean="0"/>
+              <a:rPr lang="ja-JP" altLang="en-US"/>
               <a:t>マスター テキストの書式設定</a:t>
             </a:r>
           </a:p>
           <a:p>
             <a:pPr lvl="1"/>
             <a:r>
-              <a:rPr lang="ja-JP" altLang="en-US" smtClean="0"/>
+              <a:rPr lang="ja-JP" altLang="en-US"/>
               <a:t>第 </a:t>
             </a:r>
             <a:r>
-              <a:rPr lang="en-US" altLang="ja-JP" smtClean="0"/>
+              <a:rPr lang="en-US" altLang="ja-JP"/>
               <a:t>2 </a:t>
             </a:r>
             <a:r>
-              <a:rPr lang="ja-JP" altLang="en-US" smtClean="0"/>
+              <a:rPr lang="ja-JP" altLang="en-US"/>
               <a:t>レベル</a:t>
             </a:r>
           </a:p>
           <a:p>
             <a:pPr lvl="2"/>
             <a:r>
-              <a:rPr lang="ja-JP" altLang="en-US" smtClean="0"/>
+              <a:rPr lang="ja-JP" altLang="en-US"/>
               <a:t>第 </a:t>
             </a:r>
             <a:r>
-              <a:rPr lang="en-US" altLang="ja-JP" smtClean="0"/>
+              <a:rPr lang="en-US" altLang="ja-JP"/>
               <a:t>3 </a:t>
             </a:r>
             <a:r>
-              <a:rPr lang="ja-JP" altLang="en-US" smtClean="0"/>
+              <a:rPr lang="ja-JP" altLang="en-US"/>
               <a:t>レベル</a:t>
             </a:r>
           </a:p>
           <a:p>
             <a:pPr lvl="3"/>
             <a:r>
-              <a:rPr lang="ja-JP" altLang="en-US" smtClean="0"/>
+              <a:rPr lang="ja-JP" altLang="en-US"/>
               <a:t>第 </a:t>
             </a:r>
             <a:r>
-              <a:rPr lang="en-US" altLang="ja-JP" smtClean="0"/>
+              <a:rPr lang="en-US" altLang="ja-JP"/>
               <a:t>4 </a:t>
             </a:r>
             <a:r>
-              <a:rPr lang="ja-JP" altLang="en-US" smtClean="0"/>
+              <a:rPr lang="ja-JP" altLang="en-US"/>
               <a:t>レベル</a:t>
             </a:r>
           </a:p>
           <a:p>
             <a:pPr lvl="4"/>
             <a:r>
-              <a:rPr lang="ja-JP" altLang="en-US" smtClean="0"/>
+              <a:rPr lang="ja-JP" altLang="en-US"/>
               <a:t>第 </a:t>
             </a:r>
             <a:r>
-              <a:rPr lang="en-US" altLang="ja-JP" smtClean="0"/>
+              <a:rPr lang="en-US" altLang="ja-JP"/>
               <a:t>5 </a:t>
             </a:r>
             <a:r>
-              <a:rPr lang="ja-JP" altLang="en-US" smtClean="0"/>
+              <a:rPr lang="ja-JP" altLang="en-US"/>
               <a:t>レベル</a:t>
             </a:r>
             <a:endParaRPr lang="en-US" dirty="0"/>
@@ -859,7 +859,7 @@
           <a:p>
             <a:fld id="{B22FF90D-8F5D-4FFE-A8AC-DC55650B53DE}" type="datetimeFigureOut">
               <a:rPr kumimoji="1" lang="ja-JP" altLang="en-US" smtClean="0"/>
-              <a:t>2023/3/9</a:t>
+              <a:t>2023/3/13</a:t>
             </a:fld>
             <a:endParaRPr kumimoji="1" lang="ja-JP" altLang="en-US"/>
           </a:p>
@@ -962,7 +962,7 @@
           </a:lstStyle>
           <a:p>
             <a:r>
-              <a:rPr lang="ja-JP" altLang="en-US" smtClean="0"/>
+              <a:rPr lang="ja-JP" altLang="en-US"/>
               <a:t>マスター タイトルの書式設定</a:t>
             </a:r>
             <a:endParaRPr lang="en-US" dirty="0"/>
@@ -1080,7 +1080,7 @@
           <a:p>
             <a:pPr lvl="0"/>
             <a:r>
-              <a:rPr lang="ja-JP" altLang="en-US" smtClean="0"/>
+              <a:rPr lang="ja-JP" altLang="en-US"/>
               <a:t>マスター テキストの書式設定</a:t>
             </a:r>
           </a:p>
@@ -1103,7 +1103,7 @@
           <a:p>
             <a:fld id="{B22FF90D-8F5D-4FFE-A8AC-DC55650B53DE}" type="datetimeFigureOut">
               <a:rPr kumimoji="1" lang="ja-JP" altLang="en-US" smtClean="0"/>
-              <a:t>2023/3/9</a:t>
+              <a:t>2023/3/13</a:t>
             </a:fld>
             <a:endParaRPr kumimoji="1" lang="ja-JP" altLang="en-US"/>
           </a:p>
@@ -1197,7 +1197,7 @@
           <a:lstStyle/>
           <a:p>
             <a:r>
-              <a:rPr lang="ja-JP" altLang="en-US" smtClean="0"/>
+              <a:rPr lang="ja-JP" altLang="en-US"/>
               <a:t>マスター タイトルの書式設定</a:t>
             </a:r>
             <a:endParaRPr lang="en-US" dirty="0"/>
@@ -1226,67 +1226,67 @@
           <a:p>
             <a:pPr lvl="0"/>
             <a:r>
-              <a:rPr lang="ja-JP" altLang="en-US" smtClean="0"/>
+              <a:rPr lang="ja-JP" altLang="en-US"/>
               <a:t>マスター テキストの書式設定</a:t>
             </a:r>
           </a:p>
           <a:p>
             <a:pPr lvl="1"/>
             <a:r>
-              <a:rPr lang="ja-JP" altLang="en-US" smtClean="0"/>
+              <a:rPr lang="ja-JP" altLang="en-US"/>
               <a:t>第 </a:t>
             </a:r>
             <a:r>
-              <a:rPr lang="en-US" altLang="ja-JP" smtClean="0"/>
+              <a:rPr lang="en-US" altLang="ja-JP"/>
               <a:t>2 </a:t>
             </a:r>
             <a:r>
-              <a:rPr lang="ja-JP" altLang="en-US" smtClean="0"/>
+              <a:rPr lang="ja-JP" altLang="en-US"/>
               <a:t>レベル</a:t>
             </a:r>
           </a:p>
           <a:p>
             <a:pPr lvl="2"/>
             <a:r>
-              <a:rPr lang="ja-JP" altLang="en-US" smtClean="0"/>
+              <a:rPr lang="ja-JP" altLang="en-US"/>
               <a:t>第 </a:t>
             </a:r>
             <a:r>
-              <a:rPr lang="en-US" altLang="ja-JP" smtClean="0"/>
+              <a:rPr lang="en-US" altLang="ja-JP"/>
               <a:t>3 </a:t>
             </a:r>
             <a:r>
-              <a:rPr lang="ja-JP" altLang="en-US" smtClean="0"/>
+              <a:rPr lang="ja-JP" altLang="en-US"/>
               <a:t>レベル</a:t>
             </a:r>
           </a:p>
           <a:p>
             <a:pPr lvl="3"/>
             <a:r>
-              <a:rPr lang="ja-JP" altLang="en-US" smtClean="0"/>
+              <a:rPr lang="ja-JP" altLang="en-US"/>
               <a:t>第 </a:t>
             </a:r>
             <a:r>
-              <a:rPr lang="en-US" altLang="ja-JP" smtClean="0"/>
+              <a:rPr lang="en-US" altLang="ja-JP"/>
               <a:t>4 </a:t>
             </a:r>
             <a:r>
-              <a:rPr lang="ja-JP" altLang="en-US" smtClean="0"/>
+              <a:rPr lang="ja-JP" altLang="en-US"/>
               <a:t>レベル</a:t>
             </a:r>
           </a:p>
           <a:p>
             <a:pPr lvl="4"/>
             <a:r>
-              <a:rPr lang="ja-JP" altLang="en-US" smtClean="0"/>
+              <a:rPr lang="ja-JP" altLang="en-US"/>
               <a:t>第 </a:t>
             </a:r>
             <a:r>
-              <a:rPr lang="en-US" altLang="ja-JP" smtClean="0"/>
+              <a:rPr lang="en-US" altLang="ja-JP"/>
               <a:t>5 </a:t>
             </a:r>
             <a:r>
-              <a:rPr lang="ja-JP" altLang="en-US" smtClean="0"/>
+              <a:rPr lang="ja-JP" altLang="en-US"/>
               <a:t>レベル</a:t>
             </a:r>
             <a:endParaRPr lang="en-US" dirty="0"/>
@@ -1315,67 +1315,67 @@
           <a:p>
             <a:pPr lvl="0"/>
             <a:r>
-              <a:rPr lang="ja-JP" altLang="en-US" smtClean="0"/>
+              <a:rPr lang="ja-JP" altLang="en-US"/>
               <a:t>マスター テキストの書式設定</a:t>
             </a:r>
           </a:p>
           <a:p>
             <a:pPr lvl="1"/>
             <a:r>
-              <a:rPr lang="ja-JP" altLang="en-US" smtClean="0"/>
+              <a:rPr lang="ja-JP" altLang="en-US"/>
               <a:t>第 </a:t>
             </a:r>
             <a:r>
-              <a:rPr lang="en-US" altLang="ja-JP" smtClean="0"/>
+              <a:rPr lang="en-US" altLang="ja-JP"/>
               <a:t>2 </a:t>
             </a:r>
             <a:r>
-              <a:rPr lang="ja-JP" altLang="en-US" smtClean="0"/>
+              <a:rPr lang="ja-JP" altLang="en-US"/>
               <a:t>レベル</a:t>
             </a:r>
           </a:p>
           <a:p>
             <a:pPr lvl="2"/>
             <a:r>
-              <a:rPr lang="ja-JP" altLang="en-US" smtClean="0"/>
+              <a:rPr lang="ja-JP" altLang="en-US"/>
               <a:t>第 </a:t>
             </a:r>
             <a:r>
-              <a:rPr lang="en-US" altLang="ja-JP" smtClean="0"/>
+              <a:rPr lang="en-US" altLang="ja-JP"/>
               <a:t>3 </a:t>
             </a:r>
             <a:r>
-              <a:rPr lang="ja-JP" altLang="en-US" smtClean="0"/>
+              <a:rPr lang="ja-JP" altLang="en-US"/>
               <a:t>レベル</a:t>
             </a:r>
           </a:p>
           <a:p>
             <a:pPr lvl="3"/>
             <a:r>
-              <a:rPr lang="ja-JP" altLang="en-US" smtClean="0"/>
+              <a:rPr lang="ja-JP" altLang="en-US"/>
               <a:t>第 </a:t>
             </a:r>
             <a:r>
-              <a:rPr lang="en-US" altLang="ja-JP" smtClean="0"/>
+              <a:rPr lang="en-US" altLang="ja-JP"/>
               <a:t>4 </a:t>
             </a:r>
             <a:r>
-              <a:rPr lang="ja-JP" altLang="en-US" smtClean="0"/>
+              <a:rPr lang="ja-JP" altLang="en-US"/>
               <a:t>レベル</a:t>
             </a:r>
           </a:p>
           <a:p>
             <a:pPr lvl="4"/>
             <a:r>
-              <a:rPr lang="ja-JP" altLang="en-US" smtClean="0"/>
+              <a:rPr lang="ja-JP" altLang="en-US"/>
               <a:t>第 </a:t>
             </a:r>
             <a:r>
-              <a:rPr lang="en-US" altLang="ja-JP" smtClean="0"/>
+              <a:rPr lang="en-US" altLang="ja-JP"/>
               <a:t>5 </a:t>
             </a:r>
             <a:r>
-              <a:rPr lang="ja-JP" altLang="en-US" smtClean="0"/>
+              <a:rPr lang="ja-JP" altLang="en-US"/>
               <a:t>レベル</a:t>
             </a:r>
             <a:endParaRPr lang="en-US" dirty="0"/>
@@ -1399,7 +1399,7 @@
           <a:p>
             <a:fld id="{B22FF90D-8F5D-4FFE-A8AC-DC55650B53DE}" type="datetimeFigureOut">
               <a:rPr kumimoji="1" lang="ja-JP" altLang="en-US" smtClean="0"/>
-              <a:t>2023/3/9</a:t>
+              <a:t>2023/3/13</a:t>
             </a:fld>
             <a:endParaRPr kumimoji="1" lang="ja-JP" altLang="en-US"/>
           </a:p>
@@ -1498,7 +1498,7 @@
           <a:lstStyle/>
           <a:p>
             <a:r>
-              <a:rPr lang="ja-JP" altLang="en-US" smtClean="0"/>
+              <a:rPr lang="ja-JP" altLang="en-US"/>
               <a:t>マスター タイトルの書式設定</a:t>
             </a:r>
             <a:endParaRPr lang="en-US" dirty="0"/>
@@ -1564,7 +1564,7 @@
           <a:p>
             <a:pPr lvl="0"/>
             <a:r>
-              <a:rPr lang="ja-JP" altLang="en-US" smtClean="0"/>
+              <a:rPr lang="ja-JP" altLang="en-US"/>
               <a:t>マスター テキストの書式設定</a:t>
             </a:r>
           </a:p>
@@ -1592,67 +1592,67 @@
           <a:p>
             <a:pPr lvl="0"/>
             <a:r>
-              <a:rPr lang="ja-JP" altLang="en-US" smtClean="0"/>
+              <a:rPr lang="ja-JP" altLang="en-US"/>
               <a:t>マスター テキストの書式設定</a:t>
             </a:r>
           </a:p>
           <a:p>
             <a:pPr lvl="1"/>
             <a:r>
-              <a:rPr lang="ja-JP" altLang="en-US" smtClean="0"/>
+              <a:rPr lang="ja-JP" altLang="en-US"/>
               <a:t>第 </a:t>
             </a:r>
             <a:r>
-              <a:rPr lang="en-US" altLang="ja-JP" smtClean="0"/>
+              <a:rPr lang="en-US" altLang="ja-JP"/>
               <a:t>2 </a:t>
             </a:r>
             <a:r>
-              <a:rPr lang="ja-JP" altLang="en-US" smtClean="0"/>
+              <a:rPr lang="ja-JP" altLang="en-US"/>
               <a:t>レベル</a:t>
             </a:r>
           </a:p>
           <a:p>
             <a:pPr lvl="2"/>
             <a:r>
-              <a:rPr lang="ja-JP" altLang="en-US" smtClean="0"/>
+              <a:rPr lang="ja-JP" altLang="en-US"/>
               <a:t>第 </a:t>
             </a:r>
             <a:r>
-              <a:rPr lang="en-US" altLang="ja-JP" smtClean="0"/>
+              <a:rPr lang="en-US" altLang="ja-JP"/>
               <a:t>3 </a:t>
             </a:r>
             <a:r>
-              <a:rPr lang="ja-JP" altLang="en-US" smtClean="0"/>
+              <a:rPr lang="ja-JP" altLang="en-US"/>
               <a:t>レベル</a:t>
             </a:r>
           </a:p>
           <a:p>
             <a:pPr lvl="3"/>
             <a:r>
-              <a:rPr lang="ja-JP" altLang="en-US" smtClean="0"/>
+              <a:rPr lang="ja-JP" altLang="en-US"/>
               <a:t>第 </a:t>
             </a:r>
             <a:r>
-              <a:rPr lang="en-US" altLang="ja-JP" smtClean="0"/>
+              <a:rPr lang="en-US" altLang="ja-JP"/>
               <a:t>4 </a:t>
             </a:r>
             <a:r>
-              <a:rPr lang="ja-JP" altLang="en-US" smtClean="0"/>
+              <a:rPr lang="ja-JP" altLang="en-US"/>
               <a:t>レベル</a:t>
             </a:r>
           </a:p>
           <a:p>
             <a:pPr lvl="4"/>
             <a:r>
-              <a:rPr lang="ja-JP" altLang="en-US" smtClean="0"/>
+              <a:rPr lang="ja-JP" altLang="en-US"/>
               <a:t>第 </a:t>
             </a:r>
             <a:r>
-              <a:rPr lang="en-US" altLang="ja-JP" smtClean="0"/>
+              <a:rPr lang="en-US" altLang="ja-JP"/>
               <a:t>5 </a:t>
             </a:r>
             <a:r>
-              <a:rPr lang="ja-JP" altLang="en-US" smtClean="0"/>
+              <a:rPr lang="ja-JP" altLang="en-US"/>
               <a:t>レベル</a:t>
             </a:r>
             <a:endParaRPr lang="en-US" dirty="0"/>
@@ -1718,7 +1718,7 @@
           <a:p>
             <a:pPr lvl="0"/>
             <a:r>
-              <a:rPr lang="ja-JP" altLang="en-US" smtClean="0"/>
+              <a:rPr lang="ja-JP" altLang="en-US"/>
               <a:t>マスター テキストの書式設定</a:t>
             </a:r>
           </a:p>
@@ -1746,67 +1746,67 @@
           <a:p>
             <a:pPr lvl="0"/>
             <a:r>
-              <a:rPr lang="ja-JP" altLang="en-US" smtClean="0"/>
+              <a:rPr lang="ja-JP" altLang="en-US"/>
               <a:t>マスター テキストの書式設定</a:t>
             </a:r>
           </a:p>
           <a:p>
             <a:pPr lvl="1"/>
             <a:r>
-              <a:rPr lang="ja-JP" altLang="en-US" smtClean="0"/>
+              <a:rPr lang="ja-JP" altLang="en-US"/>
               <a:t>第 </a:t>
             </a:r>
             <a:r>
-              <a:rPr lang="en-US" altLang="ja-JP" smtClean="0"/>
+              <a:rPr lang="en-US" altLang="ja-JP"/>
               <a:t>2 </a:t>
             </a:r>
             <a:r>
-              <a:rPr lang="ja-JP" altLang="en-US" smtClean="0"/>
+              <a:rPr lang="ja-JP" altLang="en-US"/>
               <a:t>レベル</a:t>
             </a:r>
           </a:p>
           <a:p>
             <a:pPr lvl="2"/>
             <a:r>
-              <a:rPr lang="ja-JP" altLang="en-US" smtClean="0"/>
+              <a:rPr lang="ja-JP" altLang="en-US"/>
               <a:t>第 </a:t>
             </a:r>
             <a:r>
-              <a:rPr lang="en-US" altLang="ja-JP" smtClean="0"/>
+              <a:rPr lang="en-US" altLang="ja-JP"/>
               <a:t>3 </a:t>
             </a:r>
             <a:r>
-              <a:rPr lang="ja-JP" altLang="en-US" smtClean="0"/>
+              <a:rPr lang="ja-JP" altLang="en-US"/>
               <a:t>レベル</a:t>
             </a:r>
           </a:p>
           <a:p>
             <a:pPr lvl="3"/>
             <a:r>
-              <a:rPr lang="ja-JP" altLang="en-US" smtClean="0"/>
+              <a:rPr lang="ja-JP" altLang="en-US"/>
               <a:t>第 </a:t>
             </a:r>
             <a:r>
-              <a:rPr lang="en-US" altLang="ja-JP" smtClean="0"/>
+              <a:rPr lang="en-US" altLang="ja-JP"/>
               <a:t>4 </a:t>
             </a:r>
             <a:r>
-              <a:rPr lang="ja-JP" altLang="en-US" smtClean="0"/>
+              <a:rPr lang="ja-JP" altLang="en-US"/>
               <a:t>レベル</a:t>
             </a:r>
           </a:p>
           <a:p>
             <a:pPr lvl="4"/>
             <a:r>
-              <a:rPr lang="ja-JP" altLang="en-US" smtClean="0"/>
+              <a:rPr lang="ja-JP" altLang="en-US"/>
               <a:t>第 </a:t>
             </a:r>
             <a:r>
-              <a:rPr lang="en-US" altLang="ja-JP" smtClean="0"/>
+              <a:rPr lang="en-US" altLang="ja-JP"/>
               <a:t>5 </a:t>
             </a:r>
             <a:r>
-              <a:rPr lang="ja-JP" altLang="en-US" smtClean="0"/>
+              <a:rPr lang="ja-JP" altLang="en-US"/>
               <a:t>レベル</a:t>
             </a:r>
             <a:endParaRPr lang="en-US" dirty="0"/>
@@ -1830,7 +1830,7 @@
           <a:p>
             <a:fld id="{B22FF90D-8F5D-4FFE-A8AC-DC55650B53DE}" type="datetimeFigureOut">
               <a:rPr kumimoji="1" lang="ja-JP" altLang="en-US" smtClean="0"/>
-              <a:t>2023/3/9</a:t>
+              <a:t>2023/3/13</a:t>
             </a:fld>
             <a:endParaRPr kumimoji="1" lang="ja-JP" altLang="en-US"/>
           </a:p>
@@ -1924,7 +1924,7 @@
           <a:lstStyle/>
           <a:p>
             <a:r>
-              <a:rPr lang="ja-JP" altLang="en-US" smtClean="0"/>
+              <a:rPr lang="ja-JP" altLang="en-US"/>
               <a:t>マスター タイトルの書式設定</a:t>
             </a:r>
             <a:endParaRPr lang="en-US" dirty="0"/>
@@ -1948,7 +1948,7 @@
           <a:p>
             <a:fld id="{B22FF90D-8F5D-4FFE-A8AC-DC55650B53DE}" type="datetimeFigureOut">
               <a:rPr kumimoji="1" lang="ja-JP" altLang="en-US" smtClean="0"/>
-              <a:t>2023/3/9</a:t>
+              <a:t>2023/3/13</a:t>
             </a:fld>
             <a:endParaRPr kumimoji="1" lang="ja-JP" altLang="en-US"/>
           </a:p>
@@ -2043,7 +2043,7 @@
           <a:p>
             <a:fld id="{B22FF90D-8F5D-4FFE-A8AC-DC55650B53DE}" type="datetimeFigureOut">
               <a:rPr kumimoji="1" lang="ja-JP" altLang="en-US" smtClean="0"/>
-              <a:t>2023/3/9</a:t>
+              <a:t>2023/3/13</a:t>
             </a:fld>
             <a:endParaRPr kumimoji="1" lang="ja-JP" altLang="en-US"/>
           </a:p>
@@ -2146,7 +2146,7 @@
           </a:lstStyle>
           <a:p>
             <a:r>
-              <a:rPr lang="ja-JP" altLang="en-US" smtClean="0"/>
+              <a:rPr lang="ja-JP" altLang="en-US"/>
               <a:t>マスター タイトルの書式設定</a:t>
             </a:r>
             <a:endParaRPr lang="en-US" dirty="0"/>
@@ -2203,67 +2203,67 @@
           <a:p>
             <a:pPr lvl="0"/>
             <a:r>
-              <a:rPr lang="ja-JP" altLang="en-US" smtClean="0"/>
+              <a:rPr lang="ja-JP" altLang="en-US"/>
               <a:t>マスター テキストの書式設定</a:t>
             </a:r>
           </a:p>
           <a:p>
             <a:pPr lvl="1"/>
             <a:r>
-              <a:rPr lang="ja-JP" altLang="en-US" smtClean="0"/>
+              <a:rPr lang="ja-JP" altLang="en-US"/>
               <a:t>第 </a:t>
             </a:r>
             <a:r>
-              <a:rPr lang="en-US" altLang="ja-JP" smtClean="0"/>
+              <a:rPr lang="en-US" altLang="ja-JP"/>
               <a:t>2 </a:t>
             </a:r>
             <a:r>
-              <a:rPr lang="ja-JP" altLang="en-US" smtClean="0"/>
+              <a:rPr lang="ja-JP" altLang="en-US"/>
               <a:t>レベル</a:t>
             </a:r>
           </a:p>
           <a:p>
             <a:pPr lvl="2"/>
             <a:r>
-              <a:rPr lang="ja-JP" altLang="en-US" smtClean="0"/>
+              <a:rPr lang="ja-JP" altLang="en-US"/>
               <a:t>第 </a:t>
             </a:r>
             <a:r>
-              <a:rPr lang="en-US" altLang="ja-JP" smtClean="0"/>
+              <a:rPr lang="en-US" altLang="ja-JP"/>
               <a:t>3 </a:t>
             </a:r>
             <a:r>
-              <a:rPr lang="ja-JP" altLang="en-US" smtClean="0"/>
+              <a:rPr lang="ja-JP" altLang="en-US"/>
               <a:t>レベル</a:t>
             </a:r>
           </a:p>
           <a:p>
             <a:pPr lvl="3"/>
             <a:r>
-              <a:rPr lang="ja-JP" altLang="en-US" smtClean="0"/>
+              <a:rPr lang="ja-JP" altLang="en-US"/>
               <a:t>第 </a:t>
             </a:r>
             <a:r>
-              <a:rPr lang="en-US" altLang="ja-JP" smtClean="0"/>
+              <a:rPr lang="en-US" altLang="ja-JP"/>
               <a:t>4 </a:t>
             </a:r>
             <a:r>
-              <a:rPr lang="ja-JP" altLang="en-US" smtClean="0"/>
+              <a:rPr lang="ja-JP" altLang="en-US"/>
               <a:t>レベル</a:t>
             </a:r>
           </a:p>
           <a:p>
             <a:pPr lvl="4"/>
             <a:r>
-              <a:rPr lang="ja-JP" altLang="en-US" smtClean="0"/>
+              <a:rPr lang="ja-JP" altLang="en-US"/>
               <a:t>第 </a:t>
             </a:r>
             <a:r>
-              <a:rPr lang="en-US" altLang="ja-JP" smtClean="0"/>
+              <a:rPr lang="en-US" altLang="ja-JP"/>
               <a:t>5 </a:t>
             </a:r>
             <a:r>
-              <a:rPr lang="ja-JP" altLang="en-US" smtClean="0"/>
+              <a:rPr lang="ja-JP" altLang="en-US"/>
               <a:t>レベル</a:t>
             </a:r>
             <a:endParaRPr lang="en-US" dirty="0"/>
@@ -2329,7 +2329,7 @@
           <a:p>
             <a:pPr lvl="0"/>
             <a:r>
-              <a:rPr lang="ja-JP" altLang="en-US" smtClean="0"/>
+              <a:rPr lang="ja-JP" altLang="en-US"/>
               <a:t>マスター テキストの書式設定</a:t>
             </a:r>
           </a:p>
@@ -2352,7 +2352,7 @@
           <a:p>
             <a:fld id="{B22FF90D-8F5D-4FFE-A8AC-DC55650B53DE}" type="datetimeFigureOut">
               <a:rPr kumimoji="1" lang="ja-JP" altLang="en-US" smtClean="0"/>
-              <a:t>2023/3/9</a:t>
+              <a:t>2023/3/13</a:t>
             </a:fld>
             <a:endParaRPr kumimoji="1" lang="ja-JP" altLang="en-US"/>
           </a:p>
@@ -2455,7 +2455,7 @@
           </a:lstStyle>
           <a:p>
             <a:r>
-              <a:rPr lang="ja-JP" altLang="en-US" smtClean="0"/>
+              <a:rPr lang="ja-JP" altLang="en-US"/>
               <a:t>マスター タイトルの書式設定</a:t>
             </a:r>
             <a:endParaRPr lang="en-US" dirty="0"/>
@@ -2520,7 +2520,7 @@
           </a:lstStyle>
           <a:p>
             <a:r>
-              <a:rPr lang="ja-JP" altLang="en-US" smtClean="0"/>
+              <a:rPr lang="ja-JP" altLang="en-US"/>
               <a:t>図を追加</a:t>
             </a:r>
             <a:endParaRPr lang="en-US" dirty="0"/>
@@ -2586,7 +2586,7 @@
           <a:p>
             <a:pPr lvl="0"/>
             <a:r>
-              <a:rPr lang="ja-JP" altLang="en-US" smtClean="0"/>
+              <a:rPr lang="ja-JP" altLang="en-US"/>
               <a:t>マスター テキストの書式設定</a:t>
             </a:r>
           </a:p>
@@ -2609,7 +2609,7 @@
           <a:p>
             <a:fld id="{B22FF90D-8F5D-4FFE-A8AC-DC55650B53DE}" type="datetimeFigureOut">
               <a:rPr kumimoji="1" lang="ja-JP" altLang="en-US" smtClean="0"/>
-              <a:t>2023/3/9</a:t>
+              <a:t>2023/3/13</a:t>
             </a:fld>
             <a:endParaRPr kumimoji="1" lang="ja-JP" altLang="en-US"/>
           </a:p>
@@ -2718,7 +2718,7 @@
           <a:lstStyle/>
           <a:p>
             <a:r>
-              <a:rPr lang="ja-JP" altLang="en-US" smtClean="0"/>
+              <a:rPr lang="ja-JP" altLang="en-US"/>
               <a:t>マスター タイトルの書式設定</a:t>
             </a:r>
             <a:endParaRPr lang="en-US" dirty="0"/>
@@ -2752,67 +2752,67 @@
           <a:p>
             <a:pPr lvl="0"/>
             <a:r>
-              <a:rPr lang="ja-JP" altLang="en-US" smtClean="0"/>
+              <a:rPr lang="ja-JP" altLang="en-US"/>
               <a:t>マスター テキストの書式設定</a:t>
             </a:r>
           </a:p>
           <a:p>
             <a:pPr lvl="1"/>
             <a:r>
-              <a:rPr lang="ja-JP" altLang="en-US" smtClean="0"/>
+              <a:rPr lang="ja-JP" altLang="en-US"/>
               <a:t>第 </a:t>
             </a:r>
             <a:r>
-              <a:rPr lang="en-US" altLang="ja-JP" smtClean="0"/>
+              <a:rPr lang="en-US" altLang="ja-JP"/>
               <a:t>2 </a:t>
             </a:r>
             <a:r>
-              <a:rPr lang="ja-JP" altLang="en-US" smtClean="0"/>
+              <a:rPr lang="ja-JP" altLang="en-US"/>
               <a:t>レベル</a:t>
             </a:r>
           </a:p>
           <a:p>
             <a:pPr lvl="2"/>
             <a:r>
-              <a:rPr lang="ja-JP" altLang="en-US" smtClean="0"/>
+              <a:rPr lang="ja-JP" altLang="en-US"/>
               <a:t>第 </a:t>
             </a:r>
             <a:r>
-              <a:rPr lang="en-US" altLang="ja-JP" smtClean="0"/>
+              <a:rPr lang="en-US" altLang="ja-JP"/>
               <a:t>3 </a:t>
             </a:r>
             <a:r>
-              <a:rPr lang="ja-JP" altLang="en-US" smtClean="0"/>
+              <a:rPr lang="ja-JP" altLang="en-US"/>
               <a:t>レベル</a:t>
             </a:r>
           </a:p>
           <a:p>
             <a:pPr lvl="3"/>
             <a:r>
-              <a:rPr lang="ja-JP" altLang="en-US" smtClean="0"/>
+              <a:rPr lang="ja-JP" altLang="en-US"/>
               <a:t>第 </a:t>
             </a:r>
             <a:r>
-              <a:rPr lang="en-US" altLang="ja-JP" smtClean="0"/>
+              <a:rPr lang="en-US" altLang="ja-JP"/>
               <a:t>4 </a:t>
             </a:r>
             <a:r>
-              <a:rPr lang="ja-JP" altLang="en-US" smtClean="0"/>
+              <a:rPr lang="ja-JP" altLang="en-US"/>
               <a:t>レベル</a:t>
             </a:r>
           </a:p>
           <a:p>
             <a:pPr lvl="4"/>
             <a:r>
-              <a:rPr lang="ja-JP" altLang="en-US" smtClean="0"/>
+              <a:rPr lang="ja-JP" altLang="en-US"/>
               <a:t>第 </a:t>
             </a:r>
             <a:r>
-              <a:rPr lang="en-US" altLang="ja-JP" smtClean="0"/>
+              <a:rPr lang="en-US" altLang="ja-JP"/>
               <a:t>5 </a:t>
             </a:r>
             <a:r>
-              <a:rPr lang="ja-JP" altLang="en-US" smtClean="0"/>
+              <a:rPr lang="ja-JP" altLang="en-US"/>
               <a:t>レベル</a:t>
             </a:r>
             <a:endParaRPr lang="en-US" dirty="0"/>
@@ -2854,7 +2854,7 @@
           <a:p>
             <a:fld id="{B22FF90D-8F5D-4FFE-A8AC-DC55650B53DE}" type="datetimeFigureOut">
               <a:rPr kumimoji="1" lang="ja-JP" altLang="en-US" smtClean="0"/>
-              <a:t>2023/3/9</a:t>
+              <a:t>2023/3/13</a:t>
             </a:fld>
             <a:endParaRPr kumimoji="1" lang="ja-JP" altLang="en-US"/>
           </a:p>
@@ -3259,6 +3259,106 @@
           <a:chExt cx="0" cy="0"/>
         </a:xfrm>
       </p:grpSpPr>
+      <p:sp>
+        <p:nvSpPr>
+          <p:cNvPr id="52" name="正方形/長方形 51"/>
+          <p:cNvSpPr/>
+          <p:nvPr/>
+        </p:nvSpPr>
+        <p:spPr>
+          <a:xfrm>
+            <a:off x="3432442" y="1738960"/>
+            <a:ext cx="866034" cy="192631"/>
+          </a:xfrm>
+          <a:prstGeom prst="rect">
+            <a:avLst/>
+          </a:prstGeom>
+          <a:solidFill>
+            <a:schemeClr val="accent1"/>
+          </a:solidFill>
+          <a:ln>
+            <a:noFill/>
+          </a:ln>
+        </p:spPr>
+        <p:style>
+          <a:lnRef idx="2">
+            <a:schemeClr val="accent2">
+              <a:shade val="50000"/>
+            </a:schemeClr>
+          </a:lnRef>
+          <a:fillRef idx="1">
+            <a:schemeClr val="accent2"/>
+          </a:fillRef>
+          <a:effectRef idx="0">
+            <a:schemeClr val="accent2"/>
+          </a:effectRef>
+          <a:fontRef idx="minor">
+            <a:schemeClr val="lt1"/>
+          </a:fontRef>
+        </p:style>
+        <p:txBody>
+          <a:bodyPr rtlCol="0" anchor="ctr"/>
+          <a:lstStyle/>
+          <a:p>
+            <a:pPr algn="ctr"/>
+            <a:r>
+              <a:rPr lang="en-US" altLang="ja-JP" sz="1050" dirty="0" smtClean="0"/>
+              <a:t>Analog</a:t>
+            </a:r>
+            <a:endParaRPr kumimoji="1" lang="ja-JP" altLang="en-US" sz="1050" dirty="0"/>
+          </a:p>
+        </p:txBody>
+      </p:sp>
+      <p:sp>
+        <p:nvSpPr>
+          <p:cNvPr id="53" name="正方形/長方形 52"/>
+          <p:cNvSpPr/>
+          <p:nvPr/>
+        </p:nvSpPr>
+        <p:spPr>
+          <a:xfrm>
+            <a:off x="3476050" y="2382370"/>
+            <a:ext cx="822425" cy="192631"/>
+          </a:xfrm>
+          <a:prstGeom prst="rect">
+            <a:avLst/>
+          </a:prstGeom>
+          <a:solidFill>
+            <a:schemeClr val="accent1"/>
+          </a:solidFill>
+          <a:ln>
+            <a:noFill/>
+          </a:ln>
+        </p:spPr>
+        <p:style>
+          <a:lnRef idx="2">
+            <a:schemeClr val="accent2">
+              <a:shade val="50000"/>
+            </a:schemeClr>
+          </a:lnRef>
+          <a:fillRef idx="1">
+            <a:schemeClr val="accent2"/>
+          </a:fillRef>
+          <a:effectRef idx="0">
+            <a:schemeClr val="accent2"/>
+          </a:effectRef>
+          <a:fontRef idx="minor">
+            <a:schemeClr val="lt1"/>
+          </a:fontRef>
+        </p:style>
+        <p:txBody>
+          <a:bodyPr rtlCol="0" anchor="ctr"/>
+          <a:lstStyle/>
+          <a:p>
+            <a:pPr algn="ctr"/>
+            <a:r>
+              <a:rPr lang="en-US" altLang="ja-JP" sz="1050" dirty="0" smtClean="0"/>
+              <a:t>Analog</a:t>
+            </a:r>
+            <a:endParaRPr kumimoji="1" lang="ja-JP" altLang="en-US" sz="1050" dirty="0"/>
+          </a:p>
+        </p:txBody>
+      </p:sp>
       <p:pic>
         <p:nvPicPr>
           <p:cNvPr id="4" name="図 3"/>
@@ -3312,16 +3412,12 @@
           <a:lstStyle/>
           <a:p>
             <a:r>
-              <a:rPr kumimoji="1" lang="ja-JP" altLang="en-US" sz="1800" dirty="0" smtClean="0">
+              <a:rPr kumimoji="1" lang="ja-JP" altLang="en-US" sz="1800" dirty="0">
                 <a:latin typeface="源ノ角ゴシック Code JP L" panose="020B0300000000000000" pitchFamily="34" charset="-128"/>
                 <a:ea typeface="源ノ角ゴシック Code JP L" panose="020B0300000000000000" pitchFamily="34" charset="-128"/>
               </a:rPr>
               <a:t>所属</a:t>
             </a:r>
-            <a:endParaRPr kumimoji="1" lang="ja-JP" altLang="en-US" sz="1800" dirty="0">
-              <a:latin typeface="源ノ角ゴシック Code JP L" panose="020B0300000000000000" pitchFamily="34" charset="-128"/>
-              <a:ea typeface="源ノ角ゴシック Code JP L" panose="020B0300000000000000" pitchFamily="34" charset="-128"/>
-            </a:endParaRPr>
           </a:p>
         </p:txBody>
       </p:sp>
@@ -3348,16 +3444,12 @@
           <a:lstStyle/>
           <a:p>
             <a:r>
-              <a:rPr kumimoji="1" lang="ja-JP" altLang="en-US" sz="1400" dirty="0" smtClean="0">
+              <a:rPr kumimoji="1" lang="ja-JP" altLang="en-US" sz="1400" dirty="0">
                 <a:latin typeface="源ノ角ゴシック Code JP L" panose="020B0300000000000000" pitchFamily="34" charset="-128"/>
                 <a:ea typeface="源ノ角ゴシック Code JP L" panose="020B0300000000000000" pitchFamily="34" charset="-128"/>
               </a:rPr>
               <a:t>九州ブロック 福岡ノード</a:t>
             </a:r>
-            <a:endParaRPr kumimoji="1" lang="ja-JP" altLang="en-US" sz="1400" dirty="0">
-              <a:latin typeface="源ノ角ゴシック Code JP L" panose="020B0300000000000000" pitchFamily="34" charset="-128"/>
-              <a:ea typeface="源ノ角ゴシック Code JP L" panose="020B0300000000000000" pitchFamily="34" charset="-128"/>
-            </a:endParaRPr>
           </a:p>
         </p:txBody>
       </p:sp>
@@ -3384,16 +3476,12 @@
           <a:lstStyle/>
           <a:p>
             <a:r>
-              <a:rPr kumimoji="1" lang="ja-JP" altLang="en-US" sz="1800" dirty="0" smtClean="0">
+              <a:rPr kumimoji="1" lang="ja-JP" altLang="en-US" sz="1800" dirty="0">
                 <a:latin typeface="源ノ角ゴシック Code JP L" panose="020B0300000000000000" pitchFamily="34" charset="-128"/>
                 <a:ea typeface="源ノ角ゴシック Code JP L" panose="020B0300000000000000" pitchFamily="34" charset="-128"/>
               </a:rPr>
               <a:t>チームメンバー</a:t>
             </a:r>
-            <a:endParaRPr kumimoji="1" lang="ja-JP" altLang="en-US" sz="1800" dirty="0">
-              <a:latin typeface="源ノ角ゴシック Code JP L" panose="020B0300000000000000" pitchFamily="34" charset="-128"/>
-              <a:ea typeface="源ノ角ゴシック Code JP L" panose="020B0300000000000000" pitchFamily="34" charset="-128"/>
-            </a:endParaRPr>
           </a:p>
         </p:txBody>
       </p:sp>
@@ -3420,55 +3508,55 @@
           <a:lstStyle/>
           <a:p>
             <a:r>
-              <a:rPr kumimoji="1" lang="ja-JP" altLang="en-US" sz="1400" dirty="0" smtClean="0">
+              <a:rPr kumimoji="1" lang="ja-JP" altLang="en-US" sz="1400" dirty="0">
                 <a:latin typeface="源ノ角ゴシック Code JP L" panose="020B0300000000000000" pitchFamily="34" charset="-128"/>
                 <a:ea typeface="源ノ角ゴシック Code JP L" panose="020B0300000000000000" pitchFamily="34" charset="-128"/>
               </a:rPr>
               <a:t>熊抱 崚太 </a:t>
             </a:r>
             <a:r>
-              <a:rPr kumimoji="1" lang="en-US" altLang="ja-JP" sz="1400" dirty="0" smtClean="0">
+              <a:rPr kumimoji="1" lang="en-US" altLang="ja-JP" sz="1400" dirty="0">
                 <a:latin typeface="源ノ角ゴシック Code JP L" panose="020B0300000000000000" pitchFamily="34" charset="-128"/>
                 <a:ea typeface="源ノ角ゴシック Code JP L" panose="020B0300000000000000" pitchFamily="34" charset="-128"/>
               </a:rPr>
               <a:t>/ </a:t>
             </a:r>
             <a:r>
-              <a:rPr lang="ja-JP" altLang="en-US" sz="1400" dirty="0" smtClean="0">
+              <a:rPr lang="ja-JP" altLang="en-US" sz="1400" dirty="0">
                 <a:latin typeface="源ノ角ゴシック Code JP L" panose="020B0300000000000000" pitchFamily="34" charset="-128"/>
                 <a:ea typeface="源ノ角ゴシック Code JP L" panose="020B0300000000000000" pitchFamily="34" charset="-128"/>
               </a:rPr>
               <a:t>石原 廉太郎 </a:t>
             </a:r>
             <a:r>
-              <a:rPr lang="en-US" altLang="ja-JP" sz="1400" dirty="0" smtClean="0">
+              <a:rPr lang="en-US" altLang="ja-JP" sz="1400" dirty="0">
                 <a:latin typeface="源ノ角ゴシック Code JP L" panose="020B0300000000000000" pitchFamily="34" charset="-128"/>
                 <a:ea typeface="源ノ角ゴシック Code JP L" panose="020B0300000000000000" pitchFamily="34" charset="-128"/>
               </a:rPr>
               <a:t>/ </a:t>
             </a:r>
             <a:r>
-              <a:rPr lang="ja-JP" altLang="en-US" sz="1400" dirty="0" smtClean="0">
+              <a:rPr lang="ja-JP" altLang="en-US" sz="1400" dirty="0">
                 <a:latin typeface="源ノ角ゴシック Code JP L" panose="020B0300000000000000" pitchFamily="34" charset="-128"/>
                 <a:ea typeface="源ノ角ゴシック Code JP L" panose="020B0300000000000000" pitchFamily="34" charset="-128"/>
               </a:rPr>
               <a:t>松田 魁琉 </a:t>
             </a:r>
             <a:r>
-              <a:rPr lang="en-US" altLang="ja-JP" sz="1400" dirty="0" smtClean="0">
+              <a:rPr lang="en-US" altLang="ja-JP" sz="1400" dirty="0">
                 <a:latin typeface="源ノ角ゴシック Code JP L" panose="020B0300000000000000" pitchFamily="34" charset="-128"/>
                 <a:ea typeface="源ノ角ゴシック Code JP L" panose="020B0300000000000000" pitchFamily="34" charset="-128"/>
               </a:rPr>
               <a:t>/ </a:t>
             </a:r>
             <a:r>
-              <a:rPr lang="ja-JP" altLang="en-US" sz="1400" dirty="0" smtClean="0">
+              <a:rPr lang="ja-JP" altLang="en-US" sz="1400" dirty="0">
                 <a:latin typeface="源ノ角ゴシック Code JP L" panose="020B0300000000000000" pitchFamily="34" charset="-128"/>
                 <a:ea typeface="源ノ角ゴシック Code JP L" panose="020B0300000000000000" pitchFamily="34" charset="-128"/>
               </a:rPr>
               <a:t>目野 優輝</a:t>
             </a:r>
-            <a:endParaRPr lang="en-US" altLang="ja-JP" sz="1400" dirty="0" smtClean="0">
+            <a:endParaRPr lang="en-US" altLang="ja-JP" sz="1400" dirty="0">
               <a:latin typeface="源ノ角ゴシック Code JP L" panose="020B0300000000000000" pitchFamily="34" charset="-128"/>
               <a:ea typeface="源ノ角ゴシック Code JP L" panose="020B0300000000000000" pitchFamily="34" charset="-128"/>
             </a:endParaRPr>
@@ -3579,8 +3667,8 @@
         </p:nvSpPr>
         <p:spPr>
           <a:xfrm>
-            <a:off x="12759666" y="410400"/>
-            <a:ext cx="1274145" cy="369332"/>
+            <a:off x="12812871" y="364233"/>
+            <a:ext cx="1274145" cy="461665"/>
           </a:xfrm>
           <a:prstGeom prst="rect">
             <a:avLst/>
@@ -3594,15 +3682,3544 @@
           <a:lstStyle/>
           <a:p>
             <a:r>
-              <a:rPr lang="en-US" altLang="ja-JP" sz="1800" dirty="0" smtClean="0">
-                <a:latin typeface="源ノ角ゴシック Code JP L" panose="020B0300000000000000" pitchFamily="34" charset="-128"/>
+              <a:rPr lang="en-US" altLang="ja-JP" sz="2400" dirty="0">
+                <a:latin typeface="Ink Free" panose="03080402000500000000" pitchFamily="66" charset="0"/>
                 <a:ea typeface="源ノ角ゴシック Code JP L" panose="020B0300000000000000" pitchFamily="34" charset="-128"/>
               </a:rPr>
               <a:t>BLOG :</a:t>
             </a:r>
-            <a:endParaRPr lang="ja-JP" altLang="en-US" sz="1800" dirty="0">
-              <a:latin typeface="源ノ角ゴシック Code JP L" panose="020B0300000000000000" pitchFamily="34" charset="-128"/>
+            <a:endParaRPr lang="ja-JP" altLang="en-US" sz="2400" dirty="0">
+              <a:latin typeface="Ink Free" panose="03080402000500000000" pitchFamily="66" charset="0"/>
               <a:ea typeface="源ノ角ゴシック Code JP L" panose="020B0300000000000000" pitchFamily="34" charset="-128"/>
+            </a:endParaRPr>
+          </a:p>
+        </p:txBody>
+      </p:sp>
+      <p:sp>
+        <p:nvSpPr>
+          <p:cNvPr id="13" name="四角形: 角を丸くする 12">
+            <a:extLst>
+              <a:ext uri="{FF2B5EF4-FFF2-40B4-BE49-F238E27FC236}">
+                <a16:creationId xmlns:a16="http://schemas.microsoft.com/office/drawing/2014/main" xmlns="" id="{8B6BEE0E-E1D5-2D14-EB41-76A3E001610F}"/>
+              </a:ext>
+            </a:extLst>
+          </p:cNvPr>
+          <p:cNvSpPr/>
+          <p:nvPr/>
+        </p:nvSpPr>
+        <p:spPr>
+          <a:xfrm>
+            <a:off x="7559675" y="1434324"/>
+            <a:ext cx="4834152" cy="3322750"/>
+          </a:xfrm>
+          <a:prstGeom prst="roundRect">
+            <a:avLst>
+              <a:gd name="adj" fmla="val 9111"/>
+            </a:avLst>
+          </a:prstGeom>
+        </p:spPr>
+        <p:style>
+          <a:lnRef idx="2">
+            <a:schemeClr val="accent1">
+              <a:shade val="50000"/>
+            </a:schemeClr>
+          </a:lnRef>
+          <a:fillRef idx="1">
+            <a:schemeClr val="accent1"/>
+          </a:fillRef>
+          <a:effectRef idx="0">
+            <a:schemeClr val="accent1"/>
+          </a:effectRef>
+          <a:fontRef idx="minor">
+            <a:schemeClr val="lt1"/>
+          </a:fontRef>
+        </p:style>
+        <p:txBody>
+          <a:bodyPr rtlCol="0" anchor="ctr"/>
+          <a:lstStyle/>
+          <a:p>
+            <a:pPr algn="ctr"/>
+            <a:endParaRPr kumimoji="1" lang="ja-JP" altLang="en-US" dirty="0"/>
+          </a:p>
+        </p:txBody>
+      </p:sp>
+      <p:sp>
+        <p:nvSpPr>
+          <p:cNvPr id="15" name="正方形/長方形 14">
+            <a:extLst>
+              <a:ext uri="{FF2B5EF4-FFF2-40B4-BE49-F238E27FC236}">
+                <a16:creationId xmlns:a16="http://schemas.microsoft.com/office/drawing/2014/main" xmlns="" id="{5810ADF1-2FA9-68BA-C87E-15996A67411A}"/>
+              </a:ext>
+            </a:extLst>
+          </p:cNvPr>
+          <p:cNvSpPr/>
+          <p:nvPr/>
+        </p:nvSpPr>
+        <p:spPr>
+          <a:xfrm>
+            <a:off x="0" y="4906851"/>
+            <a:ext cx="15119350" cy="5784962"/>
+          </a:xfrm>
+          <a:prstGeom prst="rect">
+            <a:avLst/>
+          </a:prstGeom>
+        </p:spPr>
+        <p:style>
+          <a:lnRef idx="2">
+            <a:schemeClr val="accent1">
+              <a:shade val="50000"/>
+            </a:schemeClr>
+          </a:lnRef>
+          <a:fillRef idx="1">
+            <a:schemeClr val="accent1"/>
+          </a:fillRef>
+          <a:effectRef idx="0">
+            <a:schemeClr val="accent1"/>
+          </a:effectRef>
+          <a:fontRef idx="minor">
+            <a:schemeClr val="lt1"/>
+          </a:fontRef>
+        </p:style>
+        <p:txBody>
+          <a:bodyPr rtlCol="0" anchor="ctr"/>
+          <a:lstStyle/>
+          <a:p>
+            <a:pPr algn="ctr"/>
+            <a:endParaRPr kumimoji="1" lang="ja-JP" altLang="en-US"/>
+          </a:p>
+        </p:txBody>
+      </p:sp>
+      <p:sp>
+        <p:nvSpPr>
+          <p:cNvPr id="16" name="四角形: 角を丸くする 15">
+            <a:extLst>
+              <a:ext uri="{FF2B5EF4-FFF2-40B4-BE49-F238E27FC236}">
+                <a16:creationId xmlns:a16="http://schemas.microsoft.com/office/drawing/2014/main" xmlns="" id="{347B9915-3560-CD22-67EE-97EBA11274AD}"/>
+              </a:ext>
+            </a:extLst>
+          </p:cNvPr>
+          <p:cNvSpPr/>
+          <p:nvPr/>
+        </p:nvSpPr>
+        <p:spPr>
+          <a:xfrm>
+            <a:off x="9298545" y="5123489"/>
+            <a:ext cx="5550795" cy="5332497"/>
+          </a:xfrm>
+          <a:prstGeom prst="roundRect">
+            <a:avLst>
+              <a:gd name="adj" fmla="val 12712"/>
+            </a:avLst>
+          </a:prstGeom>
+        </p:spPr>
+        <p:style>
+          <a:lnRef idx="2">
+            <a:schemeClr val="accent1">
+              <a:shade val="50000"/>
+            </a:schemeClr>
+          </a:lnRef>
+          <a:fillRef idx="1">
+            <a:schemeClr val="accent1"/>
+          </a:fillRef>
+          <a:effectRef idx="0">
+            <a:schemeClr val="accent1"/>
+          </a:effectRef>
+          <a:fontRef idx="minor">
+            <a:schemeClr val="lt1"/>
+          </a:fontRef>
+        </p:style>
+        <p:txBody>
+          <a:bodyPr rtlCol="0" anchor="ctr"/>
+          <a:lstStyle/>
+          <a:p>
+            <a:pPr algn="ctr"/>
+            <a:endParaRPr kumimoji="1" lang="ja-JP" altLang="en-US"/>
+          </a:p>
+        </p:txBody>
+      </p:sp>
+      <p:sp>
+        <p:nvSpPr>
+          <p:cNvPr id="17" name="四角形: 角を丸くする 16">
+            <a:extLst>
+              <a:ext uri="{FF2B5EF4-FFF2-40B4-BE49-F238E27FC236}">
+                <a16:creationId xmlns:a16="http://schemas.microsoft.com/office/drawing/2014/main" xmlns="" id="{9CAD2B58-8EC7-250F-70BF-EBDD6823213A}"/>
+              </a:ext>
+            </a:extLst>
+          </p:cNvPr>
+          <p:cNvSpPr/>
+          <p:nvPr/>
+        </p:nvSpPr>
+        <p:spPr>
+          <a:xfrm>
+            <a:off x="270009" y="5123489"/>
+            <a:ext cx="3451985" cy="2642472"/>
+          </a:xfrm>
+          <a:prstGeom prst="roundRect">
+            <a:avLst>
+              <a:gd name="adj" fmla="val 11062"/>
+            </a:avLst>
+          </a:prstGeom>
+        </p:spPr>
+        <p:style>
+          <a:lnRef idx="2">
+            <a:schemeClr val="accent1">
+              <a:shade val="50000"/>
+            </a:schemeClr>
+          </a:lnRef>
+          <a:fillRef idx="1">
+            <a:schemeClr val="accent1"/>
+          </a:fillRef>
+          <a:effectRef idx="0">
+            <a:schemeClr val="accent1"/>
+          </a:effectRef>
+          <a:fontRef idx="minor">
+            <a:schemeClr val="lt1"/>
+          </a:fontRef>
+        </p:style>
+        <p:txBody>
+          <a:bodyPr rtlCol="0" anchor="ctr"/>
+          <a:lstStyle/>
+          <a:p>
+            <a:pPr algn="ctr"/>
+            <a:endParaRPr kumimoji="1" lang="ja-JP" altLang="en-US"/>
+          </a:p>
+        </p:txBody>
+      </p:sp>
+      <p:sp>
+        <p:nvSpPr>
+          <p:cNvPr id="18" name="四角形: 角を丸くする 17">
+            <a:extLst>
+              <a:ext uri="{FF2B5EF4-FFF2-40B4-BE49-F238E27FC236}">
+                <a16:creationId xmlns:a16="http://schemas.microsoft.com/office/drawing/2014/main" xmlns="" id="{841ACEDA-0310-DF54-D3CC-375C97FE6012}"/>
+              </a:ext>
+            </a:extLst>
+          </p:cNvPr>
+          <p:cNvSpPr/>
+          <p:nvPr/>
+        </p:nvSpPr>
+        <p:spPr>
+          <a:xfrm>
+            <a:off x="3929890" y="5123489"/>
+            <a:ext cx="5098645" cy="2642472"/>
+          </a:xfrm>
+          <a:prstGeom prst="roundRect">
+            <a:avLst>
+              <a:gd name="adj" fmla="val 14355"/>
+            </a:avLst>
+          </a:prstGeom>
+        </p:spPr>
+        <p:style>
+          <a:lnRef idx="2">
+            <a:schemeClr val="accent1">
+              <a:shade val="50000"/>
+            </a:schemeClr>
+          </a:lnRef>
+          <a:fillRef idx="1">
+            <a:schemeClr val="accent1"/>
+          </a:fillRef>
+          <a:effectRef idx="0">
+            <a:schemeClr val="accent1"/>
+          </a:effectRef>
+          <a:fontRef idx="minor">
+            <a:schemeClr val="lt1"/>
+          </a:fontRef>
+        </p:style>
+        <p:txBody>
+          <a:bodyPr rtlCol="0" anchor="ctr"/>
+          <a:lstStyle/>
+          <a:p>
+            <a:pPr algn="ctr"/>
+            <a:endParaRPr kumimoji="1" lang="ja-JP" altLang="en-US"/>
+          </a:p>
+        </p:txBody>
+      </p:sp>
+      <p:sp>
+        <p:nvSpPr>
+          <p:cNvPr id="19" name="四角形: 角を丸くする 18">
+            <a:extLst>
+              <a:ext uri="{FF2B5EF4-FFF2-40B4-BE49-F238E27FC236}">
+                <a16:creationId xmlns:a16="http://schemas.microsoft.com/office/drawing/2014/main" xmlns="" id="{35EFD71C-7F6D-07C6-C862-80EA4C60A434}"/>
+              </a:ext>
+            </a:extLst>
+          </p:cNvPr>
+          <p:cNvSpPr/>
+          <p:nvPr/>
+        </p:nvSpPr>
+        <p:spPr>
+          <a:xfrm>
+            <a:off x="270009" y="7907651"/>
+            <a:ext cx="3091378" cy="2642472"/>
+          </a:xfrm>
+          <a:prstGeom prst="roundRect">
+            <a:avLst>
+              <a:gd name="adj" fmla="val 14257"/>
+            </a:avLst>
+          </a:prstGeom>
+        </p:spPr>
+        <p:style>
+          <a:lnRef idx="2">
+            <a:schemeClr val="accent1">
+              <a:shade val="50000"/>
+            </a:schemeClr>
+          </a:lnRef>
+          <a:fillRef idx="1">
+            <a:schemeClr val="accent1"/>
+          </a:fillRef>
+          <a:effectRef idx="0">
+            <a:schemeClr val="accent1"/>
+          </a:effectRef>
+          <a:fontRef idx="minor">
+            <a:schemeClr val="lt1"/>
+          </a:fontRef>
+        </p:style>
+        <p:txBody>
+          <a:bodyPr rtlCol="0" anchor="ctr"/>
+          <a:lstStyle/>
+          <a:p>
+            <a:pPr algn="ctr"/>
+            <a:endParaRPr kumimoji="1" lang="ja-JP" altLang="en-US"/>
+          </a:p>
+        </p:txBody>
+      </p:sp>
+      <p:sp>
+        <p:nvSpPr>
+          <p:cNvPr id="20" name="四角形: 角を丸くする 19">
+            <a:extLst>
+              <a:ext uri="{FF2B5EF4-FFF2-40B4-BE49-F238E27FC236}">
+                <a16:creationId xmlns:a16="http://schemas.microsoft.com/office/drawing/2014/main" xmlns="" id="{F066D8F2-F7D9-B9FA-5411-616C14081509}"/>
+              </a:ext>
+            </a:extLst>
+          </p:cNvPr>
+          <p:cNvSpPr/>
+          <p:nvPr/>
+        </p:nvSpPr>
+        <p:spPr>
+          <a:xfrm>
+            <a:off x="3588535" y="7907651"/>
+            <a:ext cx="2524705" cy="2642472"/>
+          </a:xfrm>
+          <a:prstGeom prst="roundRect">
+            <a:avLst>
+              <a:gd name="adj" fmla="val 12767"/>
+            </a:avLst>
+          </a:prstGeom>
+        </p:spPr>
+        <p:style>
+          <a:lnRef idx="2">
+            <a:schemeClr val="accent1">
+              <a:shade val="50000"/>
+            </a:schemeClr>
+          </a:lnRef>
+          <a:fillRef idx="1">
+            <a:schemeClr val="accent1"/>
+          </a:fillRef>
+          <a:effectRef idx="0">
+            <a:schemeClr val="accent1"/>
+          </a:effectRef>
+          <a:fontRef idx="minor">
+            <a:schemeClr val="lt1"/>
+          </a:fontRef>
+        </p:style>
+        <p:txBody>
+          <a:bodyPr rtlCol="0" anchor="ctr"/>
+          <a:lstStyle/>
+          <a:p>
+            <a:pPr algn="ctr"/>
+            <a:endParaRPr kumimoji="1" lang="ja-JP" altLang="en-US" dirty="0"/>
+          </a:p>
+        </p:txBody>
+      </p:sp>
+      <p:sp>
+        <p:nvSpPr>
+          <p:cNvPr id="22" name="四角形: 角を丸くする 21">
+            <a:extLst>
+              <a:ext uri="{FF2B5EF4-FFF2-40B4-BE49-F238E27FC236}">
+                <a16:creationId xmlns:a16="http://schemas.microsoft.com/office/drawing/2014/main" xmlns="" id="{2BB1B4FB-4CF5-304F-A7A3-835057BAB456}"/>
+              </a:ext>
+            </a:extLst>
+          </p:cNvPr>
+          <p:cNvSpPr/>
+          <p:nvPr/>
+        </p:nvSpPr>
+        <p:spPr>
+          <a:xfrm>
+            <a:off x="12511825" y="1410525"/>
+            <a:ext cx="2337515" cy="3322750"/>
+          </a:xfrm>
+          <a:prstGeom prst="roundRect">
+            <a:avLst>
+              <a:gd name="adj" fmla="val 11481"/>
+            </a:avLst>
+          </a:prstGeom>
+        </p:spPr>
+        <p:style>
+          <a:lnRef idx="2">
+            <a:schemeClr val="accent1">
+              <a:shade val="50000"/>
+            </a:schemeClr>
+          </a:lnRef>
+          <a:fillRef idx="1">
+            <a:schemeClr val="accent1"/>
+          </a:fillRef>
+          <a:effectRef idx="0">
+            <a:schemeClr val="accent1"/>
+          </a:effectRef>
+          <a:fontRef idx="minor">
+            <a:schemeClr val="lt1"/>
+          </a:fontRef>
+        </p:style>
+        <p:txBody>
+          <a:bodyPr rtlCol="0" anchor="ctr"/>
+          <a:lstStyle/>
+          <a:p>
+            <a:pPr algn="ctr"/>
+            <a:endParaRPr kumimoji="1" lang="ja-JP" altLang="en-US" dirty="0"/>
+          </a:p>
+        </p:txBody>
+      </p:sp>
+      <p:sp>
+        <p:nvSpPr>
+          <p:cNvPr id="23" name="四角形: 角を丸くする 22">
+            <a:extLst>
+              <a:ext uri="{FF2B5EF4-FFF2-40B4-BE49-F238E27FC236}">
+                <a16:creationId xmlns:a16="http://schemas.microsoft.com/office/drawing/2014/main" xmlns="" id="{6CF2194C-011F-8CF3-ADE7-A6B045B1B24D}"/>
+              </a:ext>
+            </a:extLst>
+          </p:cNvPr>
+          <p:cNvSpPr/>
+          <p:nvPr/>
+        </p:nvSpPr>
+        <p:spPr>
+          <a:xfrm>
+            <a:off x="6340388" y="7907651"/>
+            <a:ext cx="2688147" cy="2642472"/>
+          </a:xfrm>
+          <a:prstGeom prst="roundRect">
+            <a:avLst>
+              <a:gd name="adj" fmla="val 11275"/>
+            </a:avLst>
+          </a:prstGeom>
+        </p:spPr>
+        <p:style>
+          <a:lnRef idx="2">
+            <a:schemeClr val="accent1">
+              <a:shade val="50000"/>
+            </a:schemeClr>
+          </a:lnRef>
+          <a:fillRef idx="1">
+            <a:schemeClr val="accent1"/>
+          </a:fillRef>
+          <a:effectRef idx="0">
+            <a:schemeClr val="accent1"/>
+          </a:effectRef>
+          <a:fontRef idx="minor">
+            <a:schemeClr val="lt1"/>
+          </a:fontRef>
+        </p:style>
+        <p:txBody>
+          <a:bodyPr rtlCol="0" anchor="ctr"/>
+          <a:lstStyle/>
+          <a:p>
+            <a:pPr algn="ctr"/>
+            <a:endParaRPr kumimoji="1" lang="ja-JP" altLang="en-US" dirty="0"/>
+          </a:p>
+        </p:txBody>
+      </p:sp>
+      <p:sp>
+        <p:nvSpPr>
+          <p:cNvPr id="3" name="正方形/長方形 2"/>
+          <p:cNvSpPr/>
+          <p:nvPr/>
+        </p:nvSpPr>
+        <p:spPr>
+          <a:xfrm>
+            <a:off x="1753182" y="2684271"/>
+            <a:ext cx="716967" cy="178138"/>
+          </a:xfrm>
+          <a:prstGeom prst="rect">
+            <a:avLst/>
+          </a:prstGeom>
+          <a:solidFill>
+            <a:srgbClr val="F95959"/>
+          </a:solidFill>
+          <a:ln>
+            <a:noFill/>
+          </a:ln>
+        </p:spPr>
+        <p:style>
+          <a:lnRef idx="2">
+            <a:schemeClr val="accent2">
+              <a:shade val="50000"/>
+            </a:schemeClr>
+          </a:lnRef>
+          <a:fillRef idx="1">
+            <a:schemeClr val="accent2"/>
+          </a:fillRef>
+          <a:effectRef idx="0">
+            <a:schemeClr val="accent2"/>
+          </a:effectRef>
+          <a:fontRef idx="minor">
+            <a:schemeClr val="lt1"/>
+          </a:fontRef>
+        </p:style>
+        <p:txBody>
+          <a:bodyPr rtlCol="0" anchor="ctr"/>
+          <a:lstStyle/>
+          <a:p>
+            <a:pPr algn="ctr"/>
+            <a:r>
+              <a:rPr kumimoji="1" lang="en-US" altLang="ja-JP" sz="900" dirty="0" smtClean="0"/>
+              <a:t>PWR / 5.0V</a:t>
+            </a:r>
+            <a:endParaRPr kumimoji="1" lang="ja-JP" altLang="en-US" sz="900" dirty="0"/>
+          </a:p>
+        </p:txBody>
+      </p:sp>
+      <p:sp>
+        <p:nvSpPr>
+          <p:cNvPr id="24" name="正方形/長方形 23"/>
+          <p:cNvSpPr/>
+          <p:nvPr/>
+        </p:nvSpPr>
+        <p:spPr>
+          <a:xfrm>
+            <a:off x="1753182" y="2862409"/>
+            <a:ext cx="726201" cy="173575"/>
+          </a:xfrm>
+          <a:prstGeom prst="rect">
+            <a:avLst/>
+          </a:prstGeom>
+          <a:solidFill>
+            <a:srgbClr val="F95959"/>
+          </a:solidFill>
+          <a:ln>
+            <a:noFill/>
+          </a:ln>
+        </p:spPr>
+        <p:style>
+          <a:lnRef idx="2">
+            <a:schemeClr val="accent2">
+              <a:shade val="50000"/>
+            </a:schemeClr>
+          </a:lnRef>
+          <a:fillRef idx="1">
+            <a:schemeClr val="accent2"/>
+          </a:fillRef>
+          <a:effectRef idx="0">
+            <a:schemeClr val="accent2"/>
+          </a:effectRef>
+          <a:fontRef idx="minor">
+            <a:schemeClr val="lt1"/>
+          </a:fontRef>
+        </p:style>
+        <p:txBody>
+          <a:bodyPr rtlCol="0" anchor="ctr"/>
+          <a:lstStyle/>
+          <a:p>
+            <a:pPr algn="ctr"/>
+            <a:r>
+              <a:rPr lang="en-US" altLang="ja-JP" sz="900" dirty="0" smtClean="0"/>
+              <a:t>PWR</a:t>
+            </a:r>
+            <a:r>
+              <a:rPr kumimoji="1" lang="en-US" altLang="ja-JP" sz="900" dirty="0" smtClean="0"/>
+              <a:t> / 3.3V</a:t>
+            </a:r>
+            <a:endParaRPr kumimoji="1" lang="ja-JP" altLang="en-US" sz="900" dirty="0"/>
+          </a:p>
+        </p:txBody>
+      </p:sp>
+      <p:grpSp>
+        <p:nvGrpSpPr>
+          <p:cNvPr id="26" name="グループ化 25"/>
+          <p:cNvGrpSpPr/>
+          <p:nvPr/>
+        </p:nvGrpSpPr>
+        <p:grpSpPr>
+          <a:xfrm>
+            <a:off x="380999" y="2331719"/>
+            <a:ext cx="1380825" cy="1027429"/>
+            <a:chOff x="2391649" y="1189909"/>
+            <a:chExt cx="3929062" cy="2372354"/>
+          </a:xfrm>
+        </p:grpSpPr>
+        <p:sp>
+          <p:nvSpPr>
+            <p:cNvPr id="21" name="角丸四角形 20"/>
+            <p:cNvSpPr/>
+            <p:nvPr/>
+          </p:nvSpPr>
+          <p:spPr>
+            <a:xfrm>
+              <a:off x="2391649" y="1189909"/>
+              <a:ext cx="3929062" cy="2372354"/>
+            </a:xfrm>
+            <a:prstGeom prst="roundRect">
+              <a:avLst>
+                <a:gd name="adj" fmla="val 5043"/>
+              </a:avLst>
+            </a:prstGeom>
+            <a:noFill/>
+            <a:ln>
+              <a:solidFill>
+                <a:schemeClr val="tx1"/>
+              </a:solidFill>
+            </a:ln>
+          </p:spPr>
+          <p:style>
+            <a:lnRef idx="2">
+              <a:schemeClr val="accent1">
+                <a:shade val="50000"/>
+              </a:schemeClr>
+            </a:lnRef>
+            <a:fillRef idx="1">
+              <a:schemeClr val="accent1"/>
+            </a:fillRef>
+            <a:effectRef idx="0">
+              <a:schemeClr val="accent1"/>
+            </a:effectRef>
+            <a:fontRef idx="minor">
+              <a:schemeClr val="lt1"/>
+            </a:fontRef>
+          </p:style>
+          <p:txBody>
+            <a:bodyPr rtlCol="0" anchor="ctr"/>
+            <a:lstStyle/>
+            <a:p>
+              <a:pPr algn="ctr"/>
+              <a:endParaRPr kumimoji="1" lang="ja-JP" altLang="en-US" dirty="0"/>
+            </a:p>
+          </p:txBody>
+        </p:sp>
+        <p:sp>
+          <p:nvSpPr>
+            <p:cNvPr id="25" name="テキスト ボックス 24"/>
+            <p:cNvSpPr txBox="1"/>
+            <p:nvPr/>
+          </p:nvSpPr>
+          <p:spPr>
+            <a:xfrm>
+              <a:off x="2391649" y="1290017"/>
+              <a:ext cx="3735993" cy="497464"/>
+            </a:xfrm>
+            <a:prstGeom prst="rect">
+              <a:avLst/>
+            </a:prstGeom>
+            <a:noFill/>
+          </p:spPr>
+          <p:txBody>
+            <a:bodyPr wrap="square" rtlCol="0">
+              <a:spAutoFit/>
+            </a:bodyPr>
+            <a:lstStyle/>
+            <a:p>
+              <a:r>
+                <a:rPr kumimoji="1" lang="en-US" altLang="ja-JP" sz="800" dirty="0" smtClean="0">
+                  <a:latin typeface="源ノ角ゴシック Code JP M" panose="020B0600000000000000" pitchFamily="34" charset="-128"/>
+                  <a:ea typeface="源ノ角ゴシック Code JP M" panose="020B0600000000000000" pitchFamily="34" charset="-128"/>
+                </a:rPr>
+                <a:t>Power</a:t>
+              </a:r>
+              <a:r>
+                <a:rPr kumimoji="1" lang="en-US" altLang="ja-JP" sz="400" dirty="0" smtClean="0">
+                  <a:latin typeface="源ノ角ゴシック Code JP M" panose="020B0600000000000000" pitchFamily="34" charset="-128"/>
+                  <a:ea typeface="源ノ角ゴシック Code JP M" panose="020B0600000000000000" pitchFamily="34" charset="-128"/>
+                </a:rPr>
+                <a:t> </a:t>
+              </a:r>
+              <a:r>
+                <a:rPr kumimoji="1" lang="en-US" altLang="ja-JP" sz="800" dirty="0" smtClean="0">
+                  <a:latin typeface="源ノ角ゴシック Code JP M" panose="020B0600000000000000" pitchFamily="34" charset="-128"/>
+                  <a:ea typeface="源ノ角ゴシック Code JP M" panose="020B0600000000000000" pitchFamily="34" charset="-128"/>
+                </a:rPr>
+                <a:t>Supply</a:t>
+              </a:r>
+              <a:r>
+                <a:rPr lang="en-US" altLang="ja-JP" sz="500" dirty="0">
+                  <a:latin typeface="源ノ角ゴシック Code JP M" panose="020B0600000000000000" pitchFamily="34" charset="-128"/>
+                  <a:ea typeface="源ノ角ゴシック Code JP M" panose="020B0600000000000000" pitchFamily="34" charset="-128"/>
+                </a:rPr>
+                <a:t> </a:t>
+              </a:r>
+              <a:r>
+                <a:rPr kumimoji="1" lang="en-US" altLang="ja-JP" sz="800" dirty="0" smtClean="0">
+                  <a:latin typeface="源ノ角ゴシック Code JP M" panose="020B0600000000000000" pitchFamily="34" charset="-128"/>
+                  <a:ea typeface="源ノ角ゴシック Code JP M" panose="020B0600000000000000" pitchFamily="34" charset="-128"/>
+                </a:rPr>
+                <a:t>Unit</a:t>
+              </a:r>
+              <a:endParaRPr kumimoji="1" lang="ja-JP" altLang="en-US" sz="800" dirty="0">
+                <a:latin typeface="源ノ角ゴシック Code JP M" panose="020B0600000000000000" pitchFamily="34" charset="-128"/>
+                <a:ea typeface="源ノ角ゴシック Code JP M" panose="020B0600000000000000" pitchFamily="34" charset="-128"/>
+              </a:endParaRPr>
+            </a:p>
+          </p:txBody>
+        </p:sp>
+      </p:grpSp>
+      <p:grpSp>
+        <p:nvGrpSpPr>
+          <p:cNvPr id="28" name="グループ化 27"/>
+          <p:cNvGrpSpPr/>
+          <p:nvPr/>
+        </p:nvGrpSpPr>
+        <p:grpSpPr>
+          <a:xfrm>
+            <a:off x="2479383" y="1167309"/>
+            <a:ext cx="2805707" cy="2202202"/>
+            <a:chOff x="2391649" y="1189909"/>
+            <a:chExt cx="3929062" cy="2372354"/>
+          </a:xfrm>
+        </p:grpSpPr>
+        <p:sp>
+          <p:nvSpPr>
+            <p:cNvPr id="29" name="角丸四角形 28"/>
+            <p:cNvSpPr/>
+            <p:nvPr/>
+          </p:nvSpPr>
+          <p:spPr>
+            <a:xfrm>
+              <a:off x="2391649" y="1189909"/>
+              <a:ext cx="3929062" cy="2372354"/>
+            </a:xfrm>
+            <a:prstGeom prst="roundRect">
+              <a:avLst>
+                <a:gd name="adj" fmla="val 5043"/>
+              </a:avLst>
+            </a:prstGeom>
+            <a:noFill/>
+            <a:ln>
+              <a:solidFill>
+                <a:schemeClr val="tx1"/>
+              </a:solidFill>
+            </a:ln>
+          </p:spPr>
+          <p:style>
+            <a:lnRef idx="2">
+              <a:schemeClr val="accent1">
+                <a:shade val="50000"/>
+              </a:schemeClr>
+            </a:lnRef>
+            <a:fillRef idx="1">
+              <a:schemeClr val="accent1"/>
+            </a:fillRef>
+            <a:effectRef idx="0">
+              <a:schemeClr val="accent1"/>
+            </a:effectRef>
+            <a:fontRef idx="minor">
+              <a:schemeClr val="lt1"/>
+            </a:fontRef>
+          </p:style>
+          <p:txBody>
+            <a:bodyPr rtlCol="0" anchor="ctr"/>
+            <a:lstStyle/>
+            <a:p>
+              <a:pPr algn="ctr"/>
+              <a:endParaRPr kumimoji="1" lang="ja-JP" altLang="en-US" dirty="0"/>
+            </a:p>
+          </p:txBody>
+        </p:sp>
+        <p:sp>
+          <p:nvSpPr>
+            <p:cNvPr id="30" name="テキスト ボックス 29"/>
+            <p:cNvSpPr txBox="1"/>
+            <p:nvPr/>
+          </p:nvSpPr>
+          <p:spPr>
+            <a:xfrm>
+              <a:off x="2391649" y="1220349"/>
+              <a:ext cx="1854883" cy="261610"/>
+            </a:xfrm>
+            <a:prstGeom prst="rect">
+              <a:avLst/>
+            </a:prstGeom>
+            <a:noFill/>
+          </p:spPr>
+          <p:txBody>
+            <a:bodyPr wrap="square" rtlCol="0">
+              <a:spAutoFit/>
+            </a:bodyPr>
+            <a:lstStyle/>
+            <a:p>
+              <a:r>
+                <a:rPr kumimoji="1" lang="en-US" altLang="ja-JP" sz="1050" dirty="0" smtClean="0">
+                  <a:latin typeface="源ノ角ゴシック Code JP M" panose="020B0600000000000000" pitchFamily="34" charset="-128"/>
+                  <a:ea typeface="源ノ角ゴシック Code JP M" panose="020B0600000000000000" pitchFamily="34" charset="-128"/>
+                </a:rPr>
+                <a:t>Main Board</a:t>
+              </a:r>
+              <a:endParaRPr kumimoji="1" lang="ja-JP" altLang="en-US" sz="1050" dirty="0">
+                <a:latin typeface="源ノ角ゴシック Code JP M" panose="020B0600000000000000" pitchFamily="34" charset="-128"/>
+                <a:ea typeface="源ノ角ゴシック Code JP M" panose="020B0600000000000000" pitchFamily="34" charset="-128"/>
+              </a:endParaRPr>
+            </a:p>
+          </p:txBody>
+        </p:sp>
+      </p:grpSp>
+      <p:grpSp>
+        <p:nvGrpSpPr>
+          <p:cNvPr id="31" name="グループ化 30"/>
+          <p:cNvGrpSpPr/>
+          <p:nvPr/>
+        </p:nvGrpSpPr>
+        <p:grpSpPr>
+          <a:xfrm>
+            <a:off x="405185" y="1185204"/>
+            <a:ext cx="1999163" cy="824052"/>
+            <a:chOff x="2391648" y="1189909"/>
+            <a:chExt cx="4044865" cy="2372354"/>
+          </a:xfrm>
+        </p:grpSpPr>
+        <p:sp>
+          <p:nvSpPr>
+            <p:cNvPr id="32" name="角丸四角形 31"/>
+            <p:cNvSpPr/>
+            <p:nvPr/>
+          </p:nvSpPr>
+          <p:spPr>
+            <a:xfrm>
+              <a:off x="2391649" y="1189909"/>
+              <a:ext cx="3929062" cy="2372354"/>
+            </a:xfrm>
+            <a:prstGeom prst="roundRect">
+              <a:avLst>
+                <a:gd name="adj" fmla="val 5043"/>
+              </a:avLst>
+            </a:prstGeom>
+            <a:noFill/>
+            <a:ln>
+              <a:solidFill>
+                <a:schemeClr val="tx1"/>
+              </a:solidFill>
+            </a:ln>
+          </p:spPr>
+          <p:style>
+            <a:lnRef idx="2">
+              <a:schemeClr val="accent1">
+                <a:shade val="50000"/>
+              </a:schemeClr>
+            </a:lnRef>
+            <a:fillRef idx="1">
+              <a:schemeClr val="accent1"/>
+            </a:fillRef>
+            <a:effectRef idx="0">
+              <a:schemeClr val="accent1"/>
+            </a:effectRef>
+            <a:fontRef idx="minor">
+              <a:schemeClr val="lt1"/>
+            </a:fontRef>
+          </p:style>
+          <p:txBody>
+            <a:bodyPr rtlCol="0" anchor="ctr"/>
+            <a:lstStyle/>
+            <a:p>
+              <a:pPr algn="ctr"/>
+              <a:endParaRPr kumimoji="1" lang="ja-JP" altLang="en-US" dirty="0"/>
+            </a:p>
+          </p:txBody>
+        </p:sp>
+        <p:sp>
+          <p:nvSpPr>
+            <p:cNvPr id="33" name="テキスト ボックス 32"/>
+            <p:cNvSpPr txBox="1"/>
+            <p:nvPr/>
+          </p:nvSpPr>
+          <p:spPr>
+            <a:xfrm>
+              <a:off x="2391648" y="1274943"/>
+              <a:ext cx="4044865" cy="2281591"/>
+            </a:xfrm>
+            <a:prstGeom prst="rect">
+              <a:avLst/>
+            </a:prstGeom>
+            <a:noFill/>
+          </p:spPr>
+          <p:txBody>
+            <a:bodyPr wrap="square" rtlCol="0">
+              <a:spAutoFit/>
+            </a:bodyPr>
+            <a:lstStyle/>
+            <a:p>
+              <a:r>
+                <a:rPr lang="en-US" altLang="ja-JP" sz="1050" dirty="0" smtClean="0">
+                  <a:latin typeface="源ノ角ゴシック Code JP M" panose="020B0600000000000000" pitchFamily="34" charset="-128"/>
+                  <a:ea typeface="源ノ角ゴシック Code JP M" panose="020B0600000000000000" pitchFamily="34" charset="-128"/>
+                </a:rPr>
+                <a:t>Li-PO Battery </a:t>
+              </a:r>
+            </a:p>
+            <a:p>
+              <a:r>
+                <a:rPr lang="en-US" altLang="ja-JP" sz="700" dirty="0" smtClean="0">
+                  <a:latin typeface="源ノ角ゴシック Code JP M" panose="020B0600000000000000" pitchFamily="34" charset="-128"/>
+                  <a:ea typeface="源ノ角ゴシック Code JP M" panose="020B0600000000000000" pitchFamily="34" charset="-128"/>
+                </a:rPr>
+                <a:t>             </a:t>
+              </a:r>
+            </a:p>
+            <a:p>
+              <a:endParaRPr lang="en-US" altLang="ja-JP" sz="700" dirty="0">
+                <a:latin typeface="源ノ角ゴシック Code JP M" panose="020B0600000000000000" pitchFamily="34" charset="-128"/>
+                <a:ea typeface="源ノ角ゴシック Code JP M" panose="020B0600000000000000" pitchFamily="34" charset="-128"/>
+              </a:endParaRPr>
+            </a:p>
+            <a:p>
+              <a:endParaRPr lang="en-US" altLang="ja-JP" sz="700" dirty="0" smtClean="0">
+                <a:latin typeface="源ノ角ゴシック Code JP M" panose="020B0600000000000000" pitchFamily="34" charset="-128"/>
+                <a:ea typeface="源ノ角ゴシック Code JP M" panose="020B0600000000000000" pitchFamily="34" charset="-128"/>
+              </a:endParaRPr>
+            </a:p>
+            <a:p>
+              <a:endParaRPr lang="en-US" altLang="ja-JP" sz="700" dirty="0">
+                <a:latin typeface="源ノ角ゴシック Code JP M" panose="020B0600000000000000" pitchFamily="34" charset="-128"/>
+                <a:ea typeface="源ノ角ゴシック Code JP M" panose="020B0600000000000000" pitchFamily="34" charset="-128"/>
+              </a:endParaRPr>
+            </a:p>
+            <a:p>
+              <a:r>
+                <a:rPr lang="en-US" altLang="ja-JP" sz="700" dirty="0" smtClean="0">
+                  <a:latin typeface="源ノ角ゴシック Code JP M" panose="020B0600000000000000" pitchFamily="34" charset="-128"/>
+                  <a:ea typeface="源ノ角ゴシック Code JP M" panose="020B0600000000000000" pitchFamily="34" charset="-128"/>
+                </a:rPr>
+                <a:t>                 11.2V 1300mAh</a:t>
+              </a:r>
+              <a:endParaRPr kumimoji="1" lang="ja-JP" altLang="en-US" sz="1000" dirty="0">
+                <a:latin typeface="源ノ角ゴシック Code JP M" panose="020B0600000000000000" pitchFamily="34" charset="-128"/>
+                <a:ea typeface="源ノ角ゴシック Code JP M" panose="020B0600000000000000" pitchFamily="34" charset="-128"/>
+              </a:endParaRPr>
+            </a:p>
+          </p:txBody>
+        </p:sp>
+      </p:grpSp>
+      <p:grpSp>
+        <p:nvGrpSpPr>
+          <p:cNvPr id="27" name="グループ化 26"/>
+          <p:cNvGrpSpPr/>
+          <p:nvPr/>
+        </p:nvGrpSpPr>
+        <p:grpSpPr>
+          <a:xfrm>
+            <a:off x="2591530" y="2772099"/>
+            <a:ext cx="2614198" cy="575208"/>
+            <a:chOff x="3594895" y="2611741"/>
+            <a:chExt cx="2399561" cy="575208"/>
+          </a:xfrm>
+        </p:grpSpPr>
+        <p:sp>
+          <p:nvSpPr>
+            <p:cNvPr id="12" name="四角形: 角を丸くする 11">
+              <a:extLst>
+                <a:ext uri="{FF2B5EF4-FFF2-40B4-BE49-F238E27FC236}">
+                  <a16:creationId xmlns:a16="http://schemas.microsoft.com/office/drawing/2014/main" xmlns="" id="{EFCF447B-DF4E-F420-B181-5ED79E9170AE}"/>
+                </a:ext>
+              </a:extLst>
+            </p:cNvPr>
+            <p:cNvSpPr/>
+            <p:nvPr/>
+          </p:nvSpPr>
+          <p:spPr>
+            <a:xfrm>
+              <a:off x="3594895" y="2656801"/>
+              <a:ext cx="2399561" cy="486610"/>
+            </a:xfrm>
+            <a:prstGeom prst="roundRect">
+              <a:avLst>
+                <a:gd name="adj" fmla="val 16280"/>
+              </a:avLst>
+            </a:prstGeom>
+            <a:solidFill>
+              <a:schemeClr val="tx1">
+                <a:lumMod val="65000"/>
+                <a:lumOff val="35000"/>
+              </a:schemeClr>
+            </a:solidFill>
+            <a:ln>
+              <a:solidFill>
+                <a:schemeClr val="tx1"/>
+              </a:solidFill>
+            </a:ln>
+          </p:spPr>
+          <p:style>
+            <a:lnRef idx="2">
+              <a:schemeClr val="accent1">
+                <a:shade val="50000"/>
+              </a:schemeClr>
+            </a:lnRef>
+            <a:fillRef idx="1">
+              <a:schemeClr val="accent1"/>
+            </a:fillRef>
+            <a:effectRef idx="0">
+              <a:schemeClr val="accent1"/>
+            </a:effectRef>
+            <a:fontRef idx="minor">
+              <a:schemeClr val="lt1"/>
+            </a:fontRef>
+          </p:style>
+          <p:txBody>
+            <a:bodyPr rtlCol="0" anchor="ctr"/>
+            <a:lstStyle/>
+            <a:p>
+              <a:r>
+                <a:rPr lang="ja-JP" altLang="en-US" sz="900" dirty="0" smtClean="0">
+                  <a:latin typeface="源ノ角ゴシック Code JP R" panose="020B0500000000000000" pitchFamily="34" charset="-128"/>
+                  <a:ea typeface="源ノ角ゴシック Code JP R" panose="020B0500000000000000" pitchFamily="34" charset="-128"/>
+                </a:rPr>
+                <a:t>     メインマイコン</a:t>
+              </a:r>
+              <a:r>
+                <a:rPr lang="en-US" altLang="ja-JP" sz="900" dirty="0" smtClean="0">
+                  <a:latin typeface="源ノ角ゴシック Code JP R" panose="020B0500000000000000" pitchFamily="34" charset="-128"/>
+                  <a:ea typeface="源ノ角ゴシック Code JP R" panose="020B0500000000000000" pitchFamily="34" charset="-128"/>
+                </a:rPr>
+                <a:t>         </a:t>
+              </a:r>
+              <a:r>
+                <a:rPr lang="ja-JP" altLang="en-US" sz="600" dirty="0" smtClean="0">
+                  <a:latin typeface="源ノ角ゴシック Code JP R" panose="020B0500000000000000" pitchFamily="34" charset="-128"/>
+                  <a:ea typeface="源ノ角ゴシック Code JP R" panose="020B0500000000000000" pitchFamily="34" charset="-128"/>
+                </a:rPr>
+                <a:t> </a:t>
+              </a:r>
+              <a:endParaRPr lang="en-US" altLang="ja-JP" sz="600" dirty="0" smtClean="0">
+                <a:latin typeface="源ノ角ゴシック Code JP R" panose="020B0500000000000000" pitchFamily="34" charset="-128"/>
+                <a:ea typeface="源ノ角ゴシック Code JP R" panose="020B0500000000000000" pitchFamily="34" charset="-128"/>
+              </a:endParaRPr>
+            </a:p>
+            <a:p>
+              <a:r>
+                <a:rPr lang="en-US" altLang="ja-JP" sz="600" dirty="0">
+                  <a:latin typeface="源ノ角ゴシック Code JP R" panose="020B0500000000000000" pitchFamily="34" charset="-128"/>
+                  <a:ea typeface="源ノ角ゴシック Code JP R" panose="020B0500000000000000" pitchFamily="34" charset="-128"/>
+                </a:rPr>
+                <a:t> </a:t>
+              </a:r>
+              <a:r>
+                <a:rPr lang="en-US" altLang="ja-JP" sz="600" dirty="0" smtClean="0">
+                  <a:latin typeface="源ノ角ゴシック Code JP R" panose="020B0500000000000000" pitchFamily="34" charset="-128"/>
+                  <a:ea typeface="源ノ角ゴシック Code JP R" panose="020B0500000000000000" pitchFamily="34" charset="-128"/>
+                </a:rPr>
+                <a:t>       </a:t>
+              </a:r>
+              <a:r>
+                <a:rPr lang="en-US" altLang="ja-JP" sz="900" dirty="0" smtClean="0">
+                  <a:latin typeface="源ノ角ゴシック Code JP R" panose="020B0500000000000000" pitchFamily="34" charset="-128"/>
+                  <a:ea typeface="源ノ角ゴシック Code JP R" panose="020B0500000000000000" pitchFamily="34" charset="-128"/>
+                </a:rPr>
+                <a:t>Teensy 4.0 </a:t>
+              </a:r>
+              <a:endParaRPr kumimoji="1" lang="ja-JP" altLang="en-US" sz="900" dirty="0">
+                <a:latin typeface="源ノ角ゴシック Code JP R" panose="020B0500000000000000" pitchFamily="34" charset="-128"/>
+                <a:ea typeface="源ノ角ゴシック Code JP R" panose="020B0500000000000000" pitchFamily="34" charset="-128"/>
+              </a:endParaRPr>
+            </a:p>
+          </p:txBody>
+        </p:sp>
+        <p:pic>
+          <p:nvPicPr>
+            <p:cNvPr id="1028" name="Picture 4" descr="CPUのアイコン04素材 | 無料のアイコンイラスト集 icon-pit"/>
+            <p:cNvPicPr>
+              <a:picLocks noChangeAspect="1" noChangeArrowheads="1"/>
+            </p:cNvPicPr>
+            <p:nvPr/>
+          </p:nvPicPr>
+          <p:blipFill>
+            <a:blip r:embed="rId5" cstate="print">
+              <a:biLevel thresh="25000"/>
+              <a:extLst>
+                <a:ext uri="{28A0092B-C50C-407E-A947-70E740481C1C}">
+                  <a14:useLocalDpi xmlns:a14="http://schemas.microsoft.com/office/drawing/2010/main" val="0"/>
+                </a:ext>
+              </a:extLst>
+            </a:blip>
+            <a:srcRect/>
+            <a:stretch>
+              <a:fillRect/>
+            </a:stretch>
+          </p:blipFill>
+          <p:spPr bwMode="auto">
+            <a:xfrm>
+              <a:off x="5050604" y="2611741"/>
+              <a:ext cx="568473" cy="575208"/>
+            </a:xfrm>
+            <a:prstGeom prst="rect">
+              <a:avLst/>
+            </a:prstGeom>
+            <a:noFill/>
+            <a:extLst>
+              <a:ext uri="{909E8E84-426E-40DD-AFC4-6F175D3DCCD1}">
+                <a14:hiddenFill xmlns:a14="http://schemas.microsoft.com/office/drawing/2010/main">
+                  <a:solidFill>
+                    <a:srgbClr val="FFFFFF"/>
+                  </a:solidFill>
+                </a14:hiddenFill>
+              </a:ext>
+            </a:extLst>
+          </p:spPr>
+        </p:pic>
+      </p:grpSp>
+      <p:sp>
+        <p:nvSpPr>
+          <p:cNvPr id="39" name="正方形/長方形 38"/>
+          <p:cNvSpPr/>
+          <p:nvPr/>
+        </p:nvSpPr>
+        <p:spPr>
+          <a:xfrm>
+            <a:off x="789717" y="2015803"/>
+            <a:ext cx="452351" cy="309369"/>
+          </a:xfrm>
+          <a:prstGeom prst="rect">
+            <a:avLst/>
+          </a:prstGeom>
+          <a:solidFill>
+            <a:srgbClr val="F95959"/>
+          </a:solidFill>
+          <a:ln>
+            <a:noFill/>
+          </a:ln>
+        </p:spPr>
+        <p:style>
+          <a:lnRef idx="2">
+            <a:schemeClr val="accent2">
+              <a:shade val="50000"/>
+            </a:schemeClr>
+          </a:lnRef>
+          <a:fillRef idx="1">
+            <a:schemeClr val="accent2"/>
+          </a:fillRef>
+          <a:effectRef idx="0">
+            <a:schemeClr val="accent2"/>
+          </a:effectRef>
+          <a:fontRef idx="minor">
+            <a:schemeClr val="lt1"/>
+          </a:fontRef>
+        </p:style>
+        <p:txBody>
+          <a:bodyPr rtlCol="0" anchor="ctr"/>
+          <a:lstStyle/>
+          <a:p>
+            <a:pPr algn="ctr"/>
+            <a:r>
+              <a:rPr lang="en-US" altLang="ja-JP" sz="900" dirty="0"/>
+              <a:t>PWR</a:t>
+            </a:r>
+            <a:endParaRPr kumimoji="1" lang="ja-JP" altLang="en-US" sz="900" dirty="0"/>
+          </a:p>
+        </p:txBody>
+      </p:sp>
+      <p:pic>
+        <p:nvPicPr>
+          <p:cNvPr id="38" name="図 37"/>
+          <p:cNvPicPr>
+            <a:picLocks noChangeAspect="1"/>
+          </p:cNvPicPr>
+          <p:nvPr/>
+        </p:nvPicPr>
+        <p:blipFill>
+          <a:blip r:embed="rId6" cstate="print">
+            <a:extLst>
+              <a:ext uri="{28A0092B-C50C-407E-A947-70E740481C1C}">
+                <a14:useLocalDpi xmlns:a14="http://schemas.microsoft.com/office/drawing/2010/main" val="0"/>
+              </a:ext>
+            </a:extLst>
+          </a:blip>
+          <a:stretch>
+            <a:fillRect/>
+          </a:stretch>
+        </p:blipFill>
+        <p:spPr>
+          <a:xfrm>
+            <a:off x="756241" y="2528385"/>
+            <a:ext cx="971657" cy="781512"/>
+          </a:xfrm>
+          <a:prstGeom prst="rect">
+            <a:avLst/>
+          </a:prstGeom>
+        </p:spPr>
+      </p:pic>
+      <p:sp>
+        <p:nvSpPr>
+          <p:cNvPr id="42" name="テキスト ボックス 41"/>
+          <p:cNvSpPr txBox="1"/>
+          <p:nvPr/>
+        </p:nvSpPr>
+        <p:spPr>
+          <a:xfrm>
+            <a:off x="339263" y="3020793"/>
+            <a:ext cx="1312973" cy="400110"/>
+          </a:xfrm>
+          <a:prstGeom prst="rect">
+            <a:avLst/>
+          </a:prstGeom>
+          <a:noFill/>
+        </p:spPr>
+        <p:txBody>
+          <a:bodyPr wrap="square" rtlCol="0">
+            <a:spAutoFit/>
+          </a:bodyPr>
+          <a:lstStyle/>
+          <a:p>
+            <a:r>
+              <a:rPr kumimoji="1" lang="en-US" altLang="ja-JP" sz="500" dirty="0" smtClean="0">
+                <a:latin typeface="源ノ角ゴシック Code JP M" panose="020B0600000000000000" pitchFamily="34" charset="-128"/>
+                <a:ea typeface="源ノ角ゴシック Code JP M" panose="020B0600000000000000" pitchFamily="34" charset="-128"/>
+              </a:rPr>
+              <a:t>Fuse</a:t>
+            </a:r>
+            <a:r>
+              <a:rPr lang="en-US" altLang="ja-JP" sz="500" dirty="0" smtClean="0">
+                <a:latin typeface="源ノ角ゴシック Code JP M" panose="020B0600000000000000" pitchFamily="34" charset="-128"/>
+                <a:ea typeface="源ノ角ゴシック Code JP M" panose="020B0600000000000000" pitchFamily="34" charset="-128"/>
+              </a:rPr>
+              <a:t>:20A</a:t>
+            </a:r>
+          </a:p>
+          <a:p>
+            <a:r>
+              <a:rPr kumimoji="1" lang="en-US" altLang="ja-JP" sz="500" dirty="0" smtClean="0">
+                <a:latin typeface="源ノ角ゴシック Code JP M" panose="020B0600000000000000" pitchFamily="34" charset="-128"/>
+                <a:ea typeface="源ノ角ゴシック Code JP M" panose="020B0600000000000000" pitchFamily="34" charset="-128"/>
+              </a:rPr>
+              <a:t>DC-DC:</a:t>
+            </a:r>
+          </a:p>
+          <a:p>
+            <a:r>
+              <a:rPr lang="en-US" altLang="ja-JP" sz="500" dirty="0">
+                <a:latin typeface="源ノ角ゴシック Code JP M" panose="020B0600000000000000" pitchFamily="34" charset="-128"/>
+                <a:ea typeface="源ノ角ゴシック Code JP M" panose="020B0600000000000000" pitchFamily="34" charset="-128"/>
+              </a:rPr>
+              <a:t> </a:t>
+            </a:r>
+            <a:r>
+              <a:rPr lang="en-US" altLang="ja-JP" sz="500" dirty="0" smtClean="0">
+                <a:latin typeface="源ノ角ゴシック Code JP M" panose="020B0600000000000000" pitchFamily="34" charset="-128"/>
+                <a:ea typeface="源ノ角ゴシック Code JP M" panose="020B0600000000000000" pitchFamily="34" charset="-128"/>
+              </a:rPr>
+              <a:t>OKL-T/3W5NC</a:t>
+            </a:r>
+            <a:endParaRPr kumimoji="1" lang="en-US" altLang="ja-JP" sz="500" dirty="0" smtClean="0">
+              <a:latin typeface="源ノ角ゴシック Code JP M" panose="020B0600000000000000" pitchFamily="34" charset="-128"/>
+              <a:ea typeface="源ノ角ゴシック Code JP M" panose="020B0600000000000000" pitchFamily="34" charset="-128"/>
+            </a:endParaRPr>
+          </a:p>
+          <a:p>
+            <a:endParaRPr kumimoji="1" lang="ja-JP" altLang="en-US" sz="500" dirty="0">
+              <a:latin typeface="源ノ角ゴシック Code JP M" panose="020B0600000000000000" pitchFamily="34" charset="-128"/>
+              <a:ea typeface="源ノ角ゴシック Code JP M" panose="020B0600000000000000" pitchFamily="34" charset="-128"/>
+            </a:endParaRPr>
+          </a:p>
+        </p:txBody>
+      </p:sp>
+      <p:pic>
+        <p:nvPicPr>
+          <p:cNvPr id="40" name="図 39"/>
+          <p:cNvPicPr>
+            <a:picLocks noChangeAspect="1"/>
+          </p:cNvPicPr>
+          <p:nvPr/>
+        </p:nvPicPr>
+        <p:blipFill rotWithShape="1">
+          <a:blip r:embed="rId7" cstate="print">
+            <a:extLst>
+              <a:ext uri="{28A0092B-C50C-407E-A947-70E740481C1C}">
+                <a14:useLocalDpi xmlns:a14="http://schemas.microsoft.com/office/drawing/2010/main" val="0"/>
+              </a:ext>
+            </a:extLst>
+          </a:blip>
+          <a:srcRect l="1955" t="34059" r="6607" b="33808"/>
+          <a:stretch/>
+        </p:blipFill>
+        <p:spPr>
+          <a:xfrm>
+            <a:off x="832644" y="1438413"/>
+            <a:ext cx="1097756" cy="385763"/>
+          </a:xfrm>
+          <a:prstGeom prst="roundRect">
+            <a:avLst>
+              <a:gd name="adj" fmla="val 16667"/>
+            </a:avLst>
+          </a:prstGeom>
+          <a:ln>
+            <a:noFill/>
+          </a:ln>
+          <a:effectLst>
+            <a:outerShdw blurRad="76200" dist="38100" dir="7800000" algn="tl" rotWithShape="0">
+              <a:srgbClr val="000000">
+                <a:alpha val="40000"/>
+              </a:srgbClr>
+            </a:outerShdw>
+          </a:effectLst>
+          <a:scene3d>
+            <a:camera prst="orthographicFront"/>
+            <a:lightRig rig="balanced" dir="t">
+              <a:rot lat="0" lon="0" rev="10800000"/>
+            </a:lightRig>
+          </a:scene3d>
+          <a:sp3d extrusionH="76200" contourW="12700">
+            <a:bevelT w="381000" h="114300"/>
+            <a:extrusionClr>
+              <a:schemeClr val="bg1"/>
+            </a:extrusionClr>
+            <a:contourClr>
+              <a:schemeClr val="bg1"/>
+            </a:contourClr>
+          </a:sp3d>
+        </p:spPr>
+      </p:pic>
+      <p:sp>
+        <p:nvSpPr>
+          <p:cNvPr id="45" name="正方形/長方形 44"/>
+          <p:cNvSpPr/>
+          <p:nvPr/>
+        </p:nvSpPr>
+        <p:spPr>
+          <a:xfrm>
+            <a:off x="2861245" y="2623756"/>
+            <a:ext cx="408838" cy="192631"/>
+          </a:xfrm>
+          <a:prstGeom prst="rect">
+            <a:avLst/>
+          </a:prstGeom>
+          <a:solidFill>
+            <a:schemeClr val="accent1"/>
+          </a:solidFill>
+          <a:ln>
+            <a:noFill/>
+          </a:ln>
+        </p:spPr>
+        <p:style>
+          <a:lnRef idx="2">
+            <a:schemeClr val="accent2">
+              <a:shade val="50000"/>
+            </a:schemeClr>
+          </a:lnRef>
+          <a:fillRef idx="1">
+            <a:schemeClr val="accent2"/>
+          </a:fillRef>
+          <a:effectRef idx="0">
+            <a:schemeClr val="accent2"/>
+          </a:effectRef>
+          <a:fontRef idx="minor">
+            <a:schemeClr val="lt1"/>
+          </a:fontRef>
+        </p:style>
+        <p:txBody>
+          <a:bodyPr rtlCol="0" anchor="ctr"/>
+          <a:lstStyle/>
+          <a:p>
+            <a:pPr algn="ctr"/>
+            <a:r>
+              <a:rPr kumimoji="1" lang="en-US" altLang="ja-JP" sz="1200" dirty="0" smtClean="0"/>
+              <a:t>I²C</a:t>
+            </a:r>
+            <a:endParaRPr kumimoji="1" lang="ja-JP" altLang="en-US" sz="1200" dirty="0"/>
+          </a:p>
+        </p:txBody>
+      </p:sp>
+      <p:grpSp>
+        <p:nvGrpSpPr>
+          <p:cNvPr id="46" name="グループ化 45"/>
+          <p:cNvGrpSpPr/>
+          <p:nvPr/>
+        </p:nvGrpSpPr>
+        <p:grpSpPr>
+          <a:xfrm>
+            <a:off x="2575720" y="1498338"/>
+            <a:ext cx="979889" cy="1168272"/>
+            <a:chOff x="3871864" y="2388567"/>
+            <a:chExt cx="729671" cy="1168272"/>
+          </a:xfrm>
+        </p:grpSpPr>
+        <p:sp>
+          <p:nvSpPr>
+            <p:cNvPr id="47" name="四角形: 角を丸くする 11">
+              <a:extLst>
+                <a:ext uri="{FF2B5EF4-FFF2-40B4-BE49-F238E27FC236}">
+                  <a16:creationId xmlns:a16="http://schemas.microsoft.com/office/drawing/2014/main" xmlns="" id="{EFCF447B-DF4E-F420-B181-5ED79E9170AE}"/>
+                </a:ext>
+              </a:extLst>
+            </p:cNvPr>
+            <p:cNvSpPr/>
+            <p:nvPr/>
+          </p:nvSpPr>
+          <p:spPr>
+            <a:xfrm>
+              <a:off x="3871864" y="2388567"/>
+              <a:ext cx="729671" cy="1136363"/>
+            </a:xfrm>
+            <a:prstGeom prst="roundRect">
+              <a:avLst>
+                <a:gd name="adj" fmla="val 16280"/>
+              </a:avLst>
+            </a:prstGeom>
+            <a:solidFill>
+              <a:schemeClr val="tx1">
+                <a:lumMod val="65000"/>
+                <a:lumOff val="35000"/>
+              </a:schemeClr>
+            </a:solidFill>
+            <a:ln>
+              <a:solidFill>
+                <a:schemeClr val="tx1"/>
+              </a:solidFill>
+            </a:ln>
+          </p:spPr>
+          <p:style>
+            <a:lnRef idx="2">
+              <a:schemeClr val="accent1">
+                <a:shade val="50000"/>
+              </a:schemeClr>
+            </a:lnRef>
+            <a:fillRef idx="1">
+              <a:schemeClr val="accent1"/>
+            </a:fillRef>
+            <a:effectRef idx="0">
+              <a:schemeClr val="accent1"/>
+            </a:effectRef>
+            <a:fontRef idx="minor">
+              <a:schemeClr val="lt1"/>
+            </a:fontRef>
+          </p:style>
+          <p:txBody>
+            <a:bodyPr rtlCol="0" anchor="ctr"/>
+            <a:lstStyle/>
+            <a:p>
+              <a:endParaRPr lang="en-US" altLang="ja-JP" sz="100" dirty="0" smtClean="0">
+                <a:latin typeface="源ノ角ゴシック Code JP R" panose="020B0500000000000000" pitchFamily="34" charset="-128"/>
+                <a:ea typeface="源ノ角ゴシック Code JP R" panose="020B0500000000000000" pitchFamily="34" charset="-128"/>
+              </a:endParaRPr>
+            </a:p>
+            <a:p>
+              <a:r>
+                <a:rPr lang="ja-JP" altLang="en-US" sz="900" dirty="0" smtClean="0">
+                  <a:latin typeface="源ノ角ゴシック Code JP R" panose="020B0500000000000000" pitchFamily="34" charset="-128"/>
+                  <a:ea typeface="源ノ角ゴシック Code JP R" panose="020B0500000000000000" pitchFamily="34" charset="-128"/>
+                </a:rPr>
+                <a:t>サブマイコン</a:t>
+              </a:r>
+              <a:r>
+                <a:rPr lang="en-US" altLang="ja-JP" sz="900" dirty="0" smtClean="0">
+                  <a:latin typeface="源ノ角ゴシック Code JP R" panose="020B0500000000000000" pitchFamily="34" charset="-128"/>
+                  <a:ea typeface="源ノ角ゴシック Code JP R" panose="020B0500000000000000" pitchFamily="34" charset="-128"/>
+                </a:rPr>
+                <a:t>        </a:t>
+              </a:r>
+            </a:p>
+            <a:p>
+              <a:r>
+                <a:rPr lang="en-US" altLang="ja-JP" sz="200" dirty="0" smtClean="0">
+                  <a:latin typeface="源ノ角ゴシック Code JP R" panose="020B0500000000000000" pitchFamily="34" charset="-128"/>
+                  <a:ea typeface="源ノ角ゴシック Code JP R" panose="020B0500000000000000" pitchFamily="34" charset="-128"/>
+                </a:rPr>
+                <a:t> </a:t>
+              </a:r>
+              <a:endParaRPr lang="en-US" altLang="ja-JP" sz="200" dirty="0">
+                <a:latin typeface="源ノ角ゴシック Code JP R" panose="020B0500000000000000" pitchFamily="34" charset="-128"/>
+                <a:ea typeface="源ノ角ゴシック Code JP R" panose="020B0500000000000000" pitchFamily="34" charset="-128"/>
+              </a:endParaRPr>
+            </a:p>
+            <a:p>
+              <a:r>
+                <a:rPr lang="en-US" altLang="ja-JP" sz="600" dirty="0" smtClean="0">
+                  <a:latin typeface="源ノ角ゴシック Code JP R" panose="020B0500000000000000" pitchFamily="34" charset="-128"/>
+                  <a:ea typeface="源ノ角ゴシック Code JP R" panose="020B0500000000000000" pitchFamily="34" charset="-128"/>
+                </a:rPr>
+                <a:t>   </a:t>
+              </a:r>
+              <a:r>
+                <a:rPr lang="en-US" altLang="ja-JP" sz="700" dirty="0" smtClean="0">
+                  <a:latin typeface="源ノ角ゴシック Code JP R" panose="020B0500000000000000" pitchFamily="34" charset="-128"/>
+                  <a:ea typeface="源ノ角ゴシック Code JP R" panose="020B0500000000000000" pitchFamily="34" charset="-128"/>
+                </a:rPr>
+                <a:t>Arduino     </a:t>
+              </a:r>
+            </a:p>
+            <a:p>
+              <a:r>
+                <a:rPr lang="en-US" altLang="ja-JP" sz="700" dirty="0">
+                  <a:latin typeface="源ノ角ゴシック Code JP R" panose="020B0500000000000000" pitchFamily="34" charset="-128"/>
+                  <a:ea typeface="源ノ角ゴシック Code JP R" panose="020B0500000000000000" pitchFamily="34" charset="-128"/>
+                </a:rPr>
+                <a:t> </a:t>
+              </a:r>
+              <a:r>
+                <a:rPr lang="en-US" altLang="ja-JP" sz="400" dirty="0">
+                  <a:latin typeface="源ノ角ゴシック Code JP R" panose="020B0500000000000000" pitchFamily="34" charset="-128"/>
+                  <a:ea typeface="源ノ角ゴシック Code JP R" panose="020B0500000000000000" pitchFamily="34" charset="-128"/>
+                </a:rPr>
+                <a:t> </a:t>
+              </a:r>
+              <a:r>
+                <a:rPr lang="en-US" altLang="ja-JP" sz="700" dirty="0" smtClean="0">
+                  <a:latin typeface="源ノ角ゴシック Code JP R" panose="020B0500000000000000" pitchFamily="34" charset="-128"/>
+                  <a:ea typeface="源ノ角ゴシック Code JP R" panose="020B0500000000000000" pitchFamily="34" charset="-128"/>
+                </a:rPr>
+                <a:t>Mega 2560</a:t>
+              </a:r>
+            </a:p>
+            <a:p>
+              <a:endParaRPr kumimoji="1" lang="en-US" altLang="ja-JP" sz="900" dirty="0">
+                <a:latin typeface="源ノ角ゴシック Code JP R" panose="020B0500000000000000" pitchFamily="34" charset="-128"/>
+                <a:ea typeface="源ノ角ゴシック Code JP R" panose="020B0500000000000000" pitchFamily="34" charset="-128"/>
+              </a:endParaRPr>
+            </a:p>
+            <a:p>
+              <a:endParaRPr lang="en-US" altLang="ja-JP" sz="900" dirty="0" smtClean="0">
+                <a:latin typeface="源ノ角ゴシック Code JP R" panose="020B0500000000000000" pitchFamily="34" charset="-128"/>
+                <a:ea typeface="源ノ角ゴシック Code JP R" panose="020B0500000000000000" pitchFamily="34" charset="-128"/>
+              </a:endParaRPr>
+            </a:p>
+            <a:p>
+              <a:endParaRPr kumimoji="1" lang="en-US" altLang="ja-JP" sz="900" dirty="0">
+                <a:latin typeface="源ノ角ゴシック Code JP R" panose="020B0500000000000000" pitchFamily="34" charset="-128"/>
+                <a:ea typeface="源ノ角ゴシック Code JP R" panose="020B0500000000000000" pitchFamily="34" charset="-128"/>
+              </a:endParaRPr>
+            </a:p>
+            <a:p>
+              <a:r>
+                <a:rPr kumimoji="1" lang="en-US" altLang="ja-JP" sz="900" dirty="0" smtClean="0">
+                  <a:latin typeface="源ノ角ゴシック Code JP R" panose="020B0500000000000000" pitchFamily="34" charset="-128"/>
+                  <a:ea typeface="源ノ角ゴシック Code JP R" panose="020B0500000000000000" pitchFamily="34" charset="-128"/>
+                </a:rPr>
+                <a:t> </a:t>
+              </a:r>
+              <a:endParaRPr kumimoji="1" lang="ja-JP" altLang="en-US" sz="900" dirty="0">
+                <a:latin typeface="源ノ角ゴシック Code JP R" panose="020B0500000000000000" pitchFamily="34" charset="-128"/>
+                <a:ea typeface="源ノ角ゴシック Code JP R" panose="020B0500000000000000" pitchFamily="34" charset="-128"/>
+              </a:endParaRPr>
+            </a:p>
+          </p:txBody>
+        </p:sp>
+        <p:pic>
+          <p:nvPicPr>
+            <p:cNvPr id="48" name="Picture 4" descr="CPUのアイコン04素材 | 無料のアイコンイラスト集 icon-pit"/>
+            <p:cNvPicPr>
+              <a:picLocks noChangeAspect="1" noChangeArrowheads="1"/>
+            </p:cNvPicPr>
+            <p:nvPr/>
+          </p:nvPicPr>
+          <p:blipFill>
+            <a:blip r:embed="rId5" cstate="print">
+              <a:biLevel thresh="25000"/>
+              <a:extLst>
+                <a:ext uri="{28A0092B-C50C-407E-A947-70E740481C1C}">
+                  <a14:useLocalDpi xmlns:a14="http://schemas.microsoft.com/office/drawing/2010/main" val="0"/>
+                </a:ext>
+              </a:extLst>
+            </a:blip>
+            <a:srcRect/>
+            <a:stretch>
+              <a:fillRect/>
+            </a:stretch>
+          </p:blipFill>
+          <p:spPr bwMode="auto">
+            <a:xfrm>
+              <a:off x="3976916" y="2856233"/>
+              <a:ext cx="519567" cy="700606"/>
+            </a:xfrm>
+            <a:prstGeom prst="rect">
+              <a:avLst/>
+            </a:prstGeom>
+            <a:noFill/>
+            <a:extLst>
+              <a:ext uri="{909E8E84-426E-40DD-AFC4-6F175D3DCCD1}">
+                <a14:hiddenFill xmlns:a14="http://schemas.microsoft.com/office/drawing/2010/main">
+                  <a:solidFill>
+                    <a:srgbClr val="FFFFFF"/>
+                  </a:solidFill>
+                </a14:hiddenFill>
+              </a:ext>
+            </a:extLst>
+          </p:spPr>
+        </p:pic>
+      </p:grpSp>
+      <p:sp>
+        <p:nvSpPr>
+          <p:cNvPr id="55" name="四角形: 角を丸くする 11">
+            <a:extLst>
+              <a:ext uri="{FF2B5EF4-FFF2-40B4-BE49-F238E27FC236}">
+                <a16:creationId xmlns:a16="http://schemas.microsoft.com/office/drawing/2014/main" xmlns="" id="{EFCF447B-DF4E-F420-B181-5ED79E9170AE}"/>
+              </a:ext>
+            </a:extLst>
+          </p:cNvPr>
+          <p:cNvSpPr/>
+          <p:nvPr/>
+        </p:nvSpPr>
+        <p:spPr>
+          <a:xfrm>
+            <a:off x="4226466" y="2012975"/>
+            <a:ext cx="979889" cy="764288"/>
+          </a:xfrm>
+          <a:prstGeom prst="roundRect">
+            <a:avLst>
+              <a:gd name="adj" fmla="val 16280"/>
+            </a:avLst>
+          </a:prstGeom>
+          <a:solidFill>
+            <a:schemeClr val="tx1">
+              <a:lumMod val="65000"/>
+              <a:lumOff val="35000"/>
+            </a:schemeClr>
+          </a:solidFill>
+          <a:ln>
+            <a:solidFill>
+              <a:schemeClr val="tx1"/>
+            </a:solidFill>
+          </a:ln>
+        </p:spPr>
+        <p:style>
+          <a:lnRef idx="2">
+            <a:schemeClr val="accent1">
+              <a:shade val="50000"/>
+            </a:schemeClr>
+          </a:lnRef>
+          <a:fillRef idx="1">
+            <a:schemeClr val="accent1"/>
+          </a:fillRef>
+          <a:effectRef idx="0">
+            <a:schemeClr val="accent1"/>
+          </a:effectRef>
+          <a:fontRef idx="minor">
+            <a:schemeClr val="lt1"/>
+          </a:fontRef>
+        </p:style>
+        <p:txBody>
+          <a:bodyPr rtlCol="0" anchor="ctr"/>
+          <a:lstStyle/>
+          <a:p>
+            <a:endParaRPr kumimoji="1" lang="en-US" altLang="ja-JP" sz="900" dirty="0">
+              <a:latin typeface="源ノ角ゴシック Code JP R" panose="020B0500000000000000" pitchFamily="34" charset="-128"/>
+              <a:ea typeface="源ノ角ゴシック Code JP R" panose="020B0500000000000000" pitchFamily="34" charset="-128"/>
+            </a:endParaRPr>
+          </a:p>
+          <a:p>
+            <a:endParaRPr lang="en-US" altLang="ja-JP" sz="900" dirty="0" smtClean="0">
+              <a:latin typeface="源ノ角ゴシック Code JP R" panose="020B0500000000000000" pitchFamily="34" charset="-128"/>
+              <a:ea typeface="源ノ角ゴシック Code JP R" panose="020B0500000000000000" pitchFamily="34" charset="-128"/>
+            </a:endParaRPr>
+          </a:p>
+          <a:p>
+            <a:endParaRPr kumimoji="1" lang="en-US" altLang="ja-JP" sz="900" dirty="0">
+              <a:latin typeface="源ノ角ゴシック Code JP R" panose="020B0500000000000000" pitchFamily="34" charset="-128"/>
+              <a:ea typeface="源ノ角ゴシック Code JP R" panose="020B0500000000000000" pitchFamily="34" charset="-128"/>
+            </a:endParaRPr>
+          </a:p>
+          <a:p>
+            <a:endParaRPr kumimoji="1" lang="ja-JP" altLang="en-US" sz="900" dirty="0">
+              <a:latin typeface="源ノ角ゴシック Code JP R" panose="020B0500000000000000" pitchFamily="34" charset="-128"/>
+              <a:ea typeface="源ノ角ゴシック Code JP R" panose="020B0500000000000000" pitchFamily="34" charset="-128"/>
+            </a:endParaRPr>
+          </a:p>
+        </p:txBody>
+      </p:sp>
+      <p:sp>
+        <p:nvSpPr>
+          <p:cNvPr id="57" name="四角形: 角を丸くする 11">
+            <a:extLst>
+              <a:ext uri="{FF2B5EF4-FFF2-40B4-BE49-F238E27FC236}">
+                <a16:creationId xmlns:a16="http://schemas.microsoft.com/office/drawing/2014/main" xmlns="" id="{EFCF447B-DF4E-F420-B181-5ED79E9170AE}"/>
+              </a:ext>
+            </a:extLst>
+          </p:cNvPr>
+          <p:cNvSpPr/>
+          <p:nvPr/>
+        </p:nvSpPr>
+        <p:spPr>
+          <a:xfrm>
+            <a:off x="4233697" y="1212218"/>
+            <a:ext cx="977899" cy="784542"/>
+          </a:xfrm>
+          <a:prstGeom prst="roundRect">
+            <a:avLst>
+              <a:gd name="adj" fmla="val 16280"/>
+            </a:avLst>
+          </a:prstGeom>
+          <a:solidFill>
+            <a:schemeClr val="tx1">
+              <a:lumMod val="65000"/>
+              <a:lumOff val="35000"/>
+            </a:schemeClr>
+          </a:solidFill>
+          <a:ln>
+            <a:solidFill>
+              <a:schemeClr val="tx1"/>
+            </a:solidFill>
+          </a:ln>
+        </p:spPr>
+        <p:style>
+          <a:lnRef idx="2">
+            <a:schemeClr val="accent1">
+              <a:shade val="50000"/>
+            </a:schemeClr>
+          </a:lnRef>
+          <a:fillRef idx="1">
+            <a:schemeClr val="accent1"/>
+          </a:fillRef>
+          <a:effectRef idx="0">
+            <a:schemeClr val="accent1"/>
+          </a:effectRef>
+          <a:fontRef idx="minor">
+            <a:schemeClr val="lt1"/>
+          </a:fontRef>
+        </p:style>
+        <p:txBody>
+          <a:bodyPr rtlCol="0" anchor="ctr"/>
+          <a:lstStyle/>
+          <a:p>
+            <a:endParaRPr kumimoji="1" lang="en-US" altLang="ja-JP" sz="900" dirty="0" smtClean="0">
+              <a:latin typeface="源ノ角ゴシック Code JP R" panose="020B0500000000000000" pitchFamily="34" charset="-128"/>
+              <a:ea typeface="源ノ角ゴシック Code JP R" panose="020B0500000000000000" pitchFamily="34" charset="-128"/>
+            </a:endParaRPr>
+          </a:p>
+        </p:txBody>
+      </p:sp>
+      <p:sp>
+        <p:nvSpPr>
+          <p:cNvPr id="41" name="テキスト ボックス 40"/>
+          <p:cNvSpPr txBox="1"/>
+          <p:nvPr/>
+        </p:nvSpPr>
+        <p:spPr>
+          <a:xfrm>
+            <a:off x="4226466" y="1209214"/>
+            <a:ext cx="1071956" cy="230832"/>
+          </a:xfrm>
+          <a:prstGeom prst="rect">
+            <a:avLst/>
+          </a:prstGeom>
+          <a:noFill/>
+        </p:spPr>
+        <p:txBody>
+          <a:bodyPr wrap="square" rtlCol="0">
+            <a:spAutoFit/>
+          </a:bodyPr>
+          <a:lstStyle/>
+          <a:p>
+            <a:r>
+              <a:rPr lang="ja-JP" altLang="en-US" sz="900" dirty="0" smtClean="0">
+                <a:solidFill>
+                  <a:schemeClr val="bg1"/>
+                </a:solidFill>
+                <a:latin typeface="源ノ角ゴシック Code JP M" panose="020B0600000000000000" pitchFamily="34" charset="-128"/>
+                <a:ea typeface="源ノ角ゴシック Code JP M" panose="020B0600000000000000" pitchFamily="34" charset="-128"/>
+              </a:rPr>
+              <a:t>ジャイロセンサ</a:t>
+            </a:r>
+            <a:endParaRPr kumimoji="1" lang="ja-JP" altLang="en-US" sz="900" dirty="0">
+              <a:solidFill>
+                <a:schemeClr val="bg1"/>
+              </a:solidFill>
+              <a:latin typeface="源ノ角ゴシック Code JP M" panose="020B0600000000000000" pitchFamily="34" charset="-128"/>
+              <a:ea typeface="源ノ角ゴシック Code JP M" panose="020B0600000000000000" pitchFamily="34" charset="-128"/>
+            </a:endParaRPr>
+          </a:p>
+        </p:txBody>
+      </p:sp>
+      <p:sp>
+        <p:nvSpPr>
+          <p:cNvPr id="59" name="テキスト ボックス 58"/>
+          <p:cNvSpPr txBox="1"/>
+          <p:nvPr/>
+        </p:nvSpPr>
+        <p:spPr>
+          <a:xfrm>
+            <a:off x="4424700" y="1351432"/>
+            <a:ext cx="669926" cy="200055"/>
+          </a:xfrm>
+          <a:prstGeom prst="rect">
+            <a:avLst/>
+          </a:prstGeom>
+          <a:noFill/>
+        </p:spPr>
+        <p:txBody>
+          <a:bodyPr wrap="square" rtlCol="0">
+            <a:spAutoFit/>
+          </a:bodyPr>
+          <a:lstStyle/>
+          <a:p>
+            <a:r>
+              <a:rPr lang="en-US" altLang="ja-JP" sz="700" dirty="0" smtClean="0">
+                <a:solidFill>
+                  <a:schemeClr val="bg1"/>
+                </a:solidFill>
+                <a:latin typeface="源ノ角ゴシック Code JP M" panose="020B0600000000000000" pitchFamily="34" charset="-128"/>
+                <a:ea typeface="源ノ角ゴシック Code JP M" panose="020B0600000000000000" pitchFamily="34" charset="-128"/>
+              </a:rPr>
+              <a:t>MPU6050</a:t>
+            </a:r>
+            <a:endParaRPr kumimoji="1" lang="ja-JP" altLang="en-US" sz="700" dirty="0">
+              <a:solidFill>
+                <a:schemeClr val="bg1"/>
+              </a:solidFill>
+              <a:latin typeface="源ノ角ゴシック Code JP M" panose="020B0600000000000000" pitchFamily="34" charset="-128"/>
+              <a:ea typeface="源ノ角ゴシック Code JP M" panose="020B0600000000000000" pitchFamily="34" charset="-128"/>
+            </a:endParaRPr>
+          </a:p>
+        </p:txBody>
+      </p:sp>
+      <p:pic>
+        <p:nvPicPr>
+          <p:cNvPr id="43" name="図 42"/>
+          <p:cNvPicPr>
+            <a:picLocks noChangeAspect="1"/>
+          </p:cNvPicPr>
+          <p:nvPr/>
+        </p:nvPicPr>
+        <p:blipFill rotWithShape="1">
+          <a:blip r:embed="rId8" cstate="print">
+            <a:extLst>
+              <a:ext uri="{28A0092B-C50C-407E-A947-70E740481C1C}">
+                <a14:useLocalDpi xmlns:a14="http://schemas.microsoft.com/office/drawing/2010/main" val="0"/>
+              </a:ext>
+            </a:extLst>
+          </a:blip>
+          <a:srcRect t="25745" b="23073"/>
+          <a:stretch/>
+        </p:blipFill>
+        <p:spPr>
+          <a:xfrm>
+            <a:off x="4327512" y="1537578"/>
+            <a:ext cx="799851" cy="409383"/>
+          </a:xfrm>
+          <a:prstGeom prst="rect">
+            <a:avLst/>
+          </a:prstGeom>
+        </p:spPr>
+      </p:pic>
+      <p:sp>
+        <p:nvSpPr>
+          <p:cNvPr id="61" name="テキスト ボックス 60"/>
+          <p:cNvSpPr txBox="1"/>
+          <p:nvPr/>
+        </p:nvSpPr>
+        <p:spPr>
+          <a:xfrm>
+            <a:off x="4233697" y="2005019"/>
+            <a:ext cx="1071956" cy="246221"/>
+          </a:xfrm>
+          <a:prstGeom prst="rect">
+            <a:avLst/>
+          </a:prstGeom>
+          <a:noFill/>
+        </p:spPr>
+        <p:txBody>
+          <a:bodyPr wrap="square" rtlCol="0">
+            <a:spAutoFit/>
+          </a:bodyPr>
+          <a:lstStyle/>
+          <a:p>
+            <a:r>
+              <a:rPr kumimoji="1" lang="ja-JP" altLang="en-US" sz="1000" dirty="0" smtClean="0">
+                <a:solidFill>
+                  <a:schemeClr val="bg1"/>
+                </a:solidFill>
+                <a:latin typeface="源ノ角ゴシック Code JP M" panose="020B0600000000000000" pitchFamily="34" charset="-128"/>
+                <a:ea typeface="源ノ角ゴシック Code JP M" panose="020B0600000000000000" pitchFamily="34" charset="-128"/>
+              </a:rPr>
+              <a:t>ボールセンサ</a:t>
+            </a:r>
+            <a:endParaRPr kumimoji="1" lang="ja-JP" altLang="en-US" sz="1000" dirty="0">
+              <a:solidFill>
+                <a:schemeClr val="bg1"/>
+              </a:solidFill>
+              <a:latin typeface="源ノ角ゴシック Code JP M" panose="020B0600000000000000" pitchFamily="34" charset="-128"/>
+              <a:ea typeface="源ノ角ゴシック Code JP M" panose="020B0600000000000000" pitchFamily="34" charset="-128"/>
+            </a:endParaRPr>
+          </a:p>
+        </p:txBody>
+      </p:sp>
+      <p:sp>
+        <p:nvSpPr>
+          <p:cNvPr id="62" name="テキスト ボックス 61"/>
+          <p:cNvSpPr txBox="1"/>
+          <p:nvPr/>
+        </p:nvSpPr>
+        <p:spPr>
+          <a:xfrm>
+            <a:off x="4208097" y="2185342"/>
+            <a:ext cx="1194991" cy="200055"/>
+          </a:xfrm>
+          <a:prstGeom prst="rect">
+            <a:avLst/>
+          </a:prstGeom>
+          <a:noFill/>
+        </p:spPr>
+        <p:txBody>
+          <a:bodyPr wrap="square" rtlCol="0">
+            <a:spAutoFit/>
+          </a:bodyPr>
+          <a:lstStyle/>
+          <a:p>
+            <a:r>
+              <a:rPr lang="en-US" altLang="ja-JP" sz="700" dirty="0" smtClean="0">
+                <a:solidFill>
+                  <a:schemeClr val="bg1"/>
+                </a:solidFill>
+                <a:latin typeface="源ノ角ゴシック Code JP M" panose="020B0600000000000000" pitchFamily="34" charset="-128"/>
+                <a:ea typeface="源ノ角ゴシック Code JP M" panose="020B0600000000000000" pitchFamily="34" charset="-128"/>
+              </a:rPr>
+              <a:t>TSSP58038 x</a:t>
+            </a:r>
+            <a:r>
+              <a:rPr lang="en-US" altLang="ja-JP" sz="300" dirty="0" smtClean="0">
+                <a:solidFill>
+                  <a:schemeClr val="bg1"/>
+                </a:solidFill>
+                <a:latin typeface="源ノ角ゴシック Code JP M" panose="020B0600000000000000" pitchFamily="34" charset="-128"/>
+                <a:ea typeface="源ノ角ゴシック Code JP M" panose="020B0600000000000000" pitchFamily="34" charset="-128"/>
+              </a:rPr>
+              <a:t> </a:t>
+            </a:r>
+            <a:r>
+              <a:rPr lang="en-US" altLang="ja-JP" sz="700" dirty="0" smtClean="0">
+                <a:solidFill>
+                  <a:schemeClr val="bg1"/>
+                </a:solidFill>
+                <a:latin typeface="源ノ角ゴシック Code JP M" panose="020B0600000000000000" pitchFamily="34" charset="-128"/>
+                <a:ea typeface="源ノ角ゴシック Code JP M" panose="020B0600000000000000" pitchFamily="34" charset="-128"/>
+              </a:rPr>
+              <a:t>16</a:t>
+            </a:r>
+            <a:endParaRPr kumimoji="1" lang="ja-JP" altLang="en-US" sz="700" dirty="0">
+              <a:solidFill>
+                <a:schemeClr val="bg1"/>
+              </a:solidFill>
+              <a:latin typeface="源ノ角ゴシック Code JP M" panose="020B0600000000000000" pitchFamily="34" charset="-128"/>
+              <a:ea typeface="源ノ角ゴシック Code JP M" panose="020B0600000000000000" pitchFamily="34" charset="-128"/>
+            </a:endParaRPr>
+          </a:p>
+        </p:txBody>
+      </p:sp>
+      <p:grpSp>
+        <p:nvGrpSpPr>
+          <p:cNvPr id="75" name="グループ化 74"/>
+          <p:cNvGrpSpPr/>
+          <p:nvPr/>
+        </p:nvGrpSpPr>
+        <p:grpSpPr>
+          <a:xfrm>
+            <a:off x="4169017" y="2318493"/>
+            <a:ext cx="653531" cy="440287"/>
+            <a:chOff x="4272373" y="2326260"/>
+            <a:chExt cx="872266" cy="680316"/>
+          </a:xfrm>
+        </p:grpSpPr>
+        <p:pic>
+          <p:nvPicPr>
+            <p:cNvPr id="58" name="図 57"/>
+            <p:cNvPicPr>
+              <a:picLocks noChangeAspect="1"/>
+            </p:cNvPicPr>
+            <p:nvPr/>
+          </p:nvPicPr>
+          <p:blipFill>
+            <a:blip r:embed="rId9" cstate="print">
+              <a:extLst>
+                <a:ext uri="{28A0092B-C50C-407E-A947-70E740481C1C}">
+                  <a14:useLocalDpi xmlns:a14="http://schemas.microsoft.com/office/drawing/2010/main" val="0"/>
+                </a:ext>
+              </a:extLst>
+            </a:blip>
+            <a:stretch>
+              <a:fillRect/>
+            </a:stretch>
+          </p:blipFill>
+          <p:spPr>
+            <a:xfrm rot="20602808">
+              <a:off x="4272373" y="2432785"/>
+              <a:ext cx="554732" cy="554732"/>
+            </a:xfrm>
+            <a:prstGeom prst="rect">
+              <a:avLst/>
+            </a:prstGeom>
+          </p:spPr>
+        </p:pic>
+        <p:pic>
+          <p:nvPicPr>
+            <p:cNvPr id="64" name="図 63"/>
+            <p:cNvPicPr>
+              <a:picLocks noChangeAspect="1"/>
+            </p:cNvPicPr>
+            <p:nvPr/>
+          </p:nvPicPr>
+          <p:blipFill>
+            <a:blip r:embed="rId9" cstate="print">
+              <a:extLst>
+                <a:ext uri="{28A0092B-C50C-407E-A947-70E740481C1C}">
+                  <a14:useLocalDpi xmlns:a14="http://schemas.microsoft.com/office/drawing/2010/main" val="0"/>
+                </a:ext>
+              </a:extLst>
+            </a:blip>
+            <a:stretch>
+              <a:fillRect/>
+            </a:stretch>
+          </p:blipFill>
+          <p:spPr>
+            <a:xfrm>
+              <a:off x="4435764" y="2326260"/>
+              <a:ext cx="554732" cy="554732"/>
+            </a:xfrm>
+            <a:prstGeom prst="rect">
+              <a:avLst/>
+            </a:prstGeom>
+          </p:spPr>
+        </p:pic>
+        <p:pic>
+          <p:nvPicPr>
+            <p:cNvPr id="65" name="図 64"/>
+            <p:cNvPicPr>
+              <a:picLocks noChangeAspect="1"/>
+            </p:cNvPicPr>
+            <p:nvPr/>
+          </p:nvPicPr>
+          <p:blipFill>
+            <a:blip r:embed="rId9" cstate="print">
+              <a:extLst>
+                <a:ext uri="{28A0092B-C50C-407E-A947-70E740481C1C}">
+                  <a14:useLocalDpi xmlns:a14="http://schemas.microsoft.com/office/drawing/2010/main" val="0"/>
+                </a:ext>
+              </a:extLst>
+            </a:blip>
+            <a:stretch>
+              <a:fillRect/>
+            </a:stretch>
+          </p:blipFill>
+          <p:spPr>
+            <a:xfrm rot="1046195">
+              <a:off x="4589907" y="2451844"/>
+              <a:ext cx="554732" cy="554732"/>
+            </a:xfrm>
+            <a:prstGeom prst="rect">
+              <a:avLst/>
+            </a:prstGeom>
+          </p:spPr>
+        </p:pic>
+      </p:grpSp>
+      <p:sp>
+        <p:nvSpPr>
+          <p:cNvPr id="67" name="角丸四角形 66"/>
+          <p:cNvSpPr/>
+          <p:nvPr/>
+        </p:nvSpPr>
+        <p:spPr>
+          <a:xfrm>
+            <a:off x="372356" y="3682324"/>
+            <a:ext cx="2097793" cy="1027429"/>
+          </a:xfrm>
+          <a:prstGeom prst="roundRect">
+            <a:avLst>
+              <a:gd name="adj" fmla="val 5043"/>
+            </a:avLst>
+          </a:prstGeom>
+          <a:noFill/>
+          <a:ln>
+            <a:solidFill>
+              <a:schemeClr val="tx1"/>
+            </a:solidFill>
+          </a:ln>
+        </p:spPr>
+        <p:style>
+          <a:lnRef idx="2">
+            <a:schemeClr val="accent1">
+              <a:shade val="50000"/>
+            </a:schemeClr>
+          </a:lnRef>
+          <a:fillRef idx="1">
+            <a:schemeClr val="accent1"/>
+          </a:fillRef>
+          <a:effectRef idx="0">
+            <a:schemeClr val="accent1"/>
+          </a:effectRef>
+          <a:fontRef idx="minor">
+            <a:schemeClr val="lt1"/>
+          </a:fontRef>
+        </p:style>
+        <p:txBody>
+          <a:bodyPr rtlCol="0" anchor="ctr"/>
+          <a:lstStyle/>
+          <a:p>
+            <a:pPr algn="ctr"/>
+            <a:endParaRPr kumimoji="1" lang="ja-JP" altLang="en-US" dirty="0"/>
+          </a:p>
+        </p:txBody>
+      </p:sp>
+      <p:sp>
+        <p:nvSpPr>
+          <p:cNvPr id="66" name="正方形/長方形 65"/>
+          <p:cNvSpPr/>
+          <p:nvPr/>
+        </p:nvSpPr>
+        <p:spPr>
+          <a:xfrm>
+            <a:off x="891540" y="3369511"/>
+            <a:ext cx="332062" cy="504946"/>
+          </a:xfrm>
+          <a:prstGeom prst="rect">
+            <a:avLst/>
+          </a:prstGeom>
+          <a:solidFill>
+            <a:srgbClr val="F95959"/>
+          </a:solidFill>
+          <a:ln>
+            <a:noFill/>
+          </a:ln>
+        </p:spPr>
+        <p:style>
+          <a:lnRef idx="2">
+            <a:schemeClr val="accent2">
+              <a:shade val="50000"/>
+            </a:schemeClr>
+          </a:lnRef>
+          <a:fillRef idx="1">
+            <a:schemeClr val="accent2"/>
+          </a:fillRef>
+          <a:effectRef idx="0">
+            <a:schemeClr val="accent2"/>
+          </a:effectRef>
+          <a:fontRef idx="minor">
+            <a:schemeClr val="lt1"/>
+          </a:fontRef>
+        </p:style>
+        <p:txBody>
+          <a:bodyPr rtlCol="0" anchor="ctr"/>
+          <a:lstStyle/>
+          <a:p>
+            <a:pPr algn="ctr"/>
+            <a:endParaRPr kumimoji="1" lang="ja-JP" altLang="en-US" sz="700" dirty="0"/>
+          </a:p>
+        </p:txBody>
+      </p:sp>
+      <p:sp>
+        <p:nvSpPr>
+          <p:cNvPr id="68" name="テキスト ボックス 67"/>
+          <p:cNvSpPr txBox="1"/>
+          <p:nvPr/>
+        </p:nvSpPr>
+        <p:spPr>
+          <a:xfrm>
+            <a:off x="380998" y="3695780"/>
+            <a:ext cx="1312973" cy="215444"/>
+          </a:xfrm>
+          <a:prstGeom prst="rect">
+            <a:avLst/>
+          </a:prstGeom>
+          <a:noFill/>
+        </p:spPr>
+        <p:txBody>
+          <a:bodyPr wrap="square" rtlCol="0">
+            <a:spAutoFit/>
+          </a:bodyPr>
+          <a:lstStyle/>
+          <a:p>
+            <a:r>
+              <a:rPr lang="en-US" altLang="ja-JP" sz="800" dirty="0" smtClean="0">
+                <a:latin typeface="源ノ角ゴシック Code JP M" panose="020B0600000000000000" pitchFamily="34" charset="-128"/>
+                <a:ea typeface="源ノ角ゴシック Code JP M" panose="020B0600000000000000" pitchFamily="34" charset="-128"/>
+              </a:rPr>
+              <a:t>MOTOR</a:t>
+            </a:r>
+            <a:endParaRPr kumimoji="1" lang="ja-JP" altLang="en-US" sz="800" dirty="0">
+              <a:latin typeface="源ノ角ゴシック Code JP M" panose="020B0600000000000000" pitchFamily="34" charset="-128"/>
+              <a:ea typeface="源ノ角ゴシック Code JP M" panose="020B0600000000000000" pitchFamily="34" charset="-128"/>
+            </a:endParaRPr>
+          </a:p>
+        </p:txBody>
+      </p:sp>
+      <p:pic>
+        <p:nvPicPr>
+          <p:cNvPr id="60" name="図 59"/>
+          <p:cNvPicPr>
+            <a:picLocks noChangeAspect="1"/>
+          </p:cNvPicPr>
+          <p:nvPr/>
+        </p:nvPicPr>
+        <p:blipFill>
+          <a:blip r:embed="rId10" cstate="print">
+            <a:extLst>
+              <a:ext uri="{28A0092B-C50C-407E-A947-70E740481C1C}">
+                <a14:useLocalDpi xmlns:a14="http://schemas.microsoft.com/office/drawing/2010/main" val="0"/>
+              </a:ext>
+            </a:extLst>
+          </a:blip>
+          <a:stretch>
+            <a:fillRect/>
+          </a:stretch>
+        </p:blipFill>
+        <p:spPr>
+          <a:xfrm>
+            <a:off x="489784" y="3845977"/>
+            <a:ext cx="733818" cy="733818"/>
+          </a:xfrm>
+          <a:prstGeom prst="rect">
+            <a:avLst/>
+          </a:prstGeom>
+        </p:spPr>
+      </p:pic>
+      <p:sp>
+        <p:nvSpPr>
+          <p:cNvPr id="70" name="テキスト ボックス 69"/>
+          <p:cNvSpPr txBox="1"/>
+          <p:nvPr/>
+        </p:nvSpPr>
+        <p:spPr>
+          <a:xfrm>
+            <a:off x="403587" y="4482798"/>
+            <a:ext cx="956278" cy="184666"/>
+          </a:xfrm>
+          <a:prstGeom prst="rect">
+            <a:avLst/>
+          </a:prstGeom>
+          <a:noFill/>
+        </p:spPr>
+        <p:txBody>
+          <a:bodyPr wrap="square" rtlCol="0">
+            <a:spAutoFit/>
+          </a:bodyPr>
+          <a:lstStyle/>
+          <a:p>
+            <a:r>
+              <a:rPr lang="en-US" altLang="ja-JP" sz="600" dirty="0" smtClean="0">
+                <a:latin typeface="源ノ角ゴシック Code JP M" panose="020B0600000000000000" pitchFamily="34" charset="-128"/>
+                <a:ea typeface="源ノ角ゴシック Code JP M" panose="020B0600000000000000" pitchFamily="34" charset="-128"/>
+              </a:rPr>
+              <a:t>DAISEN DSR-1202</a:t>
+            </a:r>
+            <a:endParaRPr kumimoji="1" lang="ja-JP" altLang="en-US" sz="600" dirty="0">
+              <a:latin typeface="源ノ角ゴシック Code JP M" panose="020B0600000000000000" pitchFamily="34" charset="-128"/>
+              <a:ea typeface="源ノ角ゴシック Code JP M" panose="020B0600000000000000" pitchFamily="34" charset="-128"/>
+            </a:endParaRPr>
+          </a:p>
+        </p:txBody>
+      </p:sp>
+      <p:sp>
+        <p:nvSpPr>
+          <p:cNvPr id="71" name="角丸四角形 70"/>
+          <p:cNvSpPr/>
+          <p:nvPr/>
+        </p:nvSpPr>
+        <p:spPr>
+          <a:xfrm>
+            <a:off x="434979" y="3880123"/>
+            <a:ext cx="882267" cy="781675"/>
+          </a:xfrm>
+          <a:prstGeom prst="roundRect">
+            <a:avLst>
+              <a:gd name="adj" fmla="val 5043"/>
+            </a:avLst>
+          </a:prstGeom>
+          <a:noFill/>
+          <a:ln w="6350">
+            <a:solidFill>
+              <a:schemeClr val="tx1"/>
+            </a:solidFill>
+          </a:ln>
+        </p:spPr>
+        <p:style>
+          <a:lnRef idx="2">
+            <a:schemeClr val="accent1">
+              <a:shade val="50000"/>
+            </a:schemeClr>
+          </a:lnRef>
+          <a:fillRef idx="1">
+            <a:schemeClr val="accent1"/>
+          </a:fillRef>
+          <a:effectRef idx="0">
+            <a:schemeClr val="accent1"/>
+          </a:effectRef>
+          <a:fontRef idx="minor">
+            <a:schemeClr val="lt1"/>
+          </a:fontRef>
+        </p:style>
+        <p:txBody>
+          <a:bodyPr rtlCol="0" anchor="ctr"/>
+          <a:lstStyle/>
+          <a:p>
+            <a:pPr algn="ctr"/>
+            <a:endParaRPr kumimoji="1" lang="ja-JP" altLang="en-US" dirty="0"/>
+          </a:p>
+        </p:txBody>
+      </p:sp>
+      <p:sp>
+        <p:nvSpPr>
+          <p:cNvPr id="72" name="正方形/長方形 71"/>
+          <p:cNvSpPr/>
+          <p:nvPr/>
+        </p:nvSpPr>
+        <p:spPr>
+          <a:xfrm>
+            <a:off x="1317246" y="4212886"/>
+            <a:ext cx="200404" cy="159769"/>
+          </a:xfrm>
+          <a:prstGeom prst="rect">
+            <a:avLst/>
+          </a:prstGeom>
+          <a:solidFill>
+            <a:srgbClr val="F95959"/>
+          </a:solidFill>
+          <a:ln>
+            <a:noFill/>
+          </a:ln>
+        </p:spPr>
+        <p:style>
+          <a:lnRef idx="2">
+            <a:schemeClr val="accent2">
+              <a:shade val="50000"/>
+            </a:schemeClr>
+          </a:lnRef>
+          <a:fillRef idx="1">
+            <a:schemeClr val="accent2"/>
+          </a:fillRef>
+          <a:effectRef idx="0">
+            <a:schemeClr val="accent2"/>
+          </a:effectRef>
+          <a:fontRef idx="minor">
+            <a:schemeClr val="lt1"/>
+          </a:fontRef>
+        </p:style>
+        <p:txBody>
+          <a:bodyPr rtlCol="0" anchor="ctr"/>
+          <a:lstStyle/>
+          <a:p>
+            <a:pPr algn="ctr"/>
+            <a:endParaRPr kumimoji="1" lang="en-US" altLang="ja-JP" sz="300" dirty="0" smtClean="0"/>
+          </a:p>
+        </p:txBody>
+      </p:sp>
+      <p:sp>
+        <p:nvSpPr>
+          <p:cNvPr id="63" name="テキスト ボックス 62"/>
+          <p:cNvSpPr txBox="1"/>
+          <p:nvPr/>
+        </p:nvSpPr>
+        <p:spPr>
+          <a:xfrm>
+            <a:off x="1224861" y="4189288"/>
+            <a:ext cx="772229" cy="215444"/>
+          </a:xfrm>
+          <a:prstGeom prst="rect">
+            <a:avLst/>
+          </a:prstGeom>
+          <a:noFill/>
+        </p:spPr>
+        <p:txBody>
+          <a:bodyPr wrap="square" rtlCol="0">
+            <a:spAutoFit/>
+          </a:bodyPr>
+          <a:lstStyle/>
+          <a:p>
+            <a:r>
+              <a:rPr lang="en-US" altLang="ja-JP" sz="800" dirty="0">
+                <a:solidFill>
+                  <a:schemeClr val="bg1"/>
+                </a:solidFill>
+              </a:rPr>
+              <a:t>PWR</a:t>
+            </a:r>
+            <a:endParaRPr kumimoji="1" lang="ja-JP" altLang="en-US" sz="500" dirty="0">
+              <a:solidFill>
+                <a:schemeClr val="bg1"/>
+              </a:solidFill>
+            </a:endParaRPr>
+          </a:p>
+        </p:txBody>
+      </p:sp>
+      <p:sp>
+        <p:nvSpPr>
+          <p:cNvPr id="74" name="角丸四角形 73"/>
+          <p:cNvSpPr/>
+          <p:nvPr/>
+        </p:nvSpPr>
+        <p:spPr>
+          <a:xfrm>
+            <a:off x="1513134" y="3878133"/>
+            <a:ext cx="896827" cy="777182"/>
+          </a:xfrm>
+          <a:prstGeom prst="roundRect">
+            <a:avLst>
+              <a:gd name="adj" fmla="val 5043"/>
+            </a:avLst>
+          </a:prstGeom>
+          <a:noFill/>
+          <a:ln w="6350">
+            <a:solidFill>
+              <a:schemeClr val="tx1"/>
+            </a:solidFill>
+          </a:ln>
+        </p:spPr>
+        <p:style>
+          <a:lnRef idx="2">
+            <a:schemeClr val="accent1">
+              <a:shade val="50000"/>
+            </a:schemeClr>
+          </a:lnRef>
+          <a:fillRef idx="1">
+            <a:schemeClr val="accent1"/>
+          </a:fillRef>
+          <a:effectRef idx="0">
+            <a:schemeClr val="accent1"/>
+          </a:effectRef>
+          <a:fontRef idx="minor">
+            <a:schemeClr val="lt1"/>
+          </a:fontRef>
+        </p:style>
+        <p:txBody>
+          <a:bodyPr rtlCol="0" anchor="ctr"/>
+          <a:lstStyle/>
+          <a:p>
+            <a:pPr algn="ctr"/>
+            <a:endParaRPr kumimoji="1" lang="ja-JP" altLang="en-US" dirty="0"/>
+          </a:p>
+        </p:txBody>
+      </p:sp>
+      <p:pic>
+        <p:nvPicPr>
+          <p:cNvPr id="69" name="図 68"/>
+          <p:cNvPicPr>
+            <a:picLocks noChangeAspect="1"/>
+          </p:cNvPicPr>
+          <p:nvPr/>
+        </p:nvPicPr>
+        <p:blipFill rotWithShape="1">
+          <a:blip r:embed="rId11" cstate="print">
+            <a:extLst>
+              <a:ext uri="{28A0092B-C50C-407E-A947-70E740481C1C}">
+                <a14:useLocalDpi xmlns:a14="http://schemas.microsoft.com/office/drawing/2010/main" val="0"/>
+              </a:ext>
+            </a:extLst>
+          </a:blip>
+          <a:srcRect l="16470" t="19389" r="6871" b="20526"/>
+          <a:stretch/>
+        </p:blipFill>
+        <p:spPr>
+          <a:xfrm rot="18728041">
+            <a:off x="1440568" y="4144192"/>
+            <a:ext cx="735807" cy="416718"/>
+          </a:xfrm>
+          <a:prstGeom prst="rect">
+            <a:avLst/>
+          </a:prstGeom>
+        </p:spPr>
+      </p:pic>
+      <p:sp>
+        <p:nvSpPr>
+          <p:cNvPr id="76" name="テキスト ボックス 75"/>
+          <p:cNvSpPr txBox="1"/>
+          <p:nvPr/>
+        </p:nvSpPr>
+        <p:spPr>
+          <a:xfrm>
+            <a:off x="1464299" y="3923379"/>
+            <a:ext cx="1015084" cy="200055"/>
+          </a:xfrm>
+          <a:prstGeom prst="rect">
+            <a:avLst/>
+          </a:prstGeom>
+          <a:noFill/>
+        </p:spPr>
+        <p:txBody>
+          <a:bodyPr wrap="square" rtlCol="0">
+            <a:spAutoFit/>
+          </a:bodyPr>
+          <a:lstStyle/>
+          <a:p>
+            <a:r>
+              <a:rPr lang="en-US" altLang="ja-JP" sz="700" b="1" dirty="0" smtClean="0">
+                <a:latin typeface="源ノ角ゴシック Code JP R" panose="020B0500000000000000" pitchFamily="34" charset="-128"/>
+                <a:ea typeface="源ノ角ゴシック Code JP R" panose="020B0500000000000000" pitchFamily="34" charset="-128"/>
+              </a:rPr>
+              <a:t>JMP-BE-3561</a:t>
+            </a:r>
+            <a:r>
+              <a:rPr lang="en-US" altLang="ja-JP" sz="300" b="1" dirty="0" smtClean="0">
+                <a:latin typeface="源ノ角ゴシック Code JP R" panose="020B0500000000000000" pitchFamily="34" charset="-128"/>
+                <a:ea typeface="源ノ角ゴシック Code JP R" panose="020B0500000000000000" pitchFamily="34" charset="-128"/>
+              </a:rPr>
+              <a:t> </a:t>
+            </a:r>
+            <a:r>
+              <a:rPr lang="en-US" altLang="ja-JP" sz="700" b="1" dirty="0" smtClean="0">
+                <a:latin typeface="源ノ角ゴシック Code JP R" panose="020B0500000000000000" pitchFamily="34" charset="-128"/>
+                <a:ea typeface="源ノ角ゴシック Code JP R" panose="020B0500000000000000" pitchFamily="34" charset="-128"/>
+              </a:rPr>
+              <a:t>x</a:t>
+            </a:r>
+            <a:r>
+              <a:rPr lang="ja-JP" altLang="en-US" sz="300" b="1" dirty="0" smtClean="0">
+                <a:latin typeface="源ノ角ゴシック Code JP R" panose="020B0500000000000000" pitchFamily="34" charset="-128"/>
+                <a:ea typeface="源ノ角ゴシック Code JP R" panose="020B0500000000000000" pitchFamily="34" charset="-128"/>
+              </a:rPr>
+              <a:t> </a:t>
+            </a:r>
+            <a:r>
+              <a:rPr lang="en-US" altLang="ja-JP" sz="700" b="1" dirty="0" smtClean="0">
+                <a:latin typeface="源ノ角ゴシック Code JP R" panose="020B0500000000000000" pitchFamily="34" charset="-128"/>
+                <a:ea typeface="源ノ角ゴシック Code JP R" panose="020B0500000000000000" pitchFamily="34" charset="-128"/>
+              </a:rPr>
+              <a:t>4</a:t>
+            </a:r>
+            <a:endParaRPr lang="ja-JP" altLang="ja-JP" sz="700" dirty="0">
+              <a:effectLst/>
+              <a:latin typeface="源ノ角ゴシック Code JP R" panose="020B0500000000000000" pitchFamily="34" charset="-128"/>
+              <a:ea typeface="源ノ角ゴシック Code JP R" panose="020B0500000000000000" pitchFamily="34" charset="-128"/>
+            </a:endParaRPr>
+          </a:p>
+        </p:txBody>
+      </p:sp>
+      <p:sp>
+        <p:nvSpPr>
+          <p:cNvPr id="77" name="テキスト ボックス 76"/>
+          <p:cNvSpPr txBox="1"/>
+          <p:nvPr/>
+        </p:nvSpPr>
+        <p:spPr>
+          <a:xfrm>
+            <a:off x="855058" y="3493601"/>
+            <a:ext cx="838913" cy="246221"/>
+          </a:xfrm>
+          <a:prstGeom prst="rect">
+            <a:avLst/>
+          </a:prstGeom>
+          <a:noFill/>
+        </p:spPr>
+        <p:txBody>
+          <a:bodyPr wrap="square" rtlCol="0">
+            <a:spAutoFit/>
+          </a:bodyPr>
+          <a:lstStyle/>
+          <a:p>
+            <a:r>
+              <a:rPr lang="en-US" altLang="ja-JP" sz="1000" dirty="0">
+                <a:solidFill>
+                  <a:schemeClr val="bg1"/>
+                </a:solidFill>
+              </a:rPr>
+              <a:t>PWR</a:t>
+            </a:r>
+            <a:endParaRPr lang="ja-JP" altLang="ja-JP" sz="900" dirty="0">
+              <a:solidFill>
+                <a:schemeClr val="bg1"/>
+              </a:solidFill>
+              <a:effectLst/>
+              <a:ea typeface="源ノ角ゴシック Code JP R" panose="020B0500000000000000" pitchFamily="34" charset="-128"/>
+            </a:endParaRPr>
+          </a:p>
+        </p:txBody>
+      </p:sp>
+      <p:pic>
+        <p:nvPicPr>
+          <p:cNvPr id="78" name="図 77"/>
+          <p:cNvPicPr>
+            <a:picLocks noChangeAspect="1"/>
+          </p:cNvPicPr>
+          <p:nvPr/>
+        </p:nvPicPr>
+        <p:blipFill rotWithShape="1">
+          <a:blip r:embed="rId11" cstate="print">
+            <a:extLst>
+              <a:ext uri="{28A0092B-C50C-407E-A947-70E740481C1C}">
+                <a14:useLocalDpi xmlns:a14="http://schemas.microsoft.com/office/drawing/2010/main" val="0"/>
+              </a:ext>
+            </a:extLst>
+          </a:blip>
+          <a:srcRect l="16470" t="19389" r="6871" b="20526"/>
+          <a:stretch/>
+        </p:blipFill>
+        <p:spPr>
+          <a:xfrm rot="18728041">
+            <a:off x="1577214" y="4158855"/>
+            <a:ext cx="735807" cy="416718"/>
+          </a:xfrm>
+          <a:prstGeom prst="rect">
+            <a:avLst/>
+          </a:prstGeom>
+        </p:spPr>
+      </p:pic>
+      <p:pic>
+        <p:nvPicPr>
+          <p:cNvPr id="79" name="図 78"/>
+          <p:cNvPicPr>
+            <a:picLocks noChangeAspect="1"/>
+          </p:cNvPicPr>
+          <p:nvPr/>
+        </p:nvPicPr>
+        <p:blipFill rotWithShape="1">
+          <a:blip r:embed="rId11" cstate="print">
+            <a:extLst>
+              <a:ext uri="{28A0092B-C50C-407E-A947-70E740481C1C}">
+                <a14:useLocalDpi xmlns:a14="http://schemas.microsoft.com/office/drawing/2010/main" val="0"/>
+              </a:ext>
+            </a:extLst>
+          </a:blip>
+          <a:srcRect l="16470" t="19389" r="6871" b="20526"/>
+          <a:stretch/>
+        </p:blipFill>
+        <p:spPr>
+          <a:xfrm rot="18728041">
+            <a:off x="1689136" y="4164767"/>
+            <a:ext cx="735807" cy="416718"/>
+          </a:xfrm>
+          <a:prstGeom prst="rect">
+            <a:avLst/>
+          </a:prstGeom>
+        </p:spPr>
+      </p:pic>
+      <p:pic>
+        <p:nvPicPr>
+          <p:cNvPr id="80" name="図 79"/>
+          <p:cNvPicPr>
+            <a:picLocks noChangeAspect="1"/>
+          </p:cNvPicPr>
+          <p:nvPr/>
+        </p:nvPicPr>
+        <p:blipFill rotWithShape="1">
+          <a:blip r:embed="rId11" cstate="print">
+            <a:extLst>
+              <a:ext uri="{28A0092B-C50C-407E-A947-70E740481C1C}">
+                <a14:useLocalDpi xmlns:a14="http://schemas.microsoft.com/office/drawing/2010/main" val="0"/>
+              </a:ext>
+            </a:extLst>
+          </a:blip>
+          <a:srcRect l="16470" t="19389" r="6871" b="20526"/>
+          <a:stretch/>
+        </p:blipFill>
+        <p:spPr>
+          <a:xfrm rot="18728041">
+            <a:off x="1801059" y="4164295"/>
+            <a:ext cx="735807" cy="416718"/>
+          </a:xfrm>
+          <a:prstGeom prst="rect">
+            <a:avLst/>
+          </a:prstGeom>
+        </p:spPr>
+      </p:pic>
+      <p:sp>
+        <p:nvSpPr>
+          <p:cNvPr id="81" name="正方形/長方形 80"/>
+          <p:cNvSpPr/>
+          <p:nvPr/>
+        </p:nvSpPr>
+        <p:spPr>
+          <a:xfrm>
+            <a:off x="1762920" y="3136948"/>
+            <a:ext cx="521162" cy="173575"/>
+          </a:xfrm>
+          <a:prstGeom prst="rect">
+            <a:avLst/>
+          </a:prstGeom>
+          <a:solidFill>
+            <a:srgbClr val="F95959"/>
+          </a:solidFill>
+          <a:ln>
+            <a:noFill/>
+          </a:ln>
+        </p:spPr>
+        <p:style>
+          <a:lnRef idx="2">
+            <a:schemeClr val="accent2">
+              <a:shade val="50000"/>
+            </a:schemeClr>
+          </a:lnRef>
+          <a:fillRef idx="1">
+            <a:schemeClr val="accent2"/>
+          </a:fillRef>
+          <a:effectRef idx="0">
+            <a:schemeClr val="accent2"/>
+          </a:effectRef>
+          <a:fontRef idx="minor">
+            <a:schemeClr val="lt1"/>
+          </a:fontRef>
+        </p:style>
+        <p:txBody>
+          <a:bodyPr rtlCol="0" anchor="ctr"/>
+          <a:lstStyle/>
+          <a:p>
+            <a:pPr algn="ctr"/>
+            <a:endParaRPr kumimoji="1" lang="ja-JP" altLang="en-US" sz="900" dirty="0"/>
+          </a:p>
+        </p:txBody>
+      </p:sp>
+      <p:sp>
+        <p:nvSpPr>
+          <p:cNvPr id="82" name="正方形/長方形 81"/>
+          <p:cNvSpPr/>
+          <p:nvPr/>
+        </p:nvSpPr>
+        <p:spPr>
+          <a:xfrm rot="5400000">
+            <a:off x="2035142" y="3288133"/>
+            <a:ext cx="470109" cy="173575"/>
+          </a:xfrm>
+          <a:prstGeom prst="rect">
+            <a:avLst/>
+          </a:prstGeom>
+          <a:solidFill>
+            <a:srgbClr val="F95959"/>
+          </a:solidFill>
+          <a:ln>
+            <a:noFill/>
+          </a:ln>
+        </p:spPr>
+        <p:style>
+          <a:lnRef idx="2">
+            <a:schemeClr val="accent2">
+              <a:shade val="50000"/>
+            </a:schemeClr>
+          </a:lnRef>
+          <a:fillRef idx="1">
+            <a:schemeClr val="accent2"/>
+          </a:fillRef>
+          <a:effectRef idx="0">
+            <a:schemeClr val="accent2"/>
+          </a:effectRef>
+          <a:fontRef idx="minor">
+            <a:schemeClr val="lt1"/>
+          </a:fontRef>
+        </p:style>
+        <p:txBody>
+          <a:bodyPr rtlCol="0" anchor="ctr"/>
+          <a:lstStyle/>
+          <a:p>
+            <a:pPr algn="ctr"/>
+            <a:endParaRPr kumimoji="1" lang="ja-JP" altLang="en-US" sz="900" dirty="0"/>
+          </a:p>
+        </p:txBody>
+      </p:sp>
+      <p:sp>
+        <p:nvSpPr>
+          <p:cNvPr id="83" name="正方形/長方形 82"/>
+          <p:cNvSpPr/>
+          <p:nvPr/>
+        </p:nvSpPr>
+        <p:spPr>
+          <a:xfrm>
+            <a:off x="2183129" y="3460300"/>
+            <a:ext cx="454883" cy="173575"/>
+          </a:xfrm>
+          <a:prstGeom prst="rect">
+            <a:avLst/>
+          </a:prstGeom>
+          <a:solidFill>
+            <a:srgbClr val="F95959"/>
+          </a:solidFill>
+          <a:ln>
+            <a:noFill/>
+          </a:ln>
+        </p:spPr>
+        <p:style>
+          <a:lnRef idx="2">
+            <a:schemeClr val="accent2">
+              <a:shade val="50000"/>
+            </a:schemeClr>
+          </a:lnRef>
+          <a:fillRef idx="1">
+            <a:schemeClr val="accent2"/>
+          </a:fillRef>
+          <a:effectRef idx="0">
+            <a:schemeClr val="accent2"/>
+          </a:effectRef>
+          <a:fontRef idx="minor">
+            <a:schemeClr val="lt1"/>
+          </a:fontRef>
+        </p:style>
+        <p:txBody>
+          <a:bodyPr rtlCol="0" anchor="ctr"/>
+          <a:lstStyle/>
+          <a:p>
+            <a:pPr algn="ctr"/>
+            <a:endParaRPr kumimoji="1" lang="ja-JP" altLang="en-US" sz="900" dirty="0"/>
+          </a:p>
+        </p:txBody>
+      </p:sp>
+      <p:sp>
+        <p:nvSpPr>
+          <p:cNvPr id="84" name="テキスト ボックス 83"/>
+          <p:cNvSpPr txBox="1"/>
+          <p:nvPr/>
+        </p:nvSpPr>
+        <p:spPr>
+          <a:xfrm rot="5400000">
+            <a:off x="1882237" y="3437836"/>
+            <a:ext cx="772229" cy="253916"/>
+          </a:xfrm>
+          <a:prstGeom prst="rect">
+            <a:avLst/>
+          </a:prstGeom>
+          <a:noFill/>
+        </p:spPr>
+        <p:txBody>
+          <a:bodyPr wrap="square" rtlCol="0">
+            <a:spAutoFit/>
+          </a:bodyPr>
+          <a:lstStyle/>
+          <a:p>
+            <a:r>
+              <a:rPr lang="en-US" altLang="ja-JP" sz="1050" dirty="0">
+                <a:solidFill>
+                  <a:schemeClr val="bg1"/>
+                </a:solidFill>
+              </a:rPr>
+              <a:t>PWR</a:t>
+            </a:r>
+            <a:endParaRPr kumimoji="1" lang="ja-JP" altLang="en-US" sz="800" dirty="0">
+              <a:solidFill>
+                <a:schemeClr val="bg1"/>
+              </a:solidFill>
+            </a:endParaRPr>
+          </a:p>
+        </p:txBody>
+      </p:sp>
+      <p:grpSp>
+        <p:nvGrpSpPr>
+          <p:cNvPr id="85" name="グループ化 84"/>
+          <p:cNvGrpSpPr/>
+          <p:nvPr/>
+        </p:nvGrpSpPr>
+        <p:grpSpPr>
+          <a:xfrm>
+            <a:off x="2580153" y="3437373"/>
+            <a:ext cx="2910300" cy="1272380"/>
+            <a:chOff x="2379051" y="1189909"/>
+            <a:chExt cx="3933620" cy="2372354"/>
+          </a:xfrm>
+        </p:grpSpPr>
+        <p:sp>
+          <p:nvSpPr>
+            <p:cNvPr id="86" name="角丸四角形 85"/>
+            <p:cNvSpPr/>
+            <p:nvPr/>
+          </p:nvSpPr>
+          <p:spPr>
+            <a:xfrm>
+              <a:off x="2383609" y="1189909"/>
+              <a:ext cx="3929062" cy="2372354"/>
+            </a:xfrm>
+            <a:prstGeom prst="roundRect">
+              <a:avLst>
+                <a:gd name="adj" fmla="val 5043"/>
+              </a:avLst>
+            </a:prstGeom>
+            <a:solidFill>
+              <a:schemeClr val="bg1"/>
+            </a:solidFill>
+            <a:ln>
+              <a:solidFill>
+                <a:schemeClr val="tx1"/>
+              </a:solidFill>
+            </a:ln>
+          </p:spPr>
+          <p:style>
+            <a:lnRef idx="2">
+              <a:schemeClr val="accent1">
+                <a:shade val="50000"/>
+              </a:schemeClr>
+            </a:lnRef>
+            <a:fillRef idx="1">
+              <a:schemeClr val="accent1"/>
+            </a:fillRef>
+            <a:effectRef idx="0">
+              <a:schemeClr val="accent1"/>
+            </a:effectRef>
+            <a:fontRef idx="minor">
+              <a:schemeClr val="lt1"/>
+            </a:fontRef>
+          </p:style>
+          <p:txBody>
+            <a:bodyPr rtlCol="0" anchor="ctr"/>
+            <a:lstStyle/>
+            <a:p>
+              <a:pPr algn="ctr"/>
+              <a:endParaRPr kumimoji="1" lang="ja-JP" altLang="en-US" dirty="0"/>
+            </a:p>
+          </p:txBody>
+        </p:sp>
+        <p:sp>
+          <p:nvSpPr>
+            <p:cNvPr id="87" name="テキスト ボックス 86"/>
+            <p:cNvSpPr txBox="1"/>
+            <p:nvPr/>
+          </p:nvSpPr>
+          <p:spPr>
+            <a:xfrm>
+              <a:off x="2379051" y="1220213"/>
+              <a:ext cx="2188051" cy="473427"/>
+            </a:xfrm>
+            <a:prstGeom prst="rect">
+              <a:avLst/>
+            </a:prstGeom>
+            <a:noFill/>
+          </p:spPr>
+          <p:txBody>
+            <a:bodyPr wrap="square" rtlCol="0">
+              <a:spAutoFit/>
+            </a:bodyPr>
+            <a:lstStyle/>
+            <a:p>
+              <a:r>
+                <a:rPr kumimoji="1" lang="en-US" altLang="ja-JP" sz="1000" dirty="0" smtClean="0">
+                  <a:latin typeface="源ノ角ゴシック Code JP M" panose="020B0600000000000000" pitchFamily="34" charset="-128"/>
+                  <a:ea typeface="源ノ角ゴシック Code JP M" panose="020B0600000000000000" pitchFamily="34" charset="-128"/>
+                </a:rPr>
+                <a:t>Kicking System</a:t>
+              </a:r>
+              <a:endParaRPr kumimoji="1" lang="ja-JP" altLang="en-US" sz="1000" dirty="0">
+                <a:latin typeface="源ノ角ゴシック Code JP M" panose="020B0600000000000000" pitchFamily="34" charset="-128"/>
+                <a:ea typeface="源ノ角ゴシック Code JP M" panose="020B0600000000000000" pitchFamily="34" charset="-128"/>
+              </a:endParaRPr>
+            </a:p>
+          </p:txBody>
+        </p:sp>
+      </p:grpSp>
+      <p:grpSp>
+        <p:nvGrpSpPr>
+          <p:cNvPr id="90" name="グループ化 89"/>
+          <p:cNvGrpSpPr/>
+          <p:nvPr/>
+        </p:nvGrpSpPr>
+        <p:grpSpPr>
+          <a:xfrm>
+            <a:off x="4583619" y="2324921"/>
+            <a:ext cx="653531" cy="440287"/>
+            <a:chOff x="4272373" y="2326260"/>
+            <a:chExt cx="872266" cy="680316"/>
+          </a:xfrm>
+        </p:grpSpPr>
+        <p:pic>
+          <p:nvPicPr>
+            <p:cNvPr id="91" name="図 90"/>
+            <p:cNvPicPr>
+              <a:picLocks noChangeAspect="1"/>
+            </p:cNvPicPr>
+            <p:nvPr/>
+          </p:nvPicPr>
+          <p:blipFill>
+            <a:blip r:embed="rId9" cstate="print">
+              <a:extLst>
+                <a:ext uri="{28A0092B-C50C-407E-A947-70E740481C1C}">
+                  <a14:useLocalDpi xmlns:a14="http://schemas.microsoft.com/office/drawing/2010/main" val="0"/>
+                </a:ext>
+              </a:extLst>
+            </a:blip>
+            <a:stretch>
+              <a:fillRect/>
+            </a:stretch>
+          </p:blipFill>
+          <p:spPr>
+            <a:xfrm rot="20602808">
+              <a:off x="4272373" y="2432785"/>
+              <a:ext cx="554732" cy="554732"/>
+            </a:xfrm>
+            <a:prstGeom prst="rect">
+              <a:avLst/>
+            </a:prstGeom>
+          </p:spPr>
+        </p:pic>
+        <p:pic>
+          <p:nvPicPr>
+            <p:cNvPr id="92" name="図 91"/>
+            <p:cNvPicPr>
+              <a:picLocks noChangeAspect="1"/>
+            </p:cNvPicPr>
+            <p:nvPr/>
+          </p:nvPicPr>
+          <p:blipFill>
+            <a:blip r:embed="rId9" cstate="print">
+              <a:extLst>
+                <a:ext uri="{28A0092B-C50C-407E-A947-70E740481C1C}">
+                  <a14:useLocalDpi xmlns:a14="http://schemas.microsoft.com/office/drawing/2010/main" val="0"/>
+                </a:ext>
+              </a:extLst>
+            </a:blip>
+            <a:stretch>
+              <a:fillRect/>
+            </a:stretch>
+          </p:blipFill>
+          <p:spPr>
+            <a:xfrm>
+              <a:off x="4435764" y="2326260"/>
+              <a:ext cx="554732" cy="554732"/>
+            </a:xfrm>
+            <a:prstGeom prst="rect">
+              <a:avLst/>
+            </a:prstGeom>
+          </p:spPr>
+        </p:pic>
+        <p:pic>
+          <p:nvPicPr>
+            <p:cNvPr id="93" name="図 92"/>
+            <p:cNvPicPr>
+              <a:picLocks noChangeAspect="1"/>
+            </p:cNvPicPr>
+            <p:nvPr/>
+          </p:nvPicPr>
+          <p:blipFill>
+            <a:blip r:embed="rId9" cstate="print">
+              <a:extLst>
+                <a:ext uri="{28A0092B-C50C-407E-A947-70E740481C1C}">
+                  <a14:useLocalDpi xmlns:a14="http://schemas.microsoft.com/office/drawing/2010/main" val="0"/>
+                </a:ext>
+              </a:extLst>
+            </a:blip>
+            <a:stretch>
+              <a:fillRect/>
+            </a:stretch>
+          </p:blipFill>
+          <p:spPr>
+            <a:xfrm rot="1046195">
+              <a:off x="4589907" y="2451844"/>
+              <a:ext cx="554732" cy="554732"/>
+            </a:xfrm>
+            <a:prstGeom prst="rect">
+              <a:avLst/>
+            </a:prstGeom>
+          </p:spPr>
+        </p:pic>
+      </p:grpSp>
+      <p:sp>
+        <p:nvSpPr>
+          <p:cNvPr id="95" name="正方形/長方形 94"/>
+          <p:cNvSpPr/>
+          <p:nvPr/>
+        </p:nvSpPr>
+        <p:spPr>
+          <a:xfrm>
+            <a:off x="5213963" y="2887093"/>
+            <a:ext cx="266428" cy="129236"/>
+          </a:xfrm>
+          <a:prstGeom prst="rect">
+            <a:avLst/>
+          </a:prstGeom>
+          <a:solidFill>
+            <a:schemeClr val="accent6">
+              <a:lumMod val="60000"/>
+              <a:lumOff val="40000"/>
+            </a:schemeClr>
+          </a:solidFill>
+          <a:ln>
+            <a:noFill/>
+          </a:ln>
+        </p:spPr>
+        <p:style>
+          <a:lnRef idx="2">
+            <a:schemeClr val="accent2">
+              <a:shade val="50000"/>
+            </a:schemeClr>
+          </a:lnRef>
+          <a:fillRef idx="1">
+            <a:schemeClr val="accent2"/>
+          </a:fillRef>
+          <a:effectRef idx="0">
+            <a:schemeClr val="accent2"/>
+          </a:effectRef>
+          <a:fontRef idx="minor">
+            <a:schemeClr val="lt1"/>
+          </a:fontRef>
+        </p:style>
+        <p:txBody>
+          <a:bodyPr rtlCol="0" anchor="ctr"/>
+          <a:lstStyle/>
+          <a:p>
+            <a:pPr algn="ctr"/>
+            <a:endParaRPr kumimoji="1" lang="ja-JP" altLang="en-US" sz="1050" dirty="0"/>
+          </a:p>
+        </p:txBody>
+      </p:sp>
+      <p:sp>
+        <p:nvSpPr>
+          <p:cNvPr id="96" name="正方形/長方形 95"/>
+          <p:cNvSpPr/>
+          <p:nvPr/>
+        </p:nvSpPr>
+        <p:spPr>
+          <a:xfrm rot="16200000">
+            <a:off x="4688352" y="2101781"/>
+            <a:ext cx="1452770" cy="134228"/>
+          </a:xfrm>
+          <a:prstGeom prst="rect">
+            <a:avLst/>
+          </a:prstGeom>
+          <a:solidFill>
+            <a:schemeClr val="accent6">
+              <a:lumMod val="60000"/>
+              <a:lumOff val="40000"/>
+            </a:schemeClr>
+          </a:solidFill>
+          <a:ln>
+            <a:noFill/>
+          </a:ln>
+        </p:spPr>
+        <p:style>
+          <a:lnRef idx="2">
+            <a:schemeClr val="accent2">
+              <a:shade val="50000"/>
+            </a:schemeClr>
+          </a:lnRef>
+          <a:fillRef idx="1">
+            <a:schemeClr val="accent2"/>
+          </a:fillRef>
+          <a:effectRef idx="0">
+            <a:schemeClr val="accent2"/>
+          </a:effectRef>
+          <a:fontRef idx="minor">
+            <a:schemeClr val="lt1"/>
+          </a:fontRef>
+        </p:style>
+        <p:txBody>
+          <a:bodyPr rtlCol="0" anchor="ctr"/>
+          <a:lstStyle/>
+          <a:p>
+            <a:pPr algn="ctr"/>
+            <a:endParaRPr kumimoji="1" lang="ja-JP" altLang="en-US" sz="1050" dirty="0"/>
+          </a:p>
+        </p:txBody>
+      </p:sp>
+      <p:sp>
+        <p:nvSpPr>
+          <p:cNvPr id="97" name="正方形/長方形 96"/>
+          <p:cNvSpPr/>
+          <p:nvPr/>
+        </p:nvSpPr>
+        <p:spPr>
+          <a:xfrm>
+            <a:off x="5353854" y="1430437"/>
+            <a:ext cx="228139" cy="129236"/>
+          </a:xfrm>
+          <a:prstGeom prst="rect">
+            <a:avLst/>
+          </a:prstGeom>
+          <a:solidFill>
+            <a:schemeClr val="accent6">
+              <a:lumMod val="60000"/>
+              <a:lumOff val="40000"/>
+            </a:schemeClr>
+          </a:solidFill>
+          <a:ln>
+            <a:noFill/>
+          </a:ln>
+        </p:spPr>
+        <p:style>
+          <a:lnRef idx="2">
+            <a:schemeClr val="accent2">
+              <a:shade val="50000"/>
+            </a:schemeClr>
+          </a:lnRef>
+          <a:fillRef idx="1">
+            <a:schemeClr val="accent2"/>
+          </a:fillRef>
+          <a:effectRef idx="0">
+            <a:schemeClr val="accent2"/>
+          </a:effectRef>
+          <a:fontRef idx="minor">
+            <a:schemeClr val="lt1"/>
+          </a:fontRef>
+        </p:style>
+        <p:txBody>
+          <a:bodyPr rtlCol="0" anchor="ctr"/>
+          <a:lstStyle/>
+          <a:p>
+            <a:pPr algn="ctr"/>
+            <a:endParaRPr kumimoji="1" lang="ja-JP" altLang="en-US" sz="1050" dirty="0"/>
+          </a:p>
+        </p:txBody>
+      </p:sp>
+      <p:grpSp>
+        <p:nvGrpSpPr>
+          <p:cNvPr id="98" name="グループ化 97"/>
+          <p:cNvGrpSpPr/>
+          <p:nvPr/>
+        </p:nvGrpSpPr>
+        <p:grpSpPr>
+          <a:xfrm>
+            <a:off x="5581361" y="1130711"/>
+            <a:ext cx="1866187" cy="1764569"/>
+            <a:chOff x="2391647" y="1189909"/>
+            <a:chExt cx="3929064" cy="2372354"/>
+          </a:xfrm>
+        </p:grpSpPr>
+        <p:sp>
+          <p:nvSpPr>
+            <p:cNvPr id="99" name="角丸四角形 98"/>
+            <p:cNvSpPr/>
+            <p:nvPr/>
+          </p:nvSpPr>
+          <p:spPr>
+            <a:xfrm>
+              <a:off x="2391649" y="1189909"/>
+              <a:ext cx="3929062" cy="2372354"/>
+            </a:xfrm>
+            <a:prstGeom prst="roundRect">
+              <a:avLst>
+                <a:gd name="adj" fmla="val 5043"/>
+              </a:avLst>
+            </a:prstGeom>
+            <a:noFill/>
+            <a:ln>
+              <a:solidFill>
+                <a:schemeClr val="tx1"/>
+              </a:solidFill>
+            </a:ln>
+          </p:spPr>
+          <p:style>
+            <a:lnRef idx="2">
+              <a:schemeClr val="accent1">
+                <a:shade val="50000"/>
+              </a:schemeClr>
+            </a:lnRef>
+            <a:fillRef idx="1">
+              <a:schemeClr val="accent1"/>
+            </a:fillRef>
+            <a:effectRef idx="0">
+              <a:schemeClr val="accent1"/>
+            </a:effectRef>
+            <a:fontRef idx="minor">
+              <a:schemeClr val="lt1"/>
+            </a:fontRef>
+          </p:style>
+          <p:txBody>
+            <a:bodyPr rtlCol="0" anchor="ctr"/>
+            <a:lstStyle/>
+            <a:p>
+              <a:pPr algn="ctr"/>
+              <a:endParaRPr kumimoji="1" lang="ja-JP" altLang="en-US" dirty="0"/>
+            </a:p>
+          </p:txBody>
+        </p:sp>
+        <p:sp>
+          <p:nvSpPr>
+            <p:cNvPr id="100" name="テキスト ボックス 99"/>
+            <p:cNvSpPr txBox="1"/>
+            <p:nvPr/>
+          </p:nvSpPr>
+          <p:spPr>
+            <a:xfrm>
+              <a:off x="2391647" y="1220349"/>
+              <a:ext cx="3421807" cy="281823"/>
+            </a:xfrm>
+            <a:prstGeom prst="rect">
+              <a:avLst/>
+            </a:prstGeom>
+            <a:noFill/>
+          </p:spPr>
+          <p:txBody>
+            <a:bodyPr wrap="square" rtlCol="0">
+              <a:spAutoFit/>
+            </a:bodyPr>
+            <a:lstStyle/>
+            <a:p>
+              <a:r>
+                <a:rPr kumimoji="1" lang="en-US" altLang="ja-JP" sz="1100" dirty="0" smtClean="0">
+                  <a:latin typeface="源ノ角ゴシック Code JP M" panose="020B0600000000000000" pitchFamily="34" charset="-128"/>
+                  <a:ea typeface="源ノ角ゴシック Code JP M" panose="020B0600000000000000" pitchFamily="34" charset="-128"/>
+                </a:rPr>
+                <a:t>Vision System</a:t>
+              </a:r>
+              <a:endParaRPr kumimoji="1" lang="ja-JP" altLang="en-US" sz="1100" dirty="0">
+                <a:latin typeface="源ノ角ゴシック Code JP M" panose="020B0600000000000000" pitchFamily="34" charset="-128"/>
+                <a:ea typeface="源ノ角ゴシック Code JP M" panose="020B0600000000000000" pitchFamily="34" charset="-128"/>
+              </a:endParaRPr>
+            </a:p>
+          </p:txBody>
+        </p:sp>
+      </p:grpSp>
+      <p:pic>
+        <p:nvPicPr>
+          <p:cNvPr id="88" name="図 87"/>
+          <p:cNvPicPr>
+            <a:picLocks noChangeAspect="1"/>
+          </p:cNvPicPr>
+          <p:nvPr/>
+        </p:nvPicPr>
+        <p:blipFill>
+          <a:blip r:embed="rId12" cstate="print">
+            <a:extLst>
+              <a:ext uri="{28A0092B-C50C-407E-A947-70E740481C1C}">
+                <a14:useLocalDpi xmlns:a14="http://schemas.microsoft.com/office/drawing/2010/main" val="0"/>
+              </a:ext>
+            </a:extLst>
+          </a:blip>
+          <a:stretch>
+            <a:fillRect/>
+          </a:stretch>
+        </p:blipFill>
+        <p:spPr>
+          <a:xfrm>
+            <a:off x="5562752" y="1351432"/>
+            <a:ext cx="1900592" cy="1307052"/>
+          </a:xfrm>
+          <a:prstGeom prst="rect">
+            <a:avLst/>
+          </a:prstGeom>
+        </p:spPr>
+      </p:pic>
+      <p:sp>
+        <p:nvSpPr>
+          <p:cNvPr id="102" name="テキスト ボックス 101"/>
+          <p:cNvSpPr txBox="1"/>
+          <p:nvPr/>
+        </p:nvSpPr>
+        <p:spPr>
+          <a:xfrm>
+            <a:off x="5581747" y="2578903"/>
+            <a:ext cx="1923549" cy="261610"/>
+          </a:xfrm>
+          <a:prstGeom prst="rect">
+            <a:avLst/>
+          </a:prstGeom>
+          <a:noFill/>
+        </p:spPr>
+        <p:txBody>
+          <a:bodyPr wrap="square" rtlCol="0">
+            <a:spAutoFit/>
+          </a:bodyPr>
+          <a:lstStyle/>
+          <a:p>
+            <a:r>
+              <a:rPr kumimoji="1" lang="en-US" altLang="ja-JP" sz="1100" dirty="0" smtClean="0">
+                <a:latin typeface="源ノ角ゴシック Code JP M" panose="020B0600000000000000" pitchFamily="34" charset="-128"/>
+                <a:ea typeface="源ノ角ゴシック Code JP M" panose="020B0600000000000000" pitchFamily="34" charset="-128"/>
+              </a:rPr>
+              <a:t>Camera : </a:t>
+            </a:r>
+            <a:r>
+              <a:rPr lang="en-US" altLang="ja-JP" sz="1050" dirty="0" err="1" smtClean="0">
+                <a:latin typeface="源ノ角ゴシック Code JP M" panose="020B0600000000000000" pitchFamily="34" charset="-128"/>
+                <a:ea typeface="源ノ角ゴシック Code JP M" panose="020B0600000000000000" pitchFamily="34" charset="-128"/>
+              </a:rPr>
+              <a:t>OpenMV</a:t>
+            </a:r>
+            <a:r>
+              <a:rPr lang="en-US" altLang="ja-JP" sz="1050" dirty="0" smtClean="0">
+                <a:latin typeface="源ノ角ゴシック Code JP M" panose="020B0600000000000000" pitchFamily="34" charset="-128"/>
+                <a:ea typeface="源ノ角ゴシック Code JP M" panose="020B0600000000000000" pitchFamily="34" charset="-128"/>
+              </a:rPr>
+              <a:t> H7</a:t>
+            </a:r>
+            <a:endParaRPr kumimoji="1" lang="ja-JP" altLang="en-US" sz="1050" dirty="0">
+              <a:latin typeface="源ノ角ゴシック Code JP M" panose="020B0600000000000000" pitchFamily="34" charset="-128"/>
+              <a:ea typeface="源ノ角ゴシック Code JP M" panose="020B0600000000000000" pitchFamily="34" charset="-128"/>
+            </a:endParaRPr>
+          </a:p>
+        </p:txBody>
+      </p:sp>
+      <p:sp>
+        <p:nvSpPr>
+          <p:cNvPr id="103" name="正方形/長方形 102"/>
+          <p:cNvSpPr/>
+          <p:nvPr/>
+        </p:nvSpPr>
+        <p:spPr>
+          <a:xfrm>
+            <a:off x="5213963" y="3078737"/>
+            <a:ext cx="367398" cy="129236"/>
+          </a:xfrm>
+          <a:prstGeom prst="rect">
+            <a:avLst/>
+          </a:prstGeom>
+          <a:solidFill>
+            <a:schemeClr val="accent6">
+              <a:lumMod val="60000"/>
+              <a:lumOff val="40000"/>
+            </a:schemeClr>
+          </a:solidFill>
+          <a:ln>
+            <a:noFill/>
+          </a:ln>
+        </p:spPr>
+        <p:style>
+          <a:lnRef idx="2">
+            <a:schemeClr val="accent2">
+              <a:shade val="50000"/>
+            </a:schemeClr>
+          </a:lnRef>
+          <a:fillRef idx="1">
+            <a:schemeClr val="accent2"/>
+          </a:fillRef>
+          <a:effectRef idx="0">
+            <a:schemeClr val="accent2"/>
+          </a:effectRef>
+          <a:fontRef idx="minor">
+            <a:schemeClr val="lt1"/>
+          </a:fontRef>
+        </p:style>
+        <p:txBody>
+          <a:bodyPr rtlCol="0" anchor="ctr"/>
+          <a:lstStyle/>
+          <a:p>
+            <a:pPr algn="ctr"/>
+            <a:endParaRPr kumimoji="1" lang="ja-JP" altLang="en-US" sz="1050" dirty="0"/>
+          </a:p>
+        </p:txBody>
+      </p:sp>
+      <p:grpSp>
+        <p:nvGrpSpPr>
+          <p:cNvPr id="104" name="グループ化 103"/>
+          <p:cNvGrpSpPr/>
+          <p:nvPr/>
+        </p:nvGrpSpPr>
+        <p:grpSpPr>
+          <a:xfrm>
+            <a:off x="5581361" y="2960253"/>
+            <a:ext cx="1866187" cy="1764569"/>
+            <a:chOff x="2391647" y="1189909"/>
+            <a:chExt cx="3929064" cy="2372354"/>
+          </a:xfrm>
+        </p:grpSpPr>
+        <p:sp>
+          <p:nvSpPr>
+            <p:cNvPr id="105" name="角丸四角形 104"/>
+            <p:cNvSpPr/>
+            <p:nvPr/>
+          </p:nvSpPr>
+          <p:spPr>
+            <a:xfrm>
+              <a:off x="2391649" y="1189909"/>
+              <a:ext cx="3929062" cy="2372354"/>
+            </a:xfrm>
+            <a:prstGeom prst="roundRect">
+              <a:avLst>
+                <a:gd name="adj" fmla="val 5043"/>
+              </a:avLst>
+            </a:prstGeom>
+            <a:noFill/>
+            <a:ln>
+              <a:solidFill>
+                <a:schemeClr val="tx1"/>
+              </a:solidFill>
+            </a:ln>
+          </p:spPr>
+          <p:style>
+            <a:lnRef idx="2">
+              <a:schemeClr val="accent1">
+                <a:shade val="50000"/>
+              </a:schemeClr>
+            </a:lnRef>
+            <a:fillRef idx="1">
+              <a:schemeClr val="accent1"/>
+            </a:fillRef>
+            <a:effectRef idx="0">
+              <a:schemeClr val="accent1"/>
+            </a:effectRef>
+            <a:fontRef idx="minor">
+              <a:schemeClr val="lt1"/>
+            </a:fontRef>
+          </p:style>
+          <p:txBody>
+            <a:bodyPr rtlCol="0" anchor="ctr"/>
+            <a:lstStyle/>
+            <a:p>
+              <a:pPr algn="ctr"/>
+              <a:endParaRPr kumimoji="1" lang="ja-JP" altLang="en-US" dirty="0"/>
+            </a:p>
+          </p:txBody>
+        </p:sp>
+        <p:sp>
+          <p:nvSpPr>
+            <p:cNvPr id="106" name="テキスト ボックス 105"/>
+            <p:cNvSpPr txBox="1"/>
+            <p:nvPr/>
+          </p:nvSpPr>
+          <p:spPr>
+            <a:xfrm>
+              <a:off x="2391647" y="1220348"/>
+              <a:ext cx="3421807" cy="351718"/>
+            </a:xfrm>
+            <a:prstGeom prst="rect">
+              <a:avLst/>
+            </a:prstGeom>
+            <a:noFill/>
+          </p:spPr>
+          <p:txBody>
+            <a:bodyPr wrap="square" rtlCol="0">
+              <a:spAutoFit/>
+            </a:bodyPr>
+            <a:lstStyle/>
+            <a:p>
+              <a:r>
+                <a:rPr kumimoji="1" lang="en-US" altLang="ja-JP" sz="1100" dirty="0" smtClean="0">
+                  <a:latin typeface="源ノ角ゴシック Code JP M" panose="020B0600000000000000" pitchFamily="34" charset="-128"/>
+                  <a:ea typeface="源ノ角ゴシック Code JP M" panose="020B0600000000000000" pitchFamily="34" charset="-128"/>
+                </a:rPr>
+                <a:t>Line Ring</a:t>
+              </a:r>
+              <a:endParaRPr kumimoji="1" lang="ja-JP" altLang="en-US" sz="1100" dirty="0">
+                <a:latin typeface="源ノ角ゴシック Code JP M" panose="020B0600000000000000" pitchFamily="34" charset="-128"/>
+                <a:ea typeface="源ノ角ゴシック Code JP M" panose="020B0600000000000000" pitchFamily="34" charset="-128"/>
+              </a:endParaRPr>
+            </a:p>
+          </p:txBody>
+        </p:sp>
+      </p:grpSp>
+      <p:sp>
+        <p:nvSpPr>
+          <p:cNvPr id="107" name="テキスト ボックス 106"/>
+          <p:cNvSpPr txBox="1"/>
+          <p:nvPr/>
+        </p:nvSpPr>
+        <p:spPr>
+          <a:xfrm rot="5400000">
+            <a:off x="5097852" y="2188673"/>
+            <a:ext cx="640174" cy="253916"/>
+          </a:xfrm>
+          <a:prstGeom prst="rect">
+            <a:avLst/>
+          </a:prstGeom>
+          <a:noFill/>
+        </p:spPr>
+        <p:txBody>
+          <a:bodyPr wrap="square" rtlCol="0">
+            <a:spAutoFit/>
+          </a:bodyPr>
+          <a:lstStyle/>
+          <a:p>
+            <a:r>
+              <a:rPr lang="en-US" altLang="ja-JP" sz="1050" dirty="0" smtClean="0">
+                <a:solidFill>
+                  <a:schemeClr val="bg1"/>
+                </a:solidFill>
+              </a:rPr>
+              <a:t>Serial</a:t>
+            </a:r>
+            <a:endParaRPr kumimoji="1" lang="ja-JP" altLang="en-US" sz="800" dirty="0">
+              <a:solidFill>
+                <a:schemeClr val="bg1"/>
+              </a:solidFill>
+            </a:endParaRPr>
+          </a:p>
+        </p:txBody>
+      </p:sp>
+      <p:sp>
+        <p:nvSpPr>
+          <p:cNvPr id="108" name="テキスト ボックス 107"/>
+          <p:cNvSpPr txBox="1"/>
+          <p:nvPr/>
+        </p:nvSpPr>
+        <p:spPr>
+          <a:xfrm>
+            <a:off x="5150047" y="3007331"/>
+            <a:ext cx="640174" cy="253916"/>
+          </a:xfrm>
+          <a:prstGeom prst="rect">
+            <a:avLst/>
+          </a:prstGeom>
+          <a:noFill/>
+        </p:spPr>
+        <p:txBody>
+          <a:bodyPr wrap="square" rtlCol="0">
+            <a:spAutoFit/>
+          </a:bodyPr>
+          <a:lstStyle/>
+          <a:p>
+            <a:r>
+              <a:rPr lang="en-US" altLang="ja-JP" sz="1050" dirty="0" smtClean="0">
+                <a:solidFill>
+                  <a:schemeClr val="bg1"/>
+                </a:solidFill>
+              </a:rPr>
+              <a:t>Serial</a:t>
+            </a:r>
+            <a:endParaRPr kumimoji="1" lang="ja-JP" altLang="en-US" sz="800" dirty="0">
+              <a:solidFill>
+                <a:schemeClr val="bg1"/>
+              </a:solidFill>
             </a:endParaRPr>
           </a:p>
         </p:txBody>
@@ -3617,6 +7234,13 @@
   <p:clrMapOvr>
     <a:masterClrMapping/>
   </p:clrMapOvr>
+  <p:timing>
+    <p:tnLst>
+      <p:par>
+        <p:cTn id="1" dur="indefinite" restart="never" nodeType="tmRoot"/>
+      </p:par>
+    </p:tnLst>
+  </p:timing>
 </p:sld>
 </file>
 
